--- a/EV Slide Deck [Autosaved].pptx
+++ b/EV Slide Deck [Autosaved].pptx
@@ -7,16 +7,18 @@
   <p:sldIdLst>
     <p:sldId id="256" r:id="rId2"/>
     <p:sldId id="257" r:id="rId3"/>
-    <p:sldId id="267" r:id="rId4"/>
-    <p:sldId id="263" r:id="rId5"/>
-    <p:sldId id="258" r:id="rId6"/>
-    <p:sldId id="265" r:id="rId7"/>
-    <p:sldId id="259" r:id="rId8"/>
-    <p:sldId id="261" r:id="rId9"/>
-    <p:sldId id="266" r:id="rId10"/>
-    <p:sldId id="260" r:id="rId11"/>
-    <p:sldId id="262" r:id="rId12"/>
-    <p:sldId id="264" r:id="rId13"/>
+    <p:sldId id="263" r:id="rId4"/>
+    <p:sldId id="258" r:id="rId5"/>
+    <p:sldId id="268" r:id="rId6"/>
+    <p:sldId id="269" r:id="rId7"/>
+    <p:sldId id="267" r:id="rId8"/>
+    <p:sldId id="265" r:id="rId9"/>
+    <p:sldId id="259" r:id="rId10"/>
+    <p:sldId id="261" r:id="rId11"/>
+    <p:sldId id="266" r:id="rId12"/>
+    <p:sldId id="260" r:id="rId13"/>
+    <p:sldId id="262" r:id="rId14"/>
+    <p:sldId id="264" r:id="rId15"/>
   </p:sldIdLst>
   <p:sldSz cx="12192000" cy="6858000"/>
   <p:notesSz cx="6858000" cy="9144000"/>
@@ -929,7 +931,7 @@
         <a:p>
           <a:r>
             <a:rPr lang="en-US" dirty="0"/>
-            <a:t>Is an EV appropriate for a median income family earning $51,000?</a:t>
+            <a:t>Is an EV affordable for a median income earning family household in the US?</a:t>
           </a:r>
         </a:p>
       </dgm:t>
@@ -1409,7 +1411,7 @@
           </a:pPr>
           <a:r>
             <a:rPr lang="en-US" sz="1900" kern="1200" dirty="0"/>
-            <a:t>Is an EV appropriate for a median income family earning $51,000?</a:t>
+            <a:t>Is an EV affordable for a median income earning family household in the US?</a:t>
           </a:r>
         </a:p>
       </dsp:txBody>
@@ -3381,7 +3383,7 @@
           <a:p>
             <a:fld id="{48A87A34-81AB-432B-8DAE-1953F412C126}" type="datetimeFigureOut">
               <a:rPr lang="en-US" dirty="0"/>
-              <a:t>6/15/23</a:t>
+              <a:t>6/16/2023</a:t>
             </a:fld>
             <a:endParaRPr lang="en-US" dirty="0"/>
           </a:p>
@@ -3643,7 +3645,7 @@
           <a:p>
             <a:fld id="{48A87A34-81AB-432B-8DAE-1953F412C126}" type="datetimeFigureOut">
               <a:rPr lang="en-US" dirty="0"/>
-              <a:t>6/15/23</a:t>
+              <a:t>6/16/2023</a:t>
             </a:fld>
             <a:endParaRPr lang="en-US" dirty="0"/>
           </a:p>
@@ -3870,7 +3872,7 @@
             <a:fld id="{48A87A34-81AB-432B-8DAE-1953F412C126}" type="datetimeFigureOut">
               <a:rPr lang="en-US" dirty="0"/>
               <a:pPr/>
-              <a:t>6/15/23</a:t>
+              <a:t>6/16/2023</a:t>
             </a:fld>
             <a:endParaRPr lang="en-US" dirty="0"/>
           </a:p>
@@ -4176,7 +4178,7 @@
             <a:fld id="{48A87A34-81AB-432B-8DAE-1953F412C126}" type="datetimeFigureOut">
               <a:rPr lang="en-US" dirty="0"/>
               <a:pPr/>
-              <a:t>6/15/23</a:t>
+              <a:t>6/16/2023</a:t>
             </a:fld>
             <a:endParaRPr lang="en-US" dirty="0"/>
           </a:p>
@@ -4645,7 +4647,7 @@
             <a:fld id="{48A87A34-81AB-432B-8DAE-1953F412C126}" type="datetimeFigureOut">
               <a:rPr lang="en-US" dirty="0"/>
               <a:pPr/>
-              <a:t>6/15/23</a:t>
+              <a:t>6/16/2023</a:t>
             </a:fld>
             <a:endParaRPr lang="en-US" dirty="0"/>
           </a:p>
@@ -5187,7 +5189,7 @@
           <a:p>
             <a:fld id="{48A87A34-81AB-432B-8DAE-1953F412C126}" type="datetimeFigureOut">
               <a:rPr lang="en-US" dirty="0"/>
-              <a:t>6/15/23</a:t>
+              <a:t>6/16/2023</a:t>
             </a:fld>
             <a:endParaRPr lang="en-US" dirty="0"/>
           </a:p>
@@ -5956,7 +5958,7 @@
           <a:p>
             <a:fld id="{48A87A34-81AB-432B-8DAE-1953F412C126}" type="datetimeFigureOut">
               <a:rPr lang="en-US" dirty="0"/>
-              <a:t>6/15/23</a:t>
+              <a:t>6/16/2023</a:t>
             </a:fld>
             <a:endParaRPr lang="en-US" dirty="0"/>
           </a:p>
@@ -6126,7 +6128,7 @@
           <a:p>
             <a:fld id="{48A87A34-81AB-432B-8DAE-1953F412C126}" type="datetimeFigureOut">
               <a:rPr lang="en-US" dirty="0"/>
-              <a:t>6/15/23</a:t>
+              <a:t>6/16/2023</a:t>
             </a:fld>
             <a:endParaRPr lang="en-US" dirty="0"/>
           </a:p>
@@ -6345,7 +6347,7 @@
             <a:fld id="{48A87A34-81AB-432B-8DAE-1953F412C126}" type="datetimeFigureOut">
               <a:rPr lang="en-US" dirty="0"/>
               <a:pPr/>
-              <a:t>6/15/23</a:t>
+              <a:t>6/16/2023</a:t>
             </a:fld>
             <a:endParaRPr lang="en-US" dirty="0"/>
           </a:p>
@@ -6520,7 +6522,7 @@
           <a:p>
             <a:fld id="{48A87A34-81AB-432B-8DAE-1953F412C126}" type="datetimeFigureOut">
               <a:rPr lang="en-US" dirty="0"/>
-              <a:t>6/15/23</a:t>
+              <a:t>6/16/2023</a:t>
             </a:fld>
             <a:endParaRPr lang="en-US" dirty="0"/>
           </a:p>
@@ -6805,7 +6807,7 @@
             <a:fld id="{48A87A34-81AB-432B-8DAE-1953F412C126}" type="datetimeFigureOut">
               <a:rPr lang="en-US" dirty="0"/>
               <a:pPr/>
-              <a:t>6/15/23</a:t>
+              <a:t>6/16/2023</a:t>
             </a:fld>
             <a:endParaRPr lang="en-US" dirty="0"/>
           </a:p>
@@ -7042,7 +7044,7 @@
           <a:p>
             <a:fld id="{48A87A34-81AB-432B-8DAE-1953F412C126}" type="datetimeFigureOut">
               <a:rPr lang="en-US" dirty="0"/>
-              <a:t>6/15/23</a:t>
+              <a:t>6/16/2023</a:t>
             </a:fld>
             <a:endParaRPr lang="en-US" dirty="0"/>
           </a:p>
@@ -7416,7 +7418,7 @@
           <a:p>
             <a:fld id="{48A87A34-81AB-432B-8DAE-1953F412C126}" type="datetimeFigureOut">
               <a:rPr lang="en-US" dirty="0"/>
-              <a:t>6/15/23</a:t>
+              <a:t>6/16/2023</a:t>
             </a:fld>
             <a:endParaRPr lang="en-US" dirty="0"/>
           </a:p>
@@ -7529,7 +7531,7 @@
           <a:p>
             <a:fld id="{48A87A34-81AB-432B-8DAE-1953F412C126}" type="datetimeFigureOut">
               <a:rPr lang="en-US" dirty="0"/>
-              <a:t>6/15/23</a:t>
+              <a:t>6/16/2023</a:t>
             </a:fld>
             <a:endParaRPr lang="en-US" dirty="0"/>
           </a:p>
@@ -7619,7 +7621,7 @@
           <a:p>
             <a:fld id="{48A87A34-81AB-432B-8DAE-1953F412C126}" type="datetimeFigureOut">
               <a:rPr lang="en-US" dirty="0"/>
-              <a:t>6/15/23</a:t>
+              <a:t>6/16/2023</a:t>
             </a:fld>
             <a:endParaRPr lang="en-US" dirty="0"/>
           </a:p>
@@ -7863,7 +7865,7 @@
           <a:p>
             <a:fld id="{48A87A34-81AB-432B-8DAE-1953F412C126}" type="datetimeFigureOut">
               <a:rPr lang="en-US" dirty="0"/>
-              <a:t>6/15/23</a:t>
+              <a:t>6/16/2023</a:t>
             </a:fld>
             <a:endParaRPr lang="en-US" dirty="0"/>
           </a:p>
@@ -8115,7 +8117,7 @@
           <a:p>
             <a:fld id="{48A87A34-81AB-432B-8DAE-1953F412C126}" type="datetimeFigureOut">
               <a:rPr lang="en-US" dirty="0"/>
-              <a:t>6/15/23</a:t>
+              <a:t>6/16/2023</a:t>
             </a:fld>
             <a:endParaRPr lang="en-US" dirty="0"/>
           </a:p>
@@ -8354,7 +8356,7 @@
             <a:fld id="{48A87A34-81AB-432B-8DAE-1953F412C126}" type="datetimeFigureOut">
               <a:rPr lang="en-US" dirty="0"/>
               <a:pPr/>
-              <a:t>6/15/23</a:t>
+              <a:t>6/16/2023</a:t>
             </a:fld>
             <a:endParaRPr lang="en-US" dirty="0"/>
           </a:p>
@@ -9131,76 +9133,7 @@
             <a:pPr algn="l"/>
             <a:r>
               <a:rPr lang="en-US" b="1" dirty="0"/>
-              <a:t>Affordability:</a:t>
-            </a:r>
-          </a:p>
-        </p:txBody>
-      </p:sp>
-      <p:pic>
-        <p:nvPicPr>
-          <p:cNvPr id="4" name="Picture 3" descr="A picture containing text, screenshot, software, diagram&#10;&#10;Description automatically generated">
-            <a:extLst>
-              <a:ext uri="{FF2B5EF4-FFF2-40B4-BE49-F238E27FC236}">
-                <a16:creationId xmlns:a16="http://schemas.microsoft.com/office/drawing/2014/main" id="{98C21998-C237-6ADF-C8DA-069EE575D34D}"/>
-              </a:ext>
-            </a:extLst>
-          </p:cNvPr>
-          <p:cNvPicPr>
-            <a:picLocks noChangeAspect="1"/>
-          </p:cNvPicPr>
-          <p:nvPr/>
-        </p:nvPicPr>
-        <p:blipFill>
-          <a:blip r:embed="rId2"/>
-          <a:stretch>
-            <a:fillRect/>
-          </a:stretch>
-        </p:blipFill>
-        <p:spPr>
-          <a:xfrm>
-            <a:off x="5639658" y="1187793"/>
-            <a:ext cx="5857969" cy="4482414"/>
-          </a:xfrm>
-          <a:prstGeom prst="rect">
-            <a:avLst/>
-          </a:prstGeom>
-        </p:spPr>
-      </p:pic>
-      <p:sp>
-        <p:nvSpPr>
-          <p:cNvPr id="6" name="TextBox 5">
-            <a:extLst>
-              <a:ext uri="{FF2B5EF4-FFF2-40B4-BE49-F238E27FC236}">
-                <a16:creationId xmlns:a16="http://schemas.microsoft.com/office/drawing/2014/main" id="{739AD1D2-D27D-7CC1-B039-5F374DFEDC2A}"/>
-              </a:ext>
-            </a:extLst>
-          </p:cNvPr>
-          <p:cNvSpPr txBox="1"/>
-          <p:nvPr/>
-        </p:nvSpPr>
-        <p:spPr>
-          <a:xfrm>
-            <a:off x="679621" y="1408670"/>
-            <a:ext cx="3978875" cy="369332"/>
-          </a:xfrm>
-          <a:prstGeom prst="rect">
-            <a:avLst/>
-          </a:prstGeom>
-          <a:noFill/>
-        </p:spPr>
-        <p:txBody>
-          <a:bodyPr wrap="square" rtlCol="0">
-            <a:spAutoFit/>
-          </a:bodyPr>
-          <a:lstStyle/>
-          <a:p>
-            <a:pPr marL="285750" indent="-285750">
-              <a:buFont typeface="Arial" panose="020B0604020202020204" pitchFamily="34" charset="0"/>
-              <a:buChar char="•"/>
-            </a:pPr>
-            <a:r>
-              <a:rPr lang="en-US" dirty="0"/>
-              <a:t>T</a:t>
+              <a:t>Commercial Applications:</a:t>
             </a:r>
           </a:p>
         </p:txBody>
@@ -9208,7 +9141,7 @@
     </p:spTree>
     <p:extLst>
       <p:ext uri="{BB962C8B-B14F-4D97-AF65-F5344CB8AC3E}">
-        <p14:creationId xmlns:p14="http://schemas.microsoft.com/office/powerpoint/2010/main" val="1620238228"/>
+        <p14:creationId xmlns:p14="http://schemas.microsoft.com/office/powerpoint/2010/main" val="3967856630"/>
       </p:ext>
     </p:extLst>
   </p:cSld>
@@ -9237,6 +9170,270 @@
       </p:grpSpPr>
       <p:sp>
         <p:nvSpPr>
+          <p:cNvPr id="4" name="TextBox 3">
+            <a:extLst>
+              <a:ext uri="{FF2B5EF4-FFF2-40B4-BE49-F238E27FC236}">
+                <a16:creationId xmlns:a16="http://schemas.microsoft.com/office/drawing/2014/main" id="{041AB2AA-5CEF-3AE5-CD2D-C7427EEA64D2}"/>
+              </a:ext>
+            </a:extLst>
+          </p:cNvPr>
+          <p:cNvSpPr txBox="1"/>
+          <p:nvPr/>
+        </p:nvSpPr>
+        <p:spPr>
+          <a:xfrm>
+            <a:off x="636696" y="643464"/>
+            <a:ext cx="3761964" cy="3273061"/>
+          </a:xfrm>
+          <a:prstGeom prst="rect">
+            <a:avLst/>
+          </a:prstGeom>
+          <a:noFill/>
+          <a:ln w="19050">
+            <a:noFill/>
+            <a:prstDash val="dash"/>
+          </a:ln>
+        </p:spPr>
+        <p:txBody>
+          <a:bodyPr vert="horz" lIns="91440" tIns="45720" rIns="91440" bIns="45720" rtlCol="0" anchor="b">
+            <a:normAutofit/>
+          </a:bodyPr>
+          <a:lstStyle/>
+          <a:p>
+            <a:pPr algn="r" defTabSz="914400">
+              <a:lnSpc>
+                <a:spcPct val="90000"/>
+              </a:lnSpc>
+              <a:spcBef>
+                <a:spcPct val="0"/>
+              </a:spcBef>
+              <a:spcAft>
+                <a:spcPts val="600"/>
+              </a:spcAft>
+            </a:pPr>
+            <a:r>
+              <a:rPr lang="en-US" sz="4800" b="1" cap="all">
+                <a:latin typeface="+mj-lt"/>
+                <a:ea typeface="+mj-ea"/>
+                <a:cs typeface="+mj-cs"/>
+              </a:rPr>
+              <a:t>Dataset Used:</a:t>
+            </a:r>
+          </a:p>
+        </p:txBody>
+      </p:sp>
+    </p:spTree>
+    <p:extLst>
+      <p:ext uri="{BB962C8B-B14F-4D97-AF65-F5344CB8AC3E}">
+        <p14:creationId xmlns:p14="http://schemas.microsoft.com/office/powerpoint/2010/main" val="703174353"/>
+      </p:ext>
+    </p:extLst>
+  </p:cSld>
+  <p:clrMapOvr>
+    <a:masterClrMapping/>
+  </p:clrMapOvr>
+</p:sld>
+</file>
+
+<file path=ppt/slides/slide12.xml><?xml version="1.0" encoding="utf-8"?>
+<p:sld xmlns:a="http://schemas.openxmlformats.org/drawingml/2006/main" xmlns:r="http://schemas.openxmlformats.org/officeDocument/2006/relationships" xmlns:p="http://schemas.openxmlformats.org/presentationml/2006/main">
+  <p:cSld>
+    <p:spTree>
+      <p:nvGrpSpPr>
+        <p:cNvPr id="1" name=""/>
+        <p:cNvGrpSpPr/>
+        <p:nvPr/>
+      </p:nvGrpSpPr>
+      <p:grpSpPr>
+        <a:xfrm>
+          <a:off x="0" y="0"/>
+          <a:ext cx="0" cy="0"/>
+          <a:chOff x="0" y="0"/>
+          <a:chExt cx="0" cy="0"/>
+        </a:xfrm>
+      </p:grpSpPr>
+      <p:sp>
+        <p:nvSpPr>
+          <p:cNvPr id="2" name="Title 1">
+            <a:extLst>
+              <a:ext uri="{FF2B5EF4-FFF2-40B4-BE49-F238E27FC236}">
+                <a16:creationId xmlns:a16="http://schemas.microsoft.com/office/drawing/2014/main" id="{3E98410A-7D2F-6E66-75E5-A7446123ECD0}"/>
+              </a:ext>
+            </a:extLst>
+          </p:cNvPr>
+          <p:cNvSpPr>
+            <a:spLocks noGrp="1"/>
+          </p:cNvSpPr>
+          <p:nvPr>
+            <p:ph type="title"/>
+          </p:nvPr>
+        </p:nvSpPr>
+        <p:spPr>
+          <a:xfrm>
+            <a:off x="231913" y="227660"/>
+            <a:ext cx="8610600" cy="597288"/>
+          </a:xfrm>
+        </p:spPr>
+        <p:txBody>
+          <a:bodyPr>
+            <a:normAutofit fontScale="90000"/>
+          </a:bodyPr>
+          <a:lstStyle/>
+          <a:p>
+            <a:pPr algn="l"/>
+            <a:r>
+              <a:rPr lang="en-US" b="1" dirty="0"/>
+              <a:t>Affordability:</a:t>
+            </a:r>
+          </a:p>
+        </p:txBody>
+      </p:sp>
+      <p:pic>
+        <p:nvPicPr>
+          <p:cNvPr id="4" name="Picture 3" descr="A picture containing text, screenshot, software, diagram&#10;&#10;Description automatically generated">
+            <a:extLst>
+              <a:ext uri="{FF2B5EF4-FFF2-40B4-BE49-F238E27FC236}">
+                <a16:creationId xmlns:a16="http://schemas.microsoft.com/office/drawing/2014/main" id="{98C21998-C237-6ADF-C8DA-069EE575D34D}"/>
+              </a:ext>
+            </a:extLst>
+          </p:cNvPr>
+          <p:cNvPicPr>
+            <a:picLocks noChangeAspect="1"/>
+          </p:cNvPicPr>
+          <p:nvPr/>
+        </p:nvPicPr>
+        <p:blipFill>
+          <a:blip r:embed="rId2"/>
+          <a:stretch>
+            <a:fillRect/>
+          </a:stretch>
+        </p:blipFill>
+        <p:spPr>
+          <a:xfrm>
+            <a:off x="5639658" y="1187793"/>
+            <a:ext cx="5857969" cy="4482414"/>
+          </a:xfrm>
+          <a:prstGeom prst="rect">
+            <a:avLst/>
+          </a:prstGeom>
+        </p:spPr>
+      </p:pic>
+      <p:sp>
+        <p:nvSpPr>
+          <p:cNvPr id="5" name="TextBox 4">
+            <a:extLst>
+              <a:ext uri="{FF2B5EF4-FFF2-40B4-BE49-F238E27FC236}">
+                <a16:creationId xmlns:a16="http://schemas.microsoft.com/office/drawing/2014/main" id="{FFF1BE1F-8816-7FEE-6CF5-61774D29A288}"/>
+              </a:ext>
+            </a:extLst>
+          </p:cNvPr>
+          <p:cNvSpPr txBox="1"/>
+          <p:nvPr/>
+        </p:nvSpPr>
+        <p:spPr>
+          <a:xfrm>
+            <a:off x="231913" y="1720840"/>
+            <a:ext cx="4893107" cy="3693319"/>
+          </a:xfrm>
+          <a:prstGeom prst="rect">
+            <a:avLst/>
+          </a:prstGeom>
+          <a:noFill/>
+        </p:spPr>
+        <p:txBody>
+          <a:bodyPr wrap="square" rtlCol="0">
+            <a:spAutoFit/>
+          </a:bodyPr>
+          <a:lstStyle/>
+          <a:p>
+            <a:pPr marL="285750" indent="-285750">
+              <a:buFont typeface="Arial" panose="020B0604020202020204" pitchFamily="34" charset="0"/>
+              <a:buChar char="•"/>
+            </a:pPr>
+            <a:r>
+              <a:rPr lang="en-US" dirty="0"/>
+              <a:t>Initial investment towards an EV seems high but more the usage charging cost become more effective compared to fuel cost (</a:t>
+            </a:r>
+            <a:r>
+              <a:rPr lang="en-US" dirty="0" err="1"/>
+              <a:t>eg</a:t>
+            </a:r>
+            <a:r>
+              <a:rPr lang="en-US" dirty="0"/>
+              <a:t> after ~7 years).</a:t>
+            </a:r>
+          </a:p>
+          <a:p>
+            <a:pPr marL="285750" indent="-285750">
+              <a:buFont typeface="Arial" panose="020B0604020202020204" pitchFamily="34" charset="0"/>
+              <a:buChar char="•"/>
+            </a:pPr>
+            <a:r>
+              <a:rPr lang="en-US" dirty="0"/>
+              <a:t>Price range seems comparable after 10 years of usage.</a:t>
+            </a:r>
+          </a:p>
+          <a:p>
+            <a:pPr marL="285750" indent="-285750">
+              <a:buFont typeface="Arial" panose="020B0604020202020204" pitchFamily="34" charset="0"/>
+              <a:buChar char="•"/>
+            </a:pPr>
+            <a:r>
+              <a:rPr lang="en-US" dirty="0"/>
+              <a:t>Additional maintenance cost, insurance and repair not considered in this chart.</a:t>
+            </a:r>
+          </a:p>
+          <a:p>
+            <a:pPr marL="285750" indent="-285750">
+              <a:buFont typeface="Arial" panose="020B0604020202020204" pitchFamily="34" charset="0"/>
+              <a:buChar char="•"/>
+            </a:pPr>
+            <a:r>
+              <a:rPr lang="en-US" dirty="0"/>
+              <a:t>This also proves to be nature friendly solution with less emission and conservation of burning fuel energy.</a:t>
+            </a:r>
+          </a:p>
+          <a:p>
+            <a:pPr marL="285750" indent="-285750">
+              <a:buFont typeface="Arial" panose="020B0604020202020204" pitchFamily="34" charset="0"/>
+              <a:buChar char="•"/>
+            </a:pPr>
+            <a:endParaRPr lang="en-US" dirty="0"/>
+          </a:p>
+        </p:txBody>
+      </p:sp>
+    </p:spTree>
+    <p:extLst>
+      <p:ext uri="{BB962C8B-B14F-4D97-AF65-F5344CB8AC3E}">
+        <p14:creationId xmlns:p14="http://schemas.microsoft.com/office/powerpoint/2010/main" val="1620238228"/>
+      </p:ext>
+    </p:extLst>
+  </p:cSld>
+  <p:clrMapOvr>
+    <a:masterClrMapping/>
+  </p:clrMapOvr>
+</p:sld>
+</file>
+
+<file path=ppt/slides/slide13.xml><?xml version="1.0" encoding="utf-8"?>
+<p:sld xmlns:a="http://schemas.openxmlformats.org/drawingml/2006/main" xmlns:r="http://schemas.openxmlformats.org/officeDocument/2006/relationships" xmlns:p="http://schemas.openxmlformats.org/presentationml/2006/main">
+  <p:cSld>
+    <p:spTree>
+      <p:nvGrpSpPr>
+        <p:cNvPr id="1" name=""/>
+        <p:cNvGrpSpPr/>
+        <p:nvPr/>
+      </p:nvGrpSpPr>
+      <p:grpSpPr>
+        <a:xfrm>
+          <a:off x="0" y="0"/>
+          <a:ext cx="0" cy="0"/>
+          <a:chOff x="0" y="0"/>
+          <a:chExt cx="0" cy="0"/>
+        </a:xfrm>
+      </p:grpSpPr>
+      <p:sp>
+        <p:nvSpPr>
           <p:cNvPr id="2" name="Title 1">
             <a:extLst>
               <a:ext uri="{FF2B5EF4-FFF2-40B4-BE49-F238E27FC236}">
@@ -9383,7 +9580,7 @@
 </p:sld>
 </file>
 
-<file path=ppt/slides/slide12.xml><?xml version="1.0" encoding="utf-8"?>
+<file path=ppt/slides/slide14.xml><?xml version="1.0" encoding="utf-8"?>
 <p:sld xmlns:a="http://schemas.openxmlformats.org/drawingml/2006/main" xmlns:r="http://schemas.openxmlformats.org/officeDocument/2006/relationships" xmlns:p="http://schemas.openxmlformats.org/presentationml/2006/main">
   <p:cSld>
     <p:bg>
@@ -9826,7 +10023,7 @@
           <p:nvPr>
             <p:extLst>
               <p:ext uri="{D42A27DB-BD31-4B8C-83A1-F6EECF244321}">
-                <p14:modId xmlns:p14="http://schemas.microsoft.com/office/powerpoint/2010/main" val="1987353579"/>
+                <p14:modId xmlns:p14="http://schemas.microsoft.com/office/powerpoint/2010/main" val="3920098799"/>
               </p:ext>
             </p:extLst>
           </p:nvPr>
@@ -9908,64 +10105,46 @@
       </p:grpSpPr>
       <p:sp>
         <p:nvSpPr>
-          <p:cNvPr id="4" name="TextBox 3">
+          <p:cNvPr id="2" name="Title 1">
             <a:extLst>
               <a:ext uri="{FF2B5EF4-FFF2-40B4-BE49-F238E27FC236}">
-                <a16:creationId xmlns:a16="http://schemas.microsoft.com/office/drawing/2014/main" id="{041AB2AA-5CEF-3AE5-CD2D-C7427EEA64D2}"/>
+                <a16:creationId xmlns:a16="http://schemas.microsoft.com/office/drawing/2014/main" id="{3E98410A-7D2F-6E66-75E5-A7446123ECD0}"/>
               </a:ext>
             </a:extLst>
           </p:cNvPr>
-          <p:cNvSpPr txBox="1"/>
-          <p:nvPr/>
-        </p:nvSpPr>
-        <p:spPr>
-          <a:xfrm>
-            <a:off x="636696" y="643464"/>
-            <a:ext cx="3761964" cy="3273061"/>
-          </a:xfrm>
-          <a:prstGeom prst="rect">
-            <a:avLst/>
-          </a:prstGeom>
-          <a:noFill/>
-          <a:ln w="19050">
-            <a:noFill/>
-            <a:prstDash val="dash"/>
-          </a:ln>
-        </p:spPr>
-        <p:txBody>
-          <a:bodyPr vert="horz" lIns="91440" tIns="45720" rIns="91440" bIns="45720" rtlCol="0" anchor="b">
-            <a:normAutofit/>
+          <p:cNvSpPr>
+            <a:spLocks noGrp="1"/>
+          </p:cNvSpPr>
+          <p:nvPr>
+            <p:ph type="title"/>
+          </p:nvPr>
+        </p:nvSpPr>
+        <p:spPr>
+          <a:xfrm>
+            <a:off x="286667" y="49702"/>
+            <a:ext cx="11775747" cy="597288"/>
+          </a:xfrm>
+        </p:spPr>
+        <p:txBody>
+          <a:bodyPr>
+            <a:normAutofit fontScale="90000"/>
           </a:bodyPr>
           <a:lstStyle/>
           <a:p>
-            <a:pPr algn="r" defTabSz="914400">
-              <a:lnSpc>
-                <a:spcPct val="90000"/>
-              </a:lnSpc>
-              <a:spcBef>
-                <a:spcPct val="0"/>
-              </a:spcBef>
-              <a:spcAft>
-                <a:spcPts val="600"/>
-              </a:spcAft>
-            </a:pPr>
-            <a:r>
-              <a:rPr lang="en-US" sz="4800" b="1" cap="all">
-                <a:latin typeface="+mj-lt"/>
-                <a:ea typeface="+mj-ea"/>
-                <a:cs typeface="+mj-cs"/>
-              </a:rPr>
-              <a:t>Dataset Used:</a:t>
+            <a:pPr algn="ctr"/>
+            <a:r>
+              <a:rPr lang="en-US" b="1" dirty="0"/>
+              <a:t>Electric vehicle dataset</a:t>
             </a:r>
           </a:p>
         </p:txBody>
       </p:sp>
       <p:pic>
         <p:nvPicPr>
-          <p:cNvPr id="2" name="Picture 1" descr="A picture containing text, screenshot, font, number&#10;&#10;Description automatically generated">
+          <p:cNvPr id="7" name="Picture 6">
             <a:extLst>
               <a:ext uri="{FF2B5EF4-FFF2-40B4-BE49-F238E27FC236}">
-                <a16:creationId xmlns:a16="http://schemas.microsoft.com/office/drawing/2014/main" id="{CC9AD9B2-9A6B-C7E6-5F11-A7A0DE26AB36}"/>
+                <a16:creationId xmlns:a16="http://schemas.microsoft.com/office/drawing/2014/main" id="{EB46E096-86E9-551D-1ABA-E2EED7368F39}"/>
               </a:ext>
             </a:extLst>
           </p:cNvPr>
@@ -9982,18 +10161,143 @@
         </p:blipFill>
         <p:spPr>
           <a:xfrm>
-            <a:off x="5012136" y="1615645"/>
-            <a:ext cx="6699129" cy="3907825"/>
+            <a:off x="110348" y="824948"/>
+            <a:ext cx="6977264" cy="3007866"/>
           </a:xfrm>
           <a:prstGeom prst="rect">
             <a:avLst/>
           </a:prstGeom>
         </p:spPr>
       </p:pic>
+      <p:pic>
+        <p:nvPicPr>
+          <p:cNvPr id="20" name="Picture 19">
+            <a:extLst>
+              <a:ext uri="{FF2B5EF4-FFF2-40B4-BE49-F238E27FC236}">
+                <a16:creationId xmlns:a16="http://schemas.microsoft.com/office/drawing/2014/main" id="{123BB9D2-154D-DE25-BE87-1D40121BD20D}"/>
+              </a:ext>
+            </a:extLst>
+          </p:cNvPr>
+          <p:cNvPicPr>
+            <a:picLocks noChangeAspect="1"/>
+          </p:cNvPicPr>
+          <p:nvPr/>
+        </p:nvPicPr>
+        <p:blipFill>
+          <a:blip r:embed="rId3"/>
+          <a:stretch>
+            <a:fillRect/>
+          </a:stretch>
+        </p:blipFill>
+        <p:spPr>
+          <a:xfrm>
+            <a:off x="2967693" y="3932178"/>
+            <a:ext cx="7998760" cy="2876120"/>
+          </a:xfrm>
+          <a:prstGeom prst="rect">
+            <a:avLst/>
+          </a:prstGeom>
+        </p:spPr>
+      </p:pic>
+      <p:sp>
+        <p:nvSpPr>
+          <p:cNvPr id="28" name="Arrow: Bent 27">
+            <a:extLst>
+              <a:ext uri="{FF2B5EF4-FFF2-40B4-BE49-F238E27FC236}">
+                <a16:creationId xmlns:a16="http://schemas.microsoft.com/office/drawing/2014/main" id="{7ED72CBD-6B0B-A4FD-AC3E-884564D90742}"/>
+              </a:ext>
+            </a:extLst>
+          </p:cNvPr>
+          <p:cNvSpPr/>
+          <p:nvPr/>
+        </p:nvSpPr>
+        <p:spPr>
+          <a:xfrm rot="5400000">
+            <a:off x="7129035" y="2443866"/>
+            <a:ext cx="1160796" cy="930827"/>
+          </a:xfrm>
+          <a:prstGeom prst="bentArrow">
+            <a:avLst/>
+          </a:prstGeom>
+        </p:spPr>
+        <p:style>
+          <a:lnRef idx="2">
+            <a:schemeClr val="accent1">
+              <a:shade val="15000"/>
+            </a:schemeClr>
+          </a:lnRef>
+          <a:fillRef idx="1">
+            <a:schemeClr val="accent1"/>
+          </a:fillRef>
+          <a:effectRef idx="0">
+            <a:schemeClr val="accent1"/>
+          </a:effectRef>
+          <a:fontRef idx="minor">
+            <a:schemeClr val="lt1"/>
+          </a:fontRef>
+        </p:style>
+        <p:txBody>
+          <a:bodyPr rtlCol="0" anchor="ctr"/>
+          <a:lstStyle/>
+          <a:p>
+            <a:pPr algn="ctr"/>
+            <a:endParaRPr lang="en-US">
+              <a:solidFill>
+                <a:schemeClr val="tx1"/>
+              </a:solidFill>
+            </a:endParaRPr>
+          </a:p>
+        </p:txBody>
+      </p:sp>
+      <p:sp>
+        <p:nvSpPr>
+          <p:cNvPr id="29" name="TextBox 28">
+            <a:extLst>
+              <a:ext uri="{FF2B5EF4-FFF2-40B4-BE49-F238E27FC236}">
+                <a16:creationId xmlns:a16="http://schemas.microsoft.com/office/drawing/2014/main" id="{68ABC5AF-BB6E-1C06-6947-012C0ACC351A}"/>
+              </a:ext>
+            </a:extLst>
+          </p:cNvPr>
+          <p:cNvSpPr txBox="1"/>
+          <p:nvPr/>
+        </p:nvSpPr>
+        <p:spPr>
+          <a:xfrm>
+            <a:off x="7994156" y="824948"/>
+            <a:ext cx="3635697" cy="923330"/>
+          </a:xfrm>
+          <a:prstGeom prst="rect">
+            <a:avLst/>
+          </a:prstGeom>
+          <a:noFill/>
+        </p:spPr>
+        <p:txBody>
+          <a:bodyPr wrap="square" rtlCol="0">
+            <a:spAutoFit/>
+          </a:bodyPr>
+          <a:lstStyle/>
+          <a:p>
+            <a:r>
+              <a:rPr lang="en-US" b="1" dirty="0"/>
+              <a:t>Data Cleaned up:</a:t>
+            </a:r>
+          </a:p>
+          <a:p>
+            <a:pPr marL="285750" indent="-285750">
+              <a:buFont typeface="Arial" panose="020B0604020202020204" pitchFamily="34" charset="0"/>
+              <a:buChar char="•"/>
+            </a:pPr>
+            <a:r>
+              <a:rPr lang="en-US" dirty="0"/>
+              <a:t>Conversion of cost from Euro to US Dollars.</a:t>
+            </a:r>
+          </a:p>
+        </p:txBody>
+      </p:sp>
     </p:spTree>
     <p:extLst>
       <p:ext uri="{BB962C8B-B14F-4D97-AF65-F5344CB8AC3E}">
-        <p14:creationId xmlns:p14="http://schemas.microsoft.com/office/powerpoint/2010/main" val="1543669436"/>
+        <p14:creationId xmlns:p14="http://schemas.microsoft.com/office/powerpoint/2010/main" val="2314425764"/>
       </p:ext>
     </p:extLst>
   </p:cSld>
@@ -10038,8 +10342,8 @@
         </p:nvSpPr>
         <p:spPr>
           <a:xfrm>
-            <a:off x="231913" y="227660"/>
-            <a:ext cx="8610600" cy="597288"/>
+            <a:off x="231912" y="85309"/>
+            <a:ext cx="11960088" cy="597288"/>
           </a:xfrm>
         </p:spPr>
         <p:txBody>
@@ -10048,20 +10352,50 @@
           </a:bodyPr>
           <a:lstStyle/>
           <a:p>
-            <a:pPr algn="l"/>
+            <a:pPr algn="ctr"/>
             <a:r>
               <a:rPr lang="en-US" b="1" dirty="0"/>
-              <a:t>Budget Considerations:</a:t>
-            </a:r>
-          </a:p>
-        </p:txBody>
-      </p:sp>
-      <p:sp>
-        <p:nvSpPr>
-          <p:cNvPr id="5" name="TextBox 4">
+              <a:t>Electric vehicle Models</a:t>
+            </a:r>
+          </a:p>
+        </p:txBody>
+      </p:sp>
+      <p:pic>
+        <p:nvPicPr>
+          <p:cNvPr id="4" name="Picture 3" descr="A picture containing screenshot, plot, line, diagram&#10;&#10;Description automatically generated">
             <a:extLst>
               <a:ext uri="{FF2B5EF4-FFF2-40B4-BE49-F238E27FC236}">
-                <a16:creationId xmlns:a16="http://schemas.microsoft.com/office/drawing/2014/main" id="{EF9874FA-8D1E-CDFF-C6A1-EF85D1398D0F}"/>
+                <a16:creationId xmlns:a16="http://schemas.microsoft.com/office/drawing/2014/main" id="{C590FFF7-9983-C679-3CA5-000CB62646D1}"/>
+              </a:ext>
+            </a:extLst>
+          </p:cNvPr>
+          <p:cNvPicPr>
+            <a:picLocks noChangeAspect="1"/>
+          </p:cNvPicPr>
+          <p:nvPr/>
+        </p:nvPicPr>
+        <p:blipFill>
+          <a:blip r:embed="rId2"/>
+          <a:stretch>
+            <a:fillRect/>
+          </a:stretch>
+        </p:blipFill>
+        <p:spPr>
+          <a:xfrm>
+            <a:off x="66159" y="824948"/>
+            <a:ext cx="5852801" cy="2527814"/>
+          </a:xfrm>
+          <a:prstGeom prst="rect">
+            <a:avLst/>
+          </a:prstGeom>
+        </p:spPr>
+      </p:pic>
+      <p:sp>
+        <p:nvSpPr>
+          <p:cNvPr id="3" name="TextBox 2">
+            <a:extLst>
+              <a:ext uri="{FF2B5EF4-FFF2-40B4-BE49-F238E27FC236}">
+                <a16:creationId xmlns:a16="http://schemas.microsoft.com/office/drawing/2014/main" id="{6AA55FC7-F51E-EDDD-39D1-FACFD7D32DB0}"/>
               </a:ext>
             </a:extLst>
           </p:cNvPr>
@@ -10070,8 +10404,8 @@
         </p:nvSpPr>
         <p:spPr>
           <a:xfrm>
-            <a:off x="460020" y="1055428"/>
-            <a:ext cx="7895967" cy="646331"/>
+            <a:off x="6096000" y="1057667"/>
+            <a:ext cx="4567914" cy="738664"/>
           </a:xfrm>
           <a:prstGeom prst="rect">
             <a:avLst/>
@@ -10084,24 +10418,143 @@
           </a:bodyPr>
           <a:lstStyle/>
           <a:p>
-            <a:pPr marL="285750" indent="-285750">
-              <a:buFont typeface="Arial" panose="020B0604020202020204" pitchFamily="34" charset="0"/>
-              <a:buChar char="•"/>
+            <a:pPr marL="342900" indent="-342900">
+              <a:buFont typeface="Wingdings" panose="05000000000000000000" pitchFamily="2" charset="2"/>
+              <a:buChar char="v"/>
             </a:pPr>
             <a:r>
-              <a:rPr lang="en-US" dirty="0"/>
-              <a:t>Average median income is $51,000</a:t>
-            </a:r>
-          </a:p>
-          <a:p>
-            <a:endParaRPr lang="en-US" dirty="0"/>
+              <a:rPr lang="en-US" sz="1400" dirty="0"/>
+              <a:t>From a first order analysis, it is evident that there are around ~60 EV options less than $50k price range.</a:t>
+            </a:r>
+          </a:p>
+        </p:txBody>
+      </p:sp>
+      <p:sp>
+        <p:nvSpPr>
+          <p:cNvPr id="6" name="Oval 5">
+            <a:extLst>
+              <a:ext uri="{FF2B5EF4-FFF2-40B4-BE49-F238E27FC236}">
+                <a16:creationId xmlns:a16="http://schemas.microsoft.com/office/drawing/2014/main" id="{C4D99924-1EE3-2B90-D802-06B66BA266E4}"/>
+              </a:ext>
+            </a:extLst>
+          </p:cNvPr>
+          <p:cNvSpPr/>
+          <p:nvPr/>
+        </p:nvSpPr>
+        <p:spPr>
+          <a:xfrm>
+            <a:off x="566232" y="925046"/>
+            <a:ext cx="725974" cy="2411043"/>
+          </a:xfrm>
+          <a:prstGeom prst="ellipse">
+            <a:avLst/>
+          </a:prstGeom>
+          <a:noFill/>
+          <a:ln w="28575">
+            <a:solidFill>
+              <a:srgbClr val="7030A0"/>
+            </a:solidFill>
+            <a:prstDash val="dashDot"/>
+          </a:ln>
+        </p:spPr>
+        <p:style>
+          <a:lnRef idx="2">
+            <a:schemeClr val="accent1">
+              <a:shade val="15000"/>
+            </a:schemeClr>
+          </a:lnRef>
+          <a:fillRef idx="1">
+            <a:schemeClr val="accent1"/>
+          </a:fillRef>
+          <a:effectRef idx="0">
+            <a:schemeClr val="accent1"/>
+          </a:effectRef>
+          <a:fontRef idx="minor">
+            <a:schemeClr val="lt1"/>
+          </a:fontRef>
+        </p:style>
+        <p:txBody>
+          <a:bodyPr rtlCol="0" anchor="ctr"/>
+          <a:lstStyle/>
+          <a:p>
+            <a:pPr algn="ctr"/>
+            <a:endParaRPr lang="en-US"/>
+          </a:p>
+        </p:txBody>
+      </p:sp>
+      <p:pic>
+        <p:nvPicPr>
+          <p:cNvPr id="7" name="Picture 6">
+            <a:extLst>
+              <a:ext uri="{FF2B5EF4-FFF2-40B4-BE49-F238E27FC236}">
+                <a16:creationId xmlns:a16="http://schemas.microsoft.com/office/drawing/2014/main" id="{9CECBAA9-EA0A-BC3B-5B92-5C011C12771A}"/>
+              </a:ext>
+            </a:extLst>
+          </p:cNvPr>
+          <p:cNvPicPr>
+            <a:picLocks noChangeAspect="1"/>
+          </p:cNvPicPr>
+          <p:nvPr/>
+        </p:nvPicPr>
+        <p:blipFill>
+          <a:blip r:embed="rId3"/>
+          <a:stretch>
+            <a:fillRect/>
+          </a:stretch>
+        </p:blipFill>
+        <p:spPr>
+          <a:xfrm>
+            <a:off x="5462424" y="3429000"/>
+            <a:ext cx="6477251" cy="3270191"/>
+          </a:xfrm>
+          <a:prstGeom prst="rect">
+            <a:avLst/>
+          </a:prstGeom>
+        </p:spPr>
+      </p:pic>
+      <p:sp>
+        <p:nvSpPr>
+          <p:cNvPr id="8" name="TextBox 7">
+            <a:extLst>
+              <a:ext uri="{FF2B5EF4-FFF2-40B4-BE49-F238E27FC236}">
+                <a16:creationId xmlns:a16="http://schemas.microsoft.com/office/drawing/2014/main" id="{E4BBBE64-02E2-A698-2D34-B87FA95E417B}"/>
+              </a:ext>
+            </a:extLst>
+          </p:cNvPr>
+          <p:cNvSpPr txBox="1"/>
+          <p:nvPr/>
+        </p:nvSpPr>
+        <p:spPr>
+          <a:xfrm>
+            <a:off x="894510" y="4535861"/>
+            <a:ext cx="4567914" cy="738664"/>
+          </a:xfrm>
+          <a:prstGeom prst="rect">
+            <a:avLst/>
+          </a:prstGeom>
+          <a:noFill/>
+        </p:spPr>
+        <p:txBody>
+          <a:bodyPr wrap="square" rtlCol="0">
+            <a:spAutoFit/>
+          </a:bodyPr>
+          <a:lstStyle/>
+          <a:p>
+            <a:pPr marL="342900" indent="-342900">
+              <a:buFont typeface="Wingdings" panose="05000000000000000000" pitchFamily="2" charset="2"/>
+              <a:buChar char="v"/>
+            </a:pPr>
+            <a:r>
+              <a:rPr lang="en-US" sz="1400" dirty="0"/>
+              <a:t>The graph shows the number of Electric Vehicle models per car manufacturing companies with Tesla leading the chart.</a:t>
+            </a:r>
           </a:p>
         </p:txBody>
       </p:sp>
     </p:spTree>
     <p:extLst>
       <p:ext uri="{BB962C8B-B14F-4D97-AF65-F5344CB8AC3E}">
-        <p14:creationId xmlns:p14="http://schemas.microsoft.com/office/powerpoint/2010/main" val="2314425764"/>
+        <p14:creationId xmlns:p14="http://schemas.microsoft.com/office/powerpoint/2010/main" val="3451498179"/>
       </p:ext>
     </p:extLst>
   </p:cSld>
@@ -10146,8 +10599,8 @@
         </p:nvSpPr>
         <p:spPr>
           <a:xfrm>
-            <a:off x="231913" y="227660"/>
-            <a:ext cx="8610600" cy="597288"/>
+            <a:off x="-102091" y="107201"/>
+            <a:ext cx="12054995" cy="597288"/>
           </a:xfrm>
         </p:spPr>
         <p:txBody>
@@ -10156,20 +10609,28 @@
           </a:bodyPr>
           <a:lstStyle/>
           <a:p>
-            <a:pPr algn="l"/>
+            <a:pPr algn="ctr"/>
             <a:r>
               <a:rPr lang="en-US" b="1" dirty="0"/>
-              <a:t>Budget Considerations:</a:t>
+              <a:t>US </a:t>
+            </a:r>
+            <a:r>
+              <a:rPr lang="en-US" b="1" dirty="0" err="1"/>
+              <a:t>MEDIAn</a:t>
+            </a:r>
+            <a:r>
+              <a:rPr lang="en-US" b="1" dirty="0"/>
+              <a:t> income details</a:t>
             </a:r>
           </a:p>
         </p:txBody>
       </p:sp>
       <p:pic>
         <p:nvPicPr>
-          <p:cNvPr id="4" name="Picture 3" descr="A picture containing screenshot, plot, line, diagram&#10;&#10;Description automatically generated">
+          <p:cNvPr id="9" name="Picture 8">
             <a:extLst>
               <a:ext uri="{FF2B5EF4-FFF2-40B4-BE49-F238E27FC236}">
-                <a16:creationId xmlns:a16="http://schemas.microsoft.com/office/drawing/2014/main" id="{C590FFF7-9983-C679-3CA5-000CB62646D1}"/>
+                <a16:creationId xmlns:a16="http://schemas.microsoft.com/office/drawing/2014/main" id="{749679A5-7508-9E5F-8840-1C821EFC39A1}"/>
               </a:ext>
             </a:extLst>
           </p:cNvPr>
@@ -10186,60 +10647,238 @@
         </p:blipFill>
         <p:spPr>
           <a:xfrm>
-            <a:off x="619180" y="931802"/>
-            <a:ext cx="9229456" cy="3986186"/>
+            <a:off x="97679" y="2161035"/>
+            <a:ext cx="4297001" cy="2931133"/>
           </a:xfrm>
           <a:prstGeom prst="rect">
             <a:avLst/>
           </a:prstGeom>
         </p:spPr>
       </p:pic>
-      <p:sp>
-        <p:nvSpPr>
-          <p:cNvPr id="5" name="TextBox 4">
+      <p:pic>
+        <p:nvPicPr>
+          <p:cNvPr id="11" name="Picture 10">
             <a:extLst>
               <a:ext uri="{FF2B5EF4-FFF2-40B4-BE49-F238E27FC236}">
-                <a16:creationId xmlns:a16="http://schemas.microsoft.com/office/drawing/2014/main" id="{EF9874FA-8D1E-CDFF-C6A1-EF85D1398D0F}"/>
+                <a16:creationId xmlns:a16="http://schemas.microsoft.com/office/drawing/2014/main" id="{89AEFA53-FC1A-1B1E-B9C4-02981AC47816}"/>
               </a:ext>
             </a:extLst>
           </p:cNvPr>
-          <p:cNvSpPr txBox="1"/>
+          <p:cNvPicPr>
+            <a:picLocks noChangeAspect="1"/>
+          </p:cNvPicPr>
           <p:nvPr/>
-        </p:nvSpPr>
-        <p:spPr>
-          <a:xfrm>
-            <a:off x="619180" y="5140411"/>
-            <a:ext cx="7895967" cy="646331"/>
+        </p:nvPicPr>
+        <p:blipFill>
+          <a:blip r:embed="rId3"/>
+          <a:stretch>
+            <a:fillRect/>
+          </a:stretch>
+        </p:blipFill>
+        <p:spPr>
+          <a:xfrm>
+            <a:off x="5453547" y="1159217"/>
+            <a:ext cx="5823512" cy="5246139"/>
           </a:xfrm>
           <a:prstGeom prst="rect">
             <a:avLst/>
           </a:prstGeom>
+        </p:spPr>
+      </p:pic>
+      <p:sp>
+        <p:nvSpPr>
+          <p:cNvPr id="12" name="Rectangle: Rounded Corners 11">
+            <a:extLst>
+              <a:ext uri="{FF2B5EF4-FFF2-40B4-BE49-F238E27FC236}">
+                <a16:creationId xmlns:a16="http://schemas.microsoft.com/office/drawing/2014/main" id="{3CEA5A31-6FA1-C61A-8934-A9EFB7F60100}"/>
+              </a:ext>
+            </a:extLst>
+          </p:cNvPr>
+          <p:cNvSpPr/>
+          <p:nvPr/>
+        </p:nvSpPr>
+        <p:spPr>
+          <a:xfrm>
+            <a:off x="5387843" y="2053294"/>
+            <a:ext cx="1664536" cy="317575"/>
+          </a:xfrm>
+          <a:prstGeom prst="roundRect">
+            <a:avLst/>
+          </a:prstGeom>
           <a:noFill/>
-        </p:spPr>
-        <p:txBody>
-          <a:bodyPr wrap="square" rtlCol="0">
-            <a:spAutoFit/>
-          </a:bodyPr>
+          <a:ln w="28575">
+            <a:solidFill>
+              <a:srgbClr val="9EEB89"/>
+            </a:solidFill>
+            <a:prstDash val="dash"/>
+          </a:ln>
+        </p:spPr>
+        <p:style>
+          <a:lnRef idx="2">
+            <a:schemeClr val="accent1">
+              <a:shade val="15000"/>
+            </a:schemeClr>
+          </a:lnRef>
+          <a:fillRef idx="1">
+            <a:schemeClr val="accent1"/>
+          </a:fillRef>
+          <a:effectRef idx="0">
+            <a:schemeClr val="accent1"/>
+          </a:effectRef>
+          <a:fontRef idx="minor">
+            <a:schemeClr val="lt1"/>
+          </a:fontRef>
+        </p:style>
+        <p:txBody>
+          <a:bodyPr rtlCol="0" anchor="ctr"/>
           <a:lstStyle/>
           <a:p>
-            <a:pPr marL="285750" indent="-285750">
-              <a:buFont typeface="Arial" panose="020B0604020202020204" pitchFamily="34" charset="0"/>
-              <a:buChar char="•"/>
-            </a:pPr>
-            <a:r>
-              <a:rPr lang="en-US" dirty="0"/>
-              <a:t>Average median income is $51,000</a:t>
-            </a:r>
-          </a:p>
-          <a:p>
-            <a:endParaRPr lang="en-US" dirty="0"/>
-          </a:p>
-        </p:txBody>
-      </p:sp>
+            <a:pPr algn="ctr"/>
+            <a:endParaRPr lang="en-US"/>
+          </a:p>
+        </p:txBody>
+      </p:sp>
+      <p:sp>
+        <p:nvSpPr>
+          <p:cNvPr id="14" name="Rectangle: Rounded Corners 13">
+            <a:extLst>
+              <a:ext uri="{FF2B5EF4-FFF2-40B4-BE49-F238E27FC236}">
+                <a16:creationId xmlns:a16="http://schemas.microsoft.com/office/drawing/2014/main" id="{9F45582C-84D9-C43C-FD3E-A66E2333F1DC}"/>
+              </a:ext>
+            </a:extLst>
+          </p:cNvPr>
+          <p:cNvSpPr/>
+          <p:nvPr/>
+        </p:nvSpPr>
+        <p:spPr>
+          <a:xfrm>
+            <a:off x="5453547" y="5852344"/>
+            <a:ext cx="3307172" cy="553012"/>
+          </a:xfrm>
+          <a:prstGeom prst="roundRect">
+            <a:avLst/>
+          </a:prstGeom>
+          <a:noFill/>
+          <a:ln w="28575">
+            <a:solidFill>
+              <a:srgbClr val="9EEB89"/>
+            </a:solidFill>
+            <a:prstDash val="dash"/>
+          </a:ln>
+        </p:spPr>
+        <p:style>
+          <a:lnRef idx="2">
+            <a:schemeClr val="accent1">
+              <a:shade val="15000"/>
+            </a:schemeClr>
+          </a:lnRef>
+          <a:fillRef idx="1">
+            <a:schemeClr val="accent1"/>
+          </a:fillRef>
+          <a:effectRef idx="0">
+            <a:schemeClr val="accent1"/>
+          </a:effectRef>
+          <a:fontRef idx="minor">
+            <a:schemeClr val="lt1"/>
+          </a:fontRef>
+        </p:style>
+        <p:txBody>
+          <a:bodyPr rtlCol="0" anchor="ctr"/>
+          <a:lstStyle/>
+          <a:p>
+            <a:pPr algn="ctr"/>
+            <a:endParaRPr lang="en-US"/>
+          </a:p>
+        </p:txBody>
+      </p:sp>
+      <p:cxnSp>
+        <p:nvCxnSpPr>
+          <p:cNvPr id="16" name="Straight Arrow Connector 15">
+            <a:extLst>
+              <a:ext uri="{FF2B5EF4-FFF2-40B4-BE49-F238E27FC236}">
+                <a16:creationId xmlns:a16="http://schemas.microsoft.com/office/drawing/2014/main" id="{59F14DF2-128B-3CC6-6C6F-28356AC63E59}"/>
+              </a:ext>
+            </a:extLst>
+          </p:cNvPr>
+          <p:cNvCxnSpPr>
+            <a:cxnSpLocks/>
+            <a:stCxn id="9" idx="3"/>
+          </p:cNvCxnSpPr>
+          <p:nvPr/>
+        </p:nvCxnSpPr>
+        <p:spPr>
+          <a:xfrm flipV="1">
+            <a:off x="4394680" y="2370869"/>
+            <a:ext cx="943883" cy="1255733"/>
+          </a:xfrm>
+          <a:prstGeom prst="straightConnector1">
+            <a:avLst/>
+          </a:prstGeom>
+          <a:ln>
+            <a:tailEnd type="triangle"/>
+          </a:ln>
+        </p:spPr>
+        <p:style>
+          <a:lnRef idx="1">
+            <a:schemeClr val="accent1"/>
+          </a:lnRef>
+          <a:fillRef idx="0">
+            <a:schemeClr val="accent1"/>
+          </a:fillRef>
+          <a:effectRef idx="0">
+            <a:schemeClr val="accent1"/>
+          </a:effectRef>
+          <a:fontRef idx="minor">
+            <a:schemeClr val="tx1"/>
+          </a:fontRef>
+        </p:style>
+      </p:cxnSp>
+      <p:cxnSp>
+        <p:nvCxnSpPr>
+          <p:cNvPr id="18" name="Straight Arrow Connector 17">
+            <a:extLst>
+              <a:ext uri="{FF2B5EF4-FFF2-40B4-BE49-F238E27FC236}">
+                <a16:creationId xmlns:a16="http://schemas.microsoft.com/office/drawing/2014/main" id="{494C95F7-12AA-9AFF-289B-3A7874FFB40B}"/>
+              </a:ext>
+            </a:extLst>
+          </p:cNvPr>
+          <p:cNvCxnSpPr>
+            <a:cxnSpLocks/>
+            <a:stCxn id="9" idx="3"/>
+          </p:cNvCxnSpPr>
+          <p:nvPr/>
+        </p:nvCxnSpPr>
+        <p:spPr>
+          <a:xfrm>
+            <a:off x="4394680" y="3626602"/>
+            <a:ext cx="1058867" cy="2225742"/>
+          </a:xfrm>
+          <a:prstGeom prst="straightConnector1">
+            <a:avLst/>
+          </a:prstGeom>
+          <a:ln>
+            <a:tailEnd type="triangle"/>
+          </a:ln>
+        </p:spPr>
+        <p:style>
+          <a:lnRef idx="1">
+            <a:schemeClr val="accent1"/>
+          </a:lnRef>
+          <a:fillRef idx="0">
+            <a:schemeClr val="accent1"/>
+          </a:fillRef>
+          <a:effectRef idx="0">
+            <a:schemeClr val="accent1"/>
+          </a:effectRef>
+          <a:fontRef idx="minor">
+            <a:schemeClr val="tx1"/>
+          </a:fontRef>
+        </p:style>
+      </p:cxnSp>
     </p:spTree>
     <p:extLst>
       <p:ext uri="{BB962C8B-B14F-4D97-AF65-F5344CB8AC3E}">
-        <p14:creationId xmlns:p14="http://schemas.microsoft.com/office/powerpoint/2010/main" val="3451498179"/>
+        <p14:creationId xmlns:p14="http://schemas.microsoft.com/office/powerpoint/2010/main" val="2902426852"/>
       </p:ext>
     </p:extLst>
   </p:cSld>
@@ -10250,6 +10889,307 @@
 </file>
 
 <file path=ppt/slides/slide6.xml><?xml version="1.0" encoding="utf-8"?>
+<p:sld xmlns:a="http://schemas.openxmlformats.org/drawingml/2006/main" xmlns:r="http://schemas.openxmlformats.org/officeDocument/2006/relationships" xmlns:p="http://schemas.openxmlformats.org/presentationml/2006/main">
+  <p:cSld>
+    <p:spTree>
+      <p:nvGrpSpPr>
+        <p:cNvPr id="1" name=""/>
+        <p:cNvGrpSpPr/>
+        <p:nvPr/>
+      </p:nvGrpSpPr>
+      <p:grpSpPr>
+        <a:xfrm>
+          <a:off x="0" y="0"/>
+          <a:ext cx="0" cy="0"/>
+          <a:chOff x="0" y="0"/>
+          <a:chExt cx="0" cy="0"/>
+        </a:xfrm>
+      </p:grpSpPr>
+      <p:sp>
+        <p:nvSpPr>
+          <p:cNvPr id="2" name="Title 1">
+            <a:extLst>
+              <a:ext uri="{FF2B5EF4-FFF2-40B4-BE49-F238E27FC236}">
+                <a16:creationId xmlns:a16="http://schemas.microsoft.com/office/drawing/2014/main" id="{3E98410A-7D2F-6E66-75E5-A7446123ECD0}"/>
+              </a:ext>
+            </a:extLst>
+          </p:cNvPr>
+          <p:cNvSpPr>
+            <a:spLocks noGrp="1"/>
+          </p:cNvSpPr>
+          <p:nvPr>
+            <p:ph type="title"/>
+          </p:nvPr>
+        </p:nvSpPr>
+        <p:spPr>
+          <a:xfrm>
+            <a:off x="-102091" y="107201"/>
+            <a:ext cx="12054995" cy="597288"/>
+          </a:xfrm>
+        </p:spPr>
+        <p:txBody>
+          <a:bodyPr>
+            <a:normAutofit fontScale="90000"/>
+          </a:bodyPr>
+          <a:lstStyle/>
+          <a:p>
+            <a:pPr algn="ctr"/>
+            <a:r>
+              <a:rPr lang="en-US" b="1" dirty="0"/>
+              <a:t>Ranking electric vehicles</a:t>
+            </a:r>
+          </a:p>
+        </p:txBody>
+      </p:sp>
+      <p:pic>
+        <p:nvPicPr>
+          <p:cNvPr id="4" name="Picture 3">
+            <a:extLst>
+              <a:ext uri="{FF2B5EF4-FFF2-40B4-BE49-F238E27FC236}">
+                <a16:creationId xmlns:a16="http://schemas.microsoft.com/office/drawing/2014/main" id="{4BC86C3F-E925-C8DB-1D52-B2DC717AACBB}"/>
+              </a:ext>
+            </a:extLst>
+          </p:cNvPr>
+          <p:cNvPicPr>
+            <a:picLocks noChangeAspect="1"/>
+          </p:cNvPicPr>
+          <p:nvPr/>
+        </p:nvPicPr>
+        <p:blipFill>
+          <a:blip r:embed="rId2"/>
+          <a:stretch>
+            <a:fillRect/>
+          </a:stretch>
+        </p:blipFill>
+        <p:spPr>
+          <a:xfrm>
+            <a:off x="4377543" y="704490"/>
+            <a:ext cx="7575361" cy="3643018"/>
+          </a:xfrm>
+          <a:prstGeom prst="rect">
+            <a:avLst/>
+          </a:prstGeom>
+        </p:spPr>
+      </p:pic>
+      <p:pic>
+        <p:nvPicPr>
+          <p:cNvPr id="10" name="Picture 9">
+            <a:extLst>
+              <a:ext uri="{FF2B5EF4-FFF2-40B4-BE49-F238E27FC236}">
+                <a16:creationId xmlns:a16="http://schemas.microsoft.com/office/drawing/2014/main" id="{7377D7C9-8AE6-314B-6DBD-3DEBA139514E}"/>
+              </a:ext>
+            </a:extLst>
+          </p:cNvPr>
+          <p:cNvPicPr>
+            <a:picLocks noChangeAspect="1"/>
+          </p:cNvPicPr>
+          <p:nvPr/>
+        </p:nvPicPr>
+        <p:blipFill>
+          <a:blip r:embed="rId3"/>
+          <a:stretch>
+            <a:fillRect/>
+          </a:stretch>
+        </p:blipFill>
+        <p:spPr>
+          <a:xfrm>
+            <a:off x="65762" y="704489"/>
+            <a:ext cx="4150334" cy="3604689"/>
+          </a:xfrm>
+          <a:prstGeom prst="rect">
+            <a:avLst/>
+          </a:prstGeom>
+        </p:spPr>
+      </p:pic>
+      <p:sp>
+        <p:nvSpPr>
+          <p:cNvPr id="13" name="TextBox 12">
+            <a:extLst>
+              <a:ext uri="{FF2B5EF4-FFF2-40B4-BE49-F238E27FC236}">
+                <a16:creationId xmlns:a16="http://schemas.microsoft.com/office/drawing/2014/main" id="{A5A22D34-7EB4-92DF-F6C8-A88799B23E9C}"/>
+              </a:ext>
+            </a:extLst>
+          </p:cNvPr>
+          <p:cNvSpPr txBox="1"/>
+          <p:nvPr/>
+        </p:nvSpPr>
+        <p:spPr>
+          <a:xfrm>
+            <a:off x="344952" y="4495344"/>
+            <a:ext cx="10146008" cy="1200329"/>
+          </a:xfrm>
+          <a:prstGeom prst="rect">
+            <a:avLst/>
+          </a:prstGeom>
+          <a:noFill/>
+        </p:spPr>
+        <p:txBody>
+          <a:bodyPr wrap="square" rtlCol="0">
+            <a:spAutoFit/>
+          </a:bodyPr>
+          <a:lstStyle/>
+          <a:p>
+            <a:pPr marL="285750" indent="-285750">
+              <a:buFont typeface="Wingdings" panose="05000000000000000000" pitchFamily="2" charset="2"/>
+              <a:buChar char="v"/>
+            </a:pPr>
+            <a:r>
+              <a:rPr lang="en-US" b="0" i="0" dirty="0">
+                <a:solidFill>
+                  <a:srgbClr val="D1D5DB"/>
+                </a:solidFill>
+                <a:effectLst/>
+                <a:latin typeface="+mj-lt"/>
+              </a:rPr>
+              <a:t>According to a survey on median income across US cities, it is evident that electric vehicles (EVs) could be reasonably affordable for most households.</a:t>
+            </a:r>
+          </a:p>
+          <a:p>
+            <a:pPr marL="285750" indent="-285750">
+              <a:buFont typeface="Wingdings" panose="05000000000000000000" pitchFamily="2" charset="2"/>
+              <a:buChar char="v"/>
+            </a:pPr>
+            <a:r>
+              <a:rPr lang="en-US" b="0" i="0" dirty="0">
+                <a:solidFill>
+                  <a:srgbClr val="D1D5DB"/>
+                </a:solidFill>
+                <a:effectLst/>
+                <a:latin typeface="+mj-lt"/>
+              </a:rPr>
+              <a:t>The top 10 cars are ranked based on their range and efficiency, making them potential options to consider for this budget.</a:t>
+            </a:r>
+          </a:p>
+        </p:txBody>
+      </p:sp>
+    </p:spTree>
+    <p:extLst>
+      <p:ext uri="{BB962C8B-B14F-4D97-AF65-F5344CB8AC3E}">
+        <p14:creationId xmlns:p14="http://schemas.microsoft.com/office/powerpoint/2010/main" val="2915413457"/>
+      </p:ext>
+    </p:extLst>
+  </p:cSld>
+  <p:clrMapOvr>
+    <a:masterClrMapping/>
+  </p:clrMapOvr>
+</p:sld>
+</file>
+
+<file path=ppt/slides/slide7.xml><?xml version="1.0" encoding="utf-8"?>
+<p:sld xmlns:a="http://schemas.openxmlformats.org/drawingml/2006/main" xmlns:r="http://schemas.openxmlformats.org/officeDocument/2006/relationships" xmlns:p="http://schemas.openxmlformats.org/presentationml/2006/main">
+  <p:cSld>
+    <p:spTree>
+      <p:nvGrpSpPr>
+        <p:cNvPr id="1" name=""/>
+        <p:cNvGrpSpPr/>
+        <p:nvPr/>
+      </p:nvGrpSpPr>
+      <p:grpSpPr>
+        <a:xfrm>
+          <a:off x="0" y="0"/>
+          <a:ext cx="0" cy="0"/>
+          <a:chOff x="0" y="0"/>
+          <a:chExt cx="0" cy="0"/>
+        </a:xfrm>
+      </p:grpSpPr>
+      <p:sp>
+        <p:nvSpPr>
+          <p:cNvPr id="4" name="TextBox 3">
+            <a:extLst>
+              <a:ext uri="{FF2B5EF4-FFF2-40B4-BE49-F238E27FC236}">
+                <a16:creationId xmlns:a16="http://schemas.microsoft.com/office/drawing/2014/main" id="{041AB2AA-5CEF-3AE5-CD2D-C7427EEA64D2}"/>
+              </a:ext>
+            </a:extLst>
+          </p:cNvPr>
+          <p:cNvSpPr txBox="1"/>
+          <p:nvPr/>
+        </p:nvSpPr>
+        <p:spPr>
+          <a:xfrm>
+            <a:off x="636696" y="643464"/>
+            <a:ext cx="3761964" cy="3273061"/>
+          </a:xfrm>
+          <a:prstGeom prst="rect">
+            <a:avLst/>
+          </a:prstGeom>
+          <a:noFill/>
+          <a:ln w="19050">
+            <a:noFill/>
+            <a:prstDash val="dash"/>
+          </a:ln>
+        </p:spPr>
+        <p:txBody>
+          <a:bodyPr vert="horz" lIns="91440" tIns="45720" rIns="91440" bIns="45720" rtlCol="0" anchor="b">
+            <a:normAutofit/>
+          </a:bodyPr>
+          <a:lstStyle/>
+          <a:p>
+            <a:pPr algn="r" defTabSz="914400">
+              <a:lnSpc>
+                <a:spcPct val="90000"/>
+              </a:lnSpc>
+              <a:spcBef>
+                <a:spcPct val="0"/>
+              </a:spcBef>
+              <a:spcAft>
+                <a:spcPts val="600"/>
+              </a:spcAft>
+            </a:pPr>
+            <a:r>
+              <a:rPr lang="en-US" sz="4800" b="1" cap="all">
+                <a:latin typeface="+mj-lt"/>
+                <a:ea typeface="+mj-ea"/>
+                <a:cs typeface="+mj-cs"/>
+              </a:rPr>
+              <a:t>Dataset Used:</a:t>
+            </a:r>
+          </a:p>
+        </p:txBody>
+      </p:sp>
+      <p:pic>
+        <p:nvPicPr>
+          <p:cNvPr id="2" name="Picture 1" descr="A picture containing text, screenshot, font, number&#10;&#10;Description automatically generated">
+            <a:extLst>
+              <a:ext uri="{FF2B5EF4-FFF2-40B4-BE49-F238E27FC236}">
+                <a16:creationId xmlns:a16="http://schemas.microsoft.com/office/drawing/2014/main" id="{CC9AD9B2-9A6B-C7E6-5F11-A7A0DE26AB36}"/>
+              </a:ext>
+            </a:extLst>
+          </p:cNvPr>
+          <p:cNvPicPr>
+            <a:picLocks noChangeAspect="1"/>
+          </p:cNvPicPr>
+          <p:nvPr/>
+        </p:nvPicPr>
+        <p:blipFill>
+          <a:blip r:embed="rId2"/>
+          <a:stretch>
+            <a:fillRect/>
+          </a:stretch>
+        </p:blipFill>
+        <p:spPr>
+          <a:xfrm>
+            <a:off x="5012136" y="1615645"/>
+            <a:ext cx="6699129" cy="3907825"/>
+          </a:xfrm>
+          <a:prstGeom prst="rect">
+            <a:avLst/>
+          </a:prstGeom>
+        </p:spPr>
+      </p:pic>
+    </p:spTree>
+    <p:extLst>
+      <p:ext uri="{BB962C8B-B14F-4D97-AF65-F5344CB8AC3E}">
+        <p14:creationId xmlns:p14="http://schemas.microsoft.com/office/powerpoint/2010/main" val="1543669436"/>
+      </p:ext>
+    </p:extLst>
+  </p:cSld>
+  <p:clrMapOvr>
+    <a:masterClrMapping/>
+  </p:clrMapOvr>
+</p:sld>
+</file>
+
+<file path=ppt/slides/slide8.xml><?xml version="1.0" encoding="utf-8"?>
 <p:sld xmlns:a="http://schemas.openxmlformats.org/drawingml/2006/main" xmlns:r="http://schemas.openxmlformats.org/officeDocument/2006/relationships" xmlns:p="http://schemas.openxmlformats.org/presentationml/2006/main">
   <p:cSld>
     <p:bg>
@@ -10566,7 +11506,7 @@
 </p:sld>
 </file>
 
-<file path=ppt/slides/slide7.xml><?xml version="1.0" encoding="utf-8"?>
+<file path=ppt/slides/slide9.xml><?xml version="1.0" encoding="utf-8"?>
 <p:sld xmlns:a="http://schemas.openxmlformats.org/drawingml/2006/main" xmlns:r="http://schemas.openxmlformats.org/officeDocument/2006/relationships" xmlns:p="http://schemas.openxmlformats.org/presentationml/2006/main">
   <p:cSld>
     <p:spTree>
@@ -10702,156 +11642,6 @@
     <p:extLst>
       <p:ext uri="{BB962C8B-B14F-4D97-AF65-F5344CB8AC3E}">
         <p14:creationId xmlns:p14="http://schemas.microsoft.com/office/powerpoint/2010/main" val="4011091707"/>
-      </p:ext>
-    </p:extLst>
-  </p:cSld>
-  <p:clrMapOvr>
-    <a:masterClrMapping/>
-  </p:clrMapOvr>
-</p:sld>
-</file>
-
-<file path=ppt/slides/slide8.xml><?xml version="1.0" encoding="utf-8"?>
-<p:sld xmlns:a="http://schemas.openxmlformats.org/drawingml/2006/main" xmlns:r="http://schemas.openxmlformats.org/officeDocument/2006/relationships" xmlns:p="http://schemas.openxmlformats.org/presentationml/2006/main">
-  <p:cSld>
-    <p:spTree>
-      <p:nvGrpSpPr>
-        <p:cNvPr id="1" name=""/>
-        <p:cNvGrpSpPr/>
-        <p:nvPr/>
-      </p:nvGrpSpPr>
-      <p:grpSpPr>
-        <a:xfrm>
-          <a:off x="0" y="0"/>
-          <a:ext cx="0" cy="0"/>
-          <a:chOff x="0" y="0"/>
-          <a:chExt cx="0" cy="0"/>
-        </a:xfrm>
-      </p:grpSpPr>
-      <p:sp>
-        <p:nvSpPr>
-          <p:cNvPr id="2" name="Title 1">
-            <a:extLst>
-              <a:ext uri="{FF2B5EF4-FFF2-40B4-BE49-F238E27FC236}">
-                <a16:creationId xmlns:a16="http://schemas.microsoft.com/office/drawing/2014/main" id="{3E98410A-7D2F-6E66-75E5-A7446123ECD0}"/>
-              </a:ext>
-            </a:extLst>
-          </p:cNvPr>
-          <p:cNvSpPr>
-            <a:spLocks noGrp="1"/>
-          </p:cNvSpPr>
-          <p:nvPr>
-            <p:ph type="title"/>
-          </p:nvPr>
-        </p:nvSpPr>
-        <p:spPr>
-          <a:xfrm>
-            <a:off x="231913" y="227660"/>
-            <a:ext cx="8610600" cy="597288"/>
-          </a:xfrm>
-        </p:spPr>
-        <p:txBody>
-          <a:bodyPr>
-            <a:normAutofit fontScale="90000"/>
-          </a:bodyPr>
-          <a:lstStyle/>
-          <a:p>
-            <a:pPr algn="l"/>
-            <a:r>
-              <a:rPr lang="en-US" b="1" dirty="0"/>
-              <a:t>Commercial Applications:</a:t>
-            </a:r>
-          </a:p>
-        </p:txBody>
-      </p:sp>
-    </p:spTree>
-    <p:extLst>
-      <p:ext uri="{BB962C8B-B14F-4D97-AF65-F5344CB8AC3E}">
-        <p14:creationId xmlns:p14="http://schemas.microsoft.com/office/powerpoint/2010/main" val="3967856630"/>
-      </p:ext>
-    </p:extLst>
-  </p:cSld>
-  <p:clrMapOvr>
-    <a:masterClrMapping/>
-  </p:clrMapOvr>
-</p:sld>
-</file>
-
-<file path=ppt/slides/slide9.xml><?xml version="1.0" encoding="utf-8"?>
-<p:sld xmlns:a="http://schemas.openxmlformats.org/drawingml/2006/main" xmlns:r="http://schemas.openxmlformats.org/officeDocument/2006/relationships" xmlns:p="http://schemas.openxmlformats.org/presentationml/2006/main">
-  <p:cSld>
-    <p:spTree>
-      <p:nvGrpSpPr>
-        <p:cNvPr id="1" name=""/>
-        <p:cNvGrpSpPr/>
-        <p:nvPr/>
-      </p:nvGrpSpPr>
-      <p:grpSpPr>
-        <a:xfrm>
-          <a:off x="0" y="0"/>
-          <a:ext cx="0" cy="0"/>
-          <a:chOff x="0" y="0"/>
-          <a:chExt cx="0" cy="0"/>
-        </a:xfrm>
-      </p:grpSpPr>
-      <p:sp>
-        <p:nvSpPr>
-          <p:cNvPr id="4" name="TextBox 3">
-            <a:extLst>
-              <a:ext uri="{FF2B5EF4-FFF2-40B4-BE49-F238E27FC236}">
-                <a16:creationId xmlns:a16="http://schemas.microsoft.com/office/drawing/2014/main" id="{041AB2AA-5CEF-3AE5-CD2D-C7427EEA64D2}"/>
-              </a:ext>
-            </a:extLst>
-          </p:cNvPr>
-          <p:cNvSpPr txBox="1"/>
-          <p:nvPr/>
-        </p:nvSpPr>
-        <p:spPr>
-          <a:xfrm>
-            <a:off x="636696" y="643464"/>
-            <a:ext cx="3761964" cy="3273061"/>
-          </a:xfrm>
-          <a:prstGeom prst="rect">
-            <a:avLst/>
-          </a:prstGeom>
-          <a:noFill/>
-          <a:ln w="19050">
-            <a:noFill/>
-            <a:prstDash val="dash"/>
-          </a:ln>
-        </p:spPr>
-        <p:txBody>
-          <a:bodyPr vert="horz" lIns="91440" tIns="45720" rIns="91440" bIns="45720" rtlCol="0" anchor="b">
-            <a:normAutofit/>
-          </a:bodyPr>
-          <a:lstStyle/>
-          <a:p>
-            <a:pPr algn="r" defTabSz="914400">
-              <a:lnSpc>
-                <a:spcPct val="90000"/>
-              </a:lnSpc>
-              <a:spcBef>
-                <a:spcPct val="0"/>
-              </a:spcBef>
-              <a:spcAft>
-                <a:spcPts val="600"/>
-              </a:spcAft>
-            </a:pPr>
-            <a:r>
-              <a:rPr lang="en-US" sz="4800" b="1" cap="all">
-                <a:latin typeface="+mj-lt"/>
-                <a:ea typeface="+mj-ea"/>
-                <a:cs typeface="+mj-cs"/>
-              </a:rPr>
-              <a:t>Dataset Used:</a:t>
-            </a:r>
-          </a:p>
-        </p:txBody>
-      </p:sp>
-    </p:spTree>
-    <p:extLst>
-      <p:ext uri="{BB962C8B-B14F-4D97-AF65-F5344CB8AC3E}">
-        <p14:creationId xmlns:p14="http://schemas.microsoft.com/office/powerpoint/2010/main" val="703174353"/>
       </p:ext>
     </p:extLst>
   </p:cSld>

--- a/EV Slide Deck [Autosaved].pptx
+++ b/EV Slide Deck [Autosaved].pptx
@@ -4,21 +4,27 @@
   <p:sldMasterIdLst>
     <p:sldMasterId id="2147483648" r:id="rId1"/>
   </p:sldMasterIdLst>
+  <p:notesMasterIdLst>
+    <p:notesMasterId r:id="rId19"/>
+  </p:notesMasterIdLst>
   <p:sldIdLst>
     <p:sldId id="256" r:id="rId2"/>
     <p:sldId id="257" r:id="rId3"/>
-    <p:sldId id="263" r:id="rId4"/>
-    <p:sldId id="258" r:id="rId5"/>
-    <p:sldId id="268" r:id="rId6"/>
-    <p:sldId id="269" r:id="rId7"/>
-    <p:sldId id="267" r:id="rId8"/>
-    <p:sldId id="265" r:id="rId9"/>
-    <p:sldId id="259" r:id="rId10"/>
-    <p:sldId id="261" r:id="rId11"/>
-    <p:sldId id="266" r:id="rId12"/>
-    <p:sldId id="260" r:id="rId13"/>
-    <p:sldId id="262" r:id="rId14"/>
-    <p:sldId id="264" r:id="rId15"/>
+    <p:sldId id="273" r:id="rId4"/>
+    <p:sldId id="267" r:id="rId5"/>
+    <p:sldId id="263" r:id="rId6"/>
+    <p:sldId id="258" r:id="rId7"/>
+    <p:sldId id="268" r:id="rId8"/>
+    <p:sldId id="269" r:id="rId9"/>
+    <p:sldId id="271" r:id="rId10"/>
+    <p:sldId id="265" r:id="rId11"/>
+    <p:sldId id="259" r:id="rId12"/>
+    <p:sldId id="261" r:id="rId13"/>
+    <p:sldId id="272" r:id="rId14"/>
+    <p:sldId id="266" r:id="rId15"/>
+    <p:sldId id="270" r:id="rId16"/>
+    <p:sldId id="262" r:id="rId17"/>
+    <p:sldId id="264" r:id="rId18"/>
   </p:sldIdLst>
   <p:sldSz cx="12192000" cy="6858000"/>
   <p:notesSz cx="6858000" cy="9144000"/>
@@ -1075,7 +1081,7 @@
         <a:p>
           <a:r>
             <a:rPr lang="en-US" dirty="0"/>
-            <a:t>Affordability considerations over a 10-year span for Tesla Model 3 and Toyota Camry</a:t>
+            <a:t>Cost comparison over a 5-year span for Tesla Model 3 and Toyota Corolla.</a:t>
           </a:r>
         </a:p>
       </dgm:t>
@@ -1865,7 +1871,7 @@
           </a:pPr>
           <a:r>
             <a:rPr lang="en-US" sz="1900" kern="1200" dirty="0"/>
-            <a:t>Affordability considerations over a 10-year span for Tesla Model 3 and Toyota Camry</a:t>
+            <a:t>Cost comparison over a 5-year span for Tesla Model 3 and Toyota Corolla.</a:t>
           </a:r>
         </a:p>
       </dsp:txBody>
@@ -3213,6 +3219,355 @@
 </dgm:styleDef>
 </file>
 
+<file path=ppt/notesMasters/notesMaster1.xml><?xml version="1.0" encoding="utf-8"?>
+<p:notesMaster xmlns:a="http://schemas.openxmlformats.org/drawingml/2006/main" xmlns:r="http://schemas.openxmlformats.org/officeDocument/2006/relationships" xmlns:p="http://schemas.openxmlformats.org/presentationml/2006/main">
+  <p:cSld>
+    <p:bg>
+      <p:bgRef idx="1001">
+        <a:schemeClr val="bg1"/>
+      </p:bgRef>
+    </p:bg>
+    <p:spTree>
+      <p:nvGrpSpPr>
+        <p:cNvPr id="1" name=""/>
+        <p:cNvGrpSpPr/>
+        <p:nvPr/>
+      </p:nvGrpSpPr>
+      <p:grpSpPr>
+        <a:xfrm>
+          <a:off x="0" y="0"/>
+          <a:ext cx="0" cy="0"/>
+          <a:chOff x="0" y="0"/>
+          <a:chExt cx="0" cy="0"/>
+        </a:xfrm>
+      </p:grpSpPr>
+      <p:sp>
+        <p:nvSpPr>
+          <p:cNvPr id="2" name="Header Placeholder 1"/>
+          <p:cNvSpPr>
+            <a:spLocks noGrp="1"/>
+          </p:cNvSpPr>
+          <p:nvPr>
+            <p:ph type="hdr" sz="quarter"/>
+          </p:nvPr>
+        </p:nvSpPr>
+        <p:spPr>
+          <a:xfrm>
+            <a:off x="0" y="0"/>
+            <a:ext cx="2971800" cy="458788"/>
+          </a:xfrm>
+          <a:prstGeom prst="rect">
+            <a:avLst/>
+          </a:prstGeom>
+        </p:spPr>
+        <p:txBody>
+          <a:bodyPr vert="horz" lIns="91440" tIns="45720" rIns="91440" bIns="45720" rtlCol="0"/>
+          <a:lstStyle>
+            <a:lvl1pPr algn="l">
+              <a:defRPr sz="1200"/>
+            </a:lvl1pPr>
+          </a:lstStyle>
+          <a:p>
+            <a:endParaRPr lang="en-US"/>
+          </a:p>
+        </p:txBody>
+      </p:sp>
+      <p:sp>
+        <p:nvSpPr>
+          <p:cNvPr id="3" name="Date Placeholder 2"/>
+          <p:cNvSpPr>
+            <a:spLocks noGrp="1"/>
+          </p:cNvSpPr>
+          <p:nvPr>
+            <p:ph type="dt" idx="1"/>
+          </p:nvPr>
+        </p:nvSpPr>
+        <p:spPr>
+          <a:xfrm>
+            <a:off x="3884613" y="0"/>
+            <a:ext cx="2971800" cy="458788"/>
+          </a:xfrm>
+          <a:prstGeom prst="rect">
+            <a:avLst/>
+          </a:prstGeom>
+        </p:spPr>
+        <p:txBody>
+          <a:bodyPr vert="horz" lIns="91440" tIns="45720" rIns="91440" bIns="45720" rtlCol="0"/>
+          <a:lstStyle>
+            <a:lvl1pPr algn="r">
+              <a:defRPr sz="1200"/>
+            </a:lvl1pPr>
+          </a:lstStyle>
+          <a:p>
+            <a:fld id="{B6D2D322-ED3E-483B-8B2D-5E2D56D4E17D}" type="datetimeFigureOut">
+              <a:rPr lang="en-US" smtClean="0"/>
+              <a:t>6/20/2023</a:t>
+            </a:fld>
+            <a:endParaRPr lang="en-US"/>
+          </a:p>
+        </p:txBody>
+      </p:sp>
+      <p:sp>
+        <p:nvSpPr>
+          <p:cNvPr id="4" name="Slide Image Placeholder 3"/>
+          <p:cNvSpPr>
+            <a:spLocks noGrp="1" noRot="1" noChangeAspect="1"/>
+          </p:cNvSpPr>
+          <p:nvPr>
+            <p:ph type="sldImg" idx="2"/>
+          </p:nvPr>
+        </p:nvSpPr>
+        <p:spPr>
+          <a:xfrm>
+            <a:off x="685800" y="1143000"/>
+            <a:ext cx="5486400" cy="3086100"/>
+          </a:xfrm>
+          <a:prstGeom prst="rect">
+            <a:avLst/>
+          </a:prstGeom>
+          <a:noFill/>
+          <a:ln w="12700">
+            <a:solidFill>
+              <a:prstClr val="black"/>
+            </a:solidFill>
+          </a:ln>
+        </p:spPr>
+        <p:txBody>
+          <a:bodyPr vert="horz" lIns="91440" tIns="45720" rIns="91440" bIns="45720" rtlCol="0" anchor="ctr"/>
+          <a:lstStyle/>
+          <a:p>
+            <a:endParaRPr lang="en-US"/>
+          </a:p>
+        </p:txBody>
+      </p:sp>
+      <p:sp>
+        <p:nvSpPr>
+          <p:cNvPr id="5" name="Notes Placeholder 4"/>
+          <p:cNvSpPr>
+            <a:spLocks noGrp="1"/>
+          </p:cNvSpPr>
+          <p:nvPr>
+            <p:ph type="body" sz="quarter" idx="3"/>
+          </p:nvPr>
+        </p:nvSpPr>
+        <p:spPr>
+          <a:xfrm>
+            <a:off x="685800" y="4400550"/>
+            <a:ext cx="5486400" cy="3600450"/>
+          </a:xfrm>
+          <a:prstGeom prst="rect">
+            <a:avLst/>
+          </a:prstGeom>
+        </p:spPr>
+        <p:txBody>
+          <a:bodyPr vert="horz" lIns="91440" tIns="45720" rIns="91440" bIns="45720" rtlCol="0"/>
+          <a:lstStyle/>
+          <a:p>
+            <a:pPr lvl="0"/>
+            <a:r>
+              <a:rPr lang="en-US"/>
+              <a:t>Click to edit Master text styles</a:t>
+            </a:r>
+          </a:p>
+          <a:p>
+            <a:pPr lvl="1"/>
+            <a:r>
+              <a:rPr lang="en-US"/>
+              <a:t>Second level</a:t>
+            </a:r>
+          </a:p>
+          <a:p>
+            <a:pPr lvl="2"/>
+            <a:r>
+              <a:rPr lang="en-US"/>
+              <a:t>Third level</a:t>
+            </a:r>
+          </a:p>
+          <a:p>
+            <a:pPr lvl="3"/>
+            <a:r>
+              <a:rPr lang="en-US"/>
+              <a:t>Fourth level</a:t>
+            </a:r>
+          </a:p>
+          <a:p>
+            <a:pPr lvl="4"/>
+            <a:r>
+              <a:rPr lang="en-US"/>
+              <a:t>Fifth level</a:t>
+            </a:r>
+          </a:p>
+        </p:txBody>
+      </p:sp>
+      <p:sp>
+        <p:nvSpPr>
+          <p:cNvPr id="6" name="Footer Placeholder 5"/>
+          <p:cNvSpPr>
+            <a:spLocks noGrp="1"/>
+          </p:cNvSpPr>
+          <p:nvPr>
+            <p:ph type="ftr" sz="quarter" idx="4"/>
+          </p:nvPr>
+        </p:nvSpPr>
+        <p:spPr>
+          <a:xfrm>
+            <a:off x="0" y="8685213"/>
+            <a:ext cx="2971800" cy="458787"/>
+          </a:xfrm>
+          <a:prstGeom prst="rect">
+            <a:avLst/>
+          </a:prstGeom>
+        </p:spPr>
+        <p:txBody>
+          <a:bodyPr vert="horz" lIns="91440" tIns="45720" rIns="91440" bIns="45720" rtlCol="0" anchor="b"/>
+          <a:lstStyle>
+            <a:lvl1pPr algn="l">
+              <a:defRPr sz="1200"/>
+            </a:lvl1pPr>
+          </a:lstStyle>
+          <a:p>
+            <a:endParaRPr lang="en-US"/>
+          </a:p>
+        </p:txBody>
+      </p:sp>
+      <p:sp>
+        <p:nvSpPr>
+          <p:cNvPr id="7" name="Slide Number Placeholder 6"/>
+          <p:cNvSpPr>
+            <a:spLocks noGrp="1"/>
+          </p:cNvSpPr>
+          <p:nvPr>
+            <p:ph type="sldNum" sz="quarter" idx="5"/>
+          </p:nvPr>
+        </p:nvSpPr>
+        <p:spPr>
+          <a:xfrm>
+            <a:off x="3884613" y="8685213"/>
+            <a:ext cx="2971800" cy="458787"/>
+          </a:xfrm>
+          <a:prstGeom prst="rect">
+            <a:avLst/>
+          </a:prstGeom>
+        </p:spPr>
+        <p:txBody>
+          <a:bodyPr vert="horz" lIns="91440" tIns="45720" rIns="91440" bIns="45720" rtlCol="0" anchor="b"/>
+          <a:lstStyle>
+            <a:lvl1pPr algn="r">
+              <a:defRPr sz="1200"/>
+            </a:lvl1pPr>
+          </a:lstStyle>
+          <a:p>
+            <a:fld id="{686ED956-78FB-43F6-BDEB-219ECD4D96BF}" type="slidenum">
+              <a:rPr lang="en-US" smtClean="0"/>
+              <a:t>‹#›</a:t>
+            </a:fld>
+            <a:endParaRPr lang="en-US"/>
+          </a:p>
+        </p:txBody>
+      </p:sp>
+    </p:spTree>
+    <p:extLst>
+      <p:ext uri="{BB962C8B-B14F-4D97-AF65-F5344CB8AC3E}">
+        <p14:creationId xmlns:p14="http://schemas.microsoft.com/office/powerpoint/2010/main" val="1099017675"/>
+      </p:ext>
+    </p:extLst>
+  </p:cSld>
+  <p:clrMap bg1="lt1" tx1="dk1" bg2="lt2" tx2="dk2" accent1="accent1" accent2="accent2" accent3="accent3" accent4="accent4" accent5="accent5" accent6="accent6" hlink="hlink" folHlink="folHlink"/>
+  <p:notesStyle>
+    <a:lvl1pPr marL="0" algn="l" defTabSz="914400" rtl="0" eaLnBrk="1" latinLnBrk="0" hangingPunct="1">
+      <a:defRPr sz="1200" kern="1200">
+        <a:solidFill>
+          <a:schemeClr val="tx1"/>
+        </a:solidFill>
+        <a:latin typeface="+mn-lt"/>
+        <a:ea typeface="+mn-ea"/>
+        <a:cs typeface="+mn-cs"/>
+      </a:defRPr>
+    </a:lvl1pPr>
+    <a:lvl2pPr marL="457200" algn="l" defTabSz="914400" rtl="0" eaLnBrk="1" latinLnBrk="0" hangingPunct="1">
+      <a:defRPr sz="1200" kern="1200">
+        <a:solidFill>
+          <a:schemeClr val="tx1"/>
+        </a:solidFill>
+        <a:latin typeface="+mn-lt"/>
+        <a:ea typeface="+mn-ea"/>
+        <a:cs typeface="+mn-cs"/>
+      </a:defRPr>
+    </a:lvl2pPr>
+    <a:lvl3pPr marL="914400" algn="l" defTabSz="914400" rtl="0" eaLnBrk="1" latinLnBrk="0" hangingPunct="1">
+      <a:defRPr sz="1200" kern="1200">
+        <a:solidFill>
+          <a:schemeClr val="tx1"/>
+        </a:solidFill>
+        <a:latin typeface="+mn-lt"/>
+        <a:ea typeface="+mn-ea"/>
+        <a:cs typeface="+mn-cs"/>
+      </a:defRPr>
+    </a:lvl3pPr>
+    <a:lvl4pPr marL="1371600" algn="l" defTabSz="914400" rtl="0" eaLnBrk="1" latinLnBrk="0" hangingPunct="1">
+      <a:defRPr sz="1200" kern="1200">
+        <a:solidFill>
+          <a:schemeClr val="tx1"/>
+        </a:solidFill>
+        <a:latin typeface="+mn-lt"/>
+        <a:ea typeface="+mn-ea"/>
+        <a:cs typeface="+mn-cs"/>
+      </a:defRPr>
+    </a:lvl4pPr>
+    <a:lvl5pPr marL="1828800" algn="l" defTabSz="914400" rtl="0" eaLnBrk="1" latinLnBrk="0" hangingPunct="1">
+      <a:defRPr sz="1200" kern="1200">
+        <a:solidFill>
+          <a:schemeClr val="tx1"/>
+        </a:solidFill>
+        <a:latin typeface="+mn-lt"/>
+        <a:ea typeface="+mn-ea"/>
+        <a:cs typeface="+mn-cs"/>
+      </a:defRPr>
+    </a:lvl5pPr>
+    <a:lvl6pPr marL="2286000" algn="l" defTabSz="914400" rtl="0" eaLnBrk="1" latinLnBrk="0" hangingPunct="1">
+      <a:defRPr sz="1200" kern="1200">
+        <a:solidFill>
+          <a:schemeClr val="tx1"/>
+        </a:solidFill>
+        <a:latin typeface="+mn-lt"/>
+        <a:ea typeface="+mn-ea"/>
+        <a:cs typeface="+mn-cs"/>
+      </a:defRPr>
+    </a:lvl6pPr>
+    <a:lvl7pPr marL="2743200" algn="l" defTabSz="914400" rtl="0" eaLnBrk="1" latinLnBrk="0" hangingPunct="1">
+      <a:defRPr sz="1200" kern="1200">
+        <a:solidFill>
+          <a:schemeClr val="tx1"/>
+        </a:solidFill>
+        <a:latin typeface="+mn-lt"/>
+        <a:ea typeface="+mn-ea"/>
+        <a:cs typeface="+mn-cs"/>
+      </a:defRPr>
+    </a:lvl7pPr>
+    <a:lvl8pPr marL="3200400" algn="l" defTabSz="914400" rtl="0" eaLnBrk="1" latinLnBrk="0" hangingPunct="1">
+      <a:defRPr sz="1200" kern="1200">
+        <a:solidFill>
+          <a:schemeClr val="tx1"/>
+        </a:solidFill>
+        <a:latin typeface="+mn-lt"/>
+        <a:ea typeface="+mn-ea"/>
+        <a:cs typeface="+mn-cs"/>
+      </a:defRPr>
+    </a:lvl8pPr>
+    <a:lvl9pPr marL="3657600" algn="l" defTabSz="914400" rtl="0" eaLnBrk="1" latinLnBrk="0" hangingPunct="1">
+      <a:defRPr sz="1200" kern="1200">
+        <a:solidFill>
+          <a:schemeClr val="tx1"/>
+        </a:solidFill>
+        <a:latin typeface="+mn-lt"/>
+        <a:ea typeface="+mn-ea"/>
+        <a:cs typeface="+mn-cs"/>
+      </a:defRPr>
+    </a:lvl9pPr>
+  </p:notesStyle>
+</p:notesMaster>
+</file>
+
 <file path=ppt/slideLayouts/slideLayout1.xml><?xml version="1.0" encoding="utf-8"?>
 <p:sldLayout xmlns:a="http://schemas.openxmlformats.org/drawingml/2006/main" xmlns:r="http://schemas.openxmlformats.org/officeDocument/2006/relationships" xmlns:p="http://schemas.openxmlformats.org/presentationml/2006/main" type="title" preserve="1">
   <p:cSld name="Title Slide">
@@ -3383,7 +3738,7 @@
           <a:p>
             <a:fld id="{48A87A34-81AB-432B-8DAE-1953F412C126}" type="datetimeFigureOut">
               <a:rPr lang="en-US" dirty="0"/>
-              <a:t>6/16/2023</a:t>
+              <a:t>6/20/2023</a:t>
             </a:fld>
             <a:endParaRPr lang="en-US" dirty="0"/>
           </a:p>
@@ -3645,7 +4000,7 @@
           <a:p>
             <a:fld id="{48A87A34-81AB-432B-8DAE-1953F412C126}" type="datetimeFigureOut">
               <a:rPr lang="en-US" dirty="0"/>
-              <a:t>6/16/2023</a:t>
+              <a:t>6/20/2023</a:t>
             </a:fld>
             <a:endParaRPr lang="en-US" dirty="0"/>
           </a:p>
@@ -3872,7 +4227,7 @@
             <a:fld id="{48A87A34-81AB-432B-8DAE-1953F412C126}" type="datetimeFigureOut">
               <a:rPr lang="en-US" dirty="0"/>
               <a:pPr/>
-              <a:t>6/16/2023</a:t>
+              <a:t>6/20/2023</a:t>
             </a:fld>
             <a:endParaRPr lang="en-US" dirty="0"/>
           </a:p>
@@ -4178,7 +4533,7 @@
             <a:fld id="{48A87A34-81AB-432B-8DAE-1953F412C126}" type="datetimeFigureOut">
               <a:rPr lang="en-US" dirty="0"/>
               <a:pPr/>
-              <a:t>6/16/2023</a:t>
+              <a:t>6/20/2023</a:t>
             </a:fld>
             <a:endParaRPr lang="en-US" dirty="0"/>
           </a:p>
@@ -4647,7 +5002,7 @@
             <a:fld id="{48A87A34-81AB-432B-8DAE-1953F412C126}" type="datetimeFigureOut">
               <a:rPr lang="en-US" dirty="0"/>
               <a:pPr/>
-              <a:t>6/16/2023</a:t>
+              <a:t>6/20/2023</a:t>
             </a:fld>
             <a:endParaRPr lang="en-US" dirty="0"/>
           </a:p>
@@ -5189,7 +5544,7 @@
           <a:p>
             <a:fld id="{48A87A34-81AB-432B-8DAE-1953F412C126}" type="datetimeFigureOut">
               <a:rPr lang="en-US" dirty="0"/>
-              <a:t>6/16/2023</a:t>
+              <a:t>6/20/2023</a:t>
             </a:fld>
             <a:endParaRPr lang="en-US" dirty="0"/>
           </a:p>
@@ -5958,7 +6313,7 @@
           <a:p>
             <a:fld id="{48A87A34-81AB-432B-8DAE-1953F412C126}" type="datetimeFigureOut">
               <a:rPr lang="en-US" dirty="0"/>
-              <a:t>6/16/2023</a:t>
+              <a:t>6/20/2023</a:t>
             </a:fld>
             <a:endParaRPr lang="en-US" dirty="0"/>
           </a:p>
@@ -6128,7 +6483,7 @@
           <a:p>
             <a:fld id="{48A87A34-81AB-432B-8DAE-1953F412C126}" type="datetimeFigureOut">
               <a:rPr lang="en-US" dirty="0"/>
-              <a:t>6/16/2023</a:t>
+              <a:t>6/20/2023</a:t>
             </a:fld>
             <a:endParaRPr lang="en-US" dirty="0"/>
           </a:p>
@@ -6347,7 +6702,7 @@
             <a:fld id="{48A87A34-81AB-432B-8DAE-1953F412C126}" type="datetimeFigureOut">
               <a:rPr lang="en-US" dirty="0"/>
               <a:pPr/>
-              <a:t>6/16/2023</a:t>
+              <a:t>6/20/2023</a:t>
             </a:fld>
             <a:endParaRPr lang="en-US" dirty="0"/>
           </a:p>
@@ -6522,7 +6877,7 @@
           <a:p>
             <a:fld id="{48A87A34-81AB-432B-8DAE-1953F412C126}" type="datetimeFigureOut">
               <a:rPr lang="en-US" dirty="0"/>
-              <a:t>6/16/2023</a:t>
+              <a:t>6/20/2023</a:t>
             </a:fld>
             <a:endParaRPr lang="en-US" dirty="0"/>
           </a:p>
@@ -6807,7 +7162,7 @@
             <a:fld id="{48A87A34-81AB-432B-8DAE-1953F412C126}" type="datetimeFigureOut">
               <a:rPr lang="en-US" dirty="0"/>
               <a:pPr/>
-              <a:t>6/16/2023</a:t>
+              <a:t>6/20/2023</a:t>
             </a:fld>
             <a:endParaRPr lang="en-US" dirty="0"/>
           </a:p>
@@ -7044,7 +7399,7 @@
           <a:p>
             <a:fld id="{48A87A34-81AB-432B-8DAE-1953F412C126}" type="datetimeFigureOut">
               <a:rPr lang="en-US" dirty="0"/>
-              <a:t>6/16/2023</a:t>
+              <a:t>6/20/2023</a:t>
             </a:fld>
             <a:endParaRPr lang="en-US" dirty="0"/>
           </a:p>
@@ -7418,7 +7773,7 @@
           <a:p>
             <a:fld id="{48A87A34-81AB-432B-8DAE-1953F412C126}" type="datetimeFigureOut">
               <a:rPr lang="en-US" dirty="0"/>
-              <a:t>6/16/2023</a:t>
+              <a:t>6/20/2023</a:t>
             </a:fld>
             <a:endParaRPr lang="en-US" dirty="0"/>
           </a:p>
@@ -7531,7 +7886,7 @@
           <a:p>
             <a:fld id="{48A87A34-81AB-432B-8DAE-1953F412C126}" type="datetimeFigureOut">
               <a:rPr lang="en-US" dirty="0"/>
-              <a:t>6/16/2023</a:t>
+              <a:t>6/20/2023</a:t>
             </a:fld>
             <a:endParaRPr lang="en-US" dirty="0"/>
           </a:p>
@@ -7621,7 +7976,7 @@
           <a:p>
             <a:fld id="{48A87A34-81AB-432B-8DAE-1953F412C126}" type="datetimeFigureOut">
               <a:rPr lang="en-US" dirty="0"/>
-              <a:t>6/16/2023</a:t>
+              <a:t>6/20/2023</a:t>
             </a:fld>
             <a:endParaRPr lang="en-US" dirty="0"/>
           </a:p>
@@ -7865,7 +8220,7 @@
           <a:p>
             <a:fld id="{48A87A34-81AB-432B-8DAE-1953F412C126}" type="datetimeFigureOut">
               <a:rPr lang="en-US" dirty="0"/>
-              <a:t>6/16/2023</a:t>
+              <a:t>6/20/2023</a:t>
             </a:fld>
             <a:endParaRPr lang="en-US" dirty="0"/>
           </a:p>
@@ -8117,7 +8472,7 @@
           <a:p>
             <a:fld id="{48A87A34-81AB-432B-8DAE-1953F412C126}" type="datetimeFigureOut">
               <a:rPr lang="en-US" dirty="0"/>
-              <a:t>6/16/2023</a:t>
+              <a:t>6/20/2023</a:t>
             </a:fld>
             <a:endParaRPr lang="en-US" dirty="0"/>
           </a:p>
@@ -8356,7 +8711,7 @@
             <a:fld id="{48A87A34-81AB-432B-8DAE-1953F412C126}" type="datetimeFigureOut">
               <a:rPr lang="en-US" dirty="0"/>
               <a:pPr/>
-              <a:t>6/16/2023</a:t>
+              <a:t>6/20/2023</a:t>
             </a:fld>
             <a:endParaRPr lang="en-US" dirty="0"/>
           </a:p>
@@ -9088,6 +9443,14 @@
 <file path=ppt/slides/slide10.xml><?xml version="1.0" encoding="utf-8"?>
 <p:sld xmlns:a="http://schemas.openxmlformats.org/drawingml/2006/main" xmlns:r="http://schemas.openxmlformats.org/officeDocument/2006/relationships" xmlns:p="http://schemas.openxmlformats.org/presentationml/2006/main">
   <p:cSld>
+    <p:bg>
+      <p:bgPr>
+        <a:solidFill>
+          <a:schemeClr val="bg1"/>
+        </a:solidFill>
+        <a:effectLst/>
+      </p:bgPr>
+    </p:bg>
     <p:spTree>
       <p:nvGrpSpPr>
         <p:cNvPr id="1" name=""/>
@@ -9102,46 +9465,289 @@
           <a:chExt cx="0" cy="0"/>
         </a:xfrm>
       </p:grpSpPr>
-      <p:sp>
-        <p:nvSpPr>
-          <p:cNvPr id="2" name="Title 1">
+      <p:pic>
+        <p:nvPicPr>
+          <p:cNvPr id="10" name="Picture 9">
             <a:extLst>
               <a:ext uri="{FF2B5EF4-FFF2-40B4-BE49-F238E27FC236}">
-                <a16:creationId xmlns:a16="http://schemas.microsoft.com/office/drawing/2014/main" id="{3E98410A-7D2F-6E66-75E5-A7446123ECD0}"/>
+                <a16:creationId xmlns:a16="http://schemas.microsoft.com/office/drawing/2014/main" id="{BDFADFB3-3D44-49A8-AE3B-A87C61607F7E}"/>
+              </a:ext>
+              <a:ext uri="{C183D7F6-B498-43B3-948B-1728B52AA6E4}">
+                <adec:decorative xmlns:adec="http://schemas.microsoft.com/office/drawing/2017/decorative" val="1"/>
+              </a:ext>
+            </a:extLst>
+          </p:cNvPr>
+          <p:cNvPicPr>
+            <a:picLocks noGrp="1" noRot="1" noChangeAspect="1" noMove="1" noResize="1" noEditPoints="1" noAdjustHandles="1" noChangeArrowheads="1" noChangeShapeType="1" noCrop="1"/>
+          </p:cNvPicPr>
+          <p:nvPr>
+            <p:extLst>
+              <p:ext uri="{386F3935-93C4-4BCD-93E2-E3B085C9AB24}">
+                <p16:designElem xmlns:p16="http://schemas.microsoft.com/office/powerpoint/2015/main" val="1"/>
+              </p:ext>
+            </p:extLst>
+          </p:nvPr>
+        </p:nvPicPr>
+        <p:blipFill>
+          <a:blip r:embed="rId2">
+            <a:extLst>
+              <a:ext uri="{28A0092B-C50C-407E-A947-70E740481C1C}">
+                <a14:useLocalDpi xmlns:a14="http://schemas.microsoft.com/office/drawing/2010/main" val="0"/>
+              </a:ext>
+            </a:extLst>
+          </a:blip>
+          <a:stretch>
+            <a:fillRect/>
+          </a:stretch>
+        </p:blipFill>
+        <p:spPr>
+          <a:xfrm>
+            <a:off x="0" y="0"/>
+            <a:ext cx="12192000" cy="1441450"/>
+          </a:xfrm>
+          <a:prstGeom prst="rect">
+            <a:avLst/>
+          </a:prstGeom>
+        </p:spPr>
+      </p:pic>
+      <p:pic>
+        <p:nvPicPr>
+          <p:cNvPr id="12" name="Picture 11">
+            <a:extLst>
+              <a:ext uri="{FF2B5EF4-FFF2-40B4-BE49-F238E27FC236}">
+                <a16:creationId xmlns:a16="http://schemas.microsoft.com/office/drawing/2014/main" id="{BB912AE0-CAD9-4F8F-A2A2-BDF07D4EDD22}"/>
+              </a:ext>
+              <a:ext uri="{C183D7F6-B498-43B3-948B-1728B52AA6E4}">
+                <adec:decorative xmlns:adec="http://schemas.microsoft.com/office/drawing/2017/decorative" val="1"/>
+              </a:ext>
+            </a:extLst>
+          </p:cNvPr>
+          <p:cNvPicPr>
+            <a:picLocks noGrp="1" noRot="1" noChangeAspect="1" noMove="1" noResize="1" noEditPoints="1" noAdjustHandles="1" noChangeArrowheads="1" noChangeShapeType="1" noCrop="1"/>
+          </p:cNvPicPr>
+          <p:nvPr>
+            <p:extLst>
+              <p:ext uri="{386F3935-93C4-4BCD-93E2-E3B085C9AB24}">
+                <p16:designElem xmlns:p16="http://schemas.microsoft.com/office/powerpoint/2015/main" val="1"/>
+              </p:ext>
+            </p:extLst>
+          </p:nvPr>
+        </p:nvPicPr>
+        <p:blipFill>
+          <a:blip r:embed="rId3">
+            <a:extLst>
+              <a:ext uri="{28A0092B-C50C-407E-A947-70E740481C1C}">
+                <a14:useLocalDpi xmlns:a14="http://schemas.microsoft.com/office/drawing/2010/main" val="0"/>
+              </a:ext>
+            </a:extLst>
+          </a:blip>
+          <a:stretch>
+            <a:fillRect/>
+          </a:stretch>
+        </p:blipFill>
+        <p:spPr>
+          <a:xfrm>
+            <a:off x="0" y="4375150"/>
+            <a:ext cx="12192000" cy="2482850"/>
+          </a:xfrm>
+          <a:prstGeom prst="rect">
+            <a:avLst/>
+          </a:prstGeom>
+        </p:spPr>
+      </p:pic>
+      <p:sp useBgFill="1">
+        <p:nvSpPr>
+          <p:cNvPr id="14" name="Rectangle 13">
+            <a:extLst>
+              <a:ext uri="{FF2B5EF4-FFF2-40B4-BE49-F238E27FC236}">
+                <a16:creationId xmlns:a16="http://schemas.microsoft.com/office/drawing/2014/main" id="{BD7C2DEF-63C5-495B-BBE5-720E5D12B4D2}"/>
+              </a:ext>
+              <a:ext uri="{C183D7F6-B498-43B3-948B-1728B52AA6E4}">
+                <adec:decorative xmlns:adec="http://schemas.microsoft.com/office/drawing/2017/decorative" val="1"/>
               </a:ext>
             </a:extLst>
           </p:cNvPr>
           <p:cNvSpPr>
-            <a:spLocks noGrp="1"/>
+            <a:spLocks noGrp="1" noRot="1" noChangeAspect="1" noMove="1" noResize="1" noEditPoints="1" noAdjustHandles="1" noChangeArrowheads="1" noChangeShapeType="1" noTextEdit="1"/>
           </p:cNvSpPr>
           <p:nvPr>
-            <p:ph type="title"/>
-          </p:nvPr>
-        </p:nvSpPr>
-        <p:spPr>
-          <a:xfrm>
-            <a:off x="231913" y="227660"/>
-            <a:ext cx="8610600" cy="597288"/>
-          </a:xfrm>
-        </p:spPr>
-        <p:txBody>
-          <a:bodyPr>
-            <a:normAutofit fontScale="90000"/>
+            <p:extLst>
+              <p:ext uri="{386F3935-93C4-4BCD-93E2-E3B085C9AB24}">
+                <p16:designElem xmlns:p16="http://schemas.microsoft.com/office/powerpoint/2015/main" val="1"/>
+              </p:ext>
+            </p:extLst>
+          </p:nvPr>
+        </p:nvSpPr>
+        <p:spPr>
+          <a:xfrm>
+            <a:off x="0" y="0"/>
+            <a:ext cx="12192000" cy="6858000"/>
+          </a:xfrm>
+          <a:prstGeom prst="rect">
+            <a:avLst/>
+          </a:prstGeom>
+          <a:ln>
+            <a:noFill/>
+          </a:ln>
+        </p:spPr>
+        <p:style>
+          <a:lnRef idx="2">
+            <a:schemeClr val="accent1">
+              <a:shade val="50000"/>
+            </a:schemeClr>
+          </a:lnRef>
+          <a:fillRef idx="1">
+            <a:schemeClr val="accent1"/>
+          </a:fillRef>
+          <a:effectRef idx="0">
+            <a:schemeClr val="accent1"/>
+          </a:effectRef>
+          <a:fontRef idx="minor">
+            <a:schemeClr val="lt1"/>
+          </a:fontRef>
+        </p:style>
+        <p:txBody>
+          <a:bodyPr rtlCol="0" anchor="ctr"/>
+          <a:lstStyle/>
+          <a:p>
+            <a:pPr algn="ctr"/>
+            <a:endParaRPr lang="en-US"/>
+          </a:p>
+        </p:txBody>
+      </p:sp>
+      <p:pic>
+        <p:nvPicPr>
+          <p:cNvPr id="16" name="Picture 15">
+            <a:extLst>
+              <a:ext uri="{FF2B5EF4-FFF2-40B4-BE49-F238E27FC236}">
+                <a16:creationId xmlns:a16="http://schemas.microsoft.com/office/drawing/2014/main" id="{FE21E403-0B61-4473-BE57-AB0F16379674}"/>
+              </a:ext>
+              <a:ext uri="{C183D7F6-B498-43B3-948B-1728B52AA6E4}">
+                <adec:decorative xmlns:adec="http://schemas.microsoft.com/office/drawing/2017/decorative" val="1"/>
+              </a:ext>
+            </a:extLst>
+          </p:cNvPr>
+          <p:cNvPicPr>
+            <a:picLocks noGrp="1" noRot="1" noChangeAspect="1" noMove="1" noResize="1" noEditPoints="1" noAdjustHandles="1" noChangeArrowheads="1" noChangeShapeType="1" noCrop="1"/>
+          </p:cNvPicPr>
+          <p:nvPr>
+            <p:extLst>
+              <p:ext uri="{386F3935-93C4-4BCD-93E2-E3B085C9AB24}">
+                <p16:designElem xmlns:p16="http://schemas.microsoft.com/office/powerpoint/2015/main" val="1"/>
+              </p:ext>
+            </p:extLst>
+          </p:nvPr>
+        </p:nvPicPr>
+        <p:blipFill>
+          <a:blip r:embed="rId2">
+            <a:extLst>
+              <a:ext uri="{28A0092B-C50C-407E-A947-70E740481C1C}">
+                <a14:useLocalDpi xmlns:a14="http://schemas.microsoft.com/office/drawing/2010/main" val="0"/>
+              </a:ext>
+            </a:extLst>
+          </a:blip>
+          <a:stretch>
+            <a:fillRect/>
+          </a:stretch>
+        </p:blipFill>
+        <p:spPr>
+          <a:xfrm>
+            <a:off x="0" y="0"/>
+            <a:ext cx="12192000" cy="1441450"/>
+          </a:xfrm>
+          <a:prstGeom prst="rect">
+            <a:avLst/>
+          </a:prstGeom>
+        </p:spPr>
+      </p:pic>
+      <p:sp>
+        <p:nvSpPr>
+          <p:cNvPr id="4" name="TextBox 3">
+            <a:extLst>
+              <a:ext uri="{FF2B5EF4-FFF2-40B4-BE49-F238E27FC236}">
+                <a16:creationId xmlns:a16="http://schemas.microsoft.com/office/drawing/2014/main" id="{041AB2AA-5CEF-3AE5-CD2D-C7427EEA64D2}"/>
+              </a:ext>
+            </a:extLst>
+          </p:cNvPr>
+          <p:cNvSpPr txBox="1"/>
+          <p:nvPr/>
+        </p:nvSpPr>
+        <p:spPr>
+          <a:xfrm>
+            <a:off x="200297" y="1570927"/>
+            <a:ext cx="3976295" cy="3273061"/>
+          </a:xfrm>
+          <a:prstGeom prst="rect">
+            <a:avLst/>
+          </a:prstGeom>
+          <a:noFill/>
+          <a:ln w="19050">
+            <a:noFill/>
+            <a:prstDash val="dash"/>
+          </a:ln>
+        </p:spPr>
+        <p:txBody>
+          <a:bodyPr vert="horz" lIns="91440" tIns="45720" rIns="91440" bIns="45720" rtlCol="0" anchor="b">
+            <a:normAutofit/>
           </a:bodyPr>
           <a:lstStyle/>
           <a:p>
-            <a:pPr algn="l"/>
-            <a:r>
-              <a:rPr lang="en-US" b="1" dirty="0"/>
-              <a:t>Commercial Applications:</a:t>
-            </a:r>
-          </a:p>
-        </p:txBody>
-      </p:sp>
+            <a:pPr algn="r" defTabSz="914400">
+              <a:lnSpc>
+                <a:spcPct val="90000"/>
+              </a:lnSpc>
+              <a:spcBef>
+                <a:spcPct val="0"/>
+              </a:spcBef>
+              <a:spcAft>
+                <a:spcPts val="600"/>
+              </a:spcAft>
+            </a:pPr>
+            <a:r>
+              <a:rPr lang="en-US" sz="4800" b="1" cap="all" dirty="0">
+                <a:latin typeface="+mj-lt"/>
+                <a:ea typeface="+mj-ea"/>
+                <a:cs typeface="+mj-cs"/>
+              </a:rPr>
+              <a:t>Fuel type &amp;charging station dataset</a:t>
+            </a:r>
+          </a:p>
+        </p:txBody>
+      </p:sp>
+      <p:pic>
+        <p:nvPicPr>
+          <p:cNvPr id="5" name="Picture 4" descr="A screenshot of a black screen&#10;&#10;Description automatically generated with low confidence">
+            <a:extLst>
+              <a:ext uri="{FF2B5EF4-FFF2-40B4-BE49-F238E27FC236}">
+                <a16:creationId xmlns:a16="http://schemas.microsoft.com/office/drawing/2014/main" id="{6E846792-BDA3-5EC0-AA20-5A587329E4D8}"/>
+              </a:ext>
+            </a:extLst>
+          </p:cNvPr>
+          <p:cNvPicPr>
+            <a:picLocks noChangeAspect="1"/>
+          </p:cNvPicPr>
+          <p:nvPr/>
+        </p:nvPicPr>
+        <p:blipFill>
+          <a:blip r:embed="rId4"/>
+          <a:stretch>
+            <a:fillRect/>
+          </a:stretch>
+        </p:blipFill>
+        <p:spPr>
+          <a:xfrm>
+            <a:off x="5046653" y="2309394"/>
+            <a:ext cx="6177937" cy="2378504"/>
+          </a:xfrm>
+          <a:prstGeom prst="rect">
+            <a:avLst/>
+          </a:prstGeom>
+        </p:spPr>
+      </p:pic>
     </p:spTree>
     <p:extLst>
       <p:ext uri="{BB962C8B-B14F-4D97-AF65-F5344CB8AC3E}">
-        <p14:creationId xmlns:p14="http://schemas.microsoft.com/office/powerpoint/2010/main" val="3967856630"/>
+        <p14:creationId xmlns:p14="http://schemas.microsoft.com/office/powerpoint/2010/main" val="3627980327"/>
       </p:ext>
     </p:extLst>
   </p:cSld>
@@ -9170,10 +9776,76 @@
       </p:grpSpPr>
       <p:sp>
         <p:nvSpPr>
-          <p:cNvPr id="4" name="TextBox 3">
+          <p:cNvPr id="2" name="Title 1">
             <a:extLst>
               <a:ext uri="{FF2B5EF4-FFF2-40B4-BE49-F238E27FC236}">
-                <a16:creationId xmlns:a16="http://schemas.microsoft.com/office/drawing/2014/main" id="{041AB2AA-5CEF-3AE5-CD2D-C7427EEA64D2}"/>
+                <a16:creationId xmlns:a16="http://schemas.microsoft.com/office/drawing/2014/main" id="{3E98410A-7D2F-6E66-75E5-A7446123ECD0}"/>
+              </a:ext>
+            </a:extLst>
+          </p:cNvPr>
+          <p:cNvSpPr>
+            <a:spLocks noGrp="1"/>
+          </p:cNvSpPr>
+          <p:nvPr>
+            <p:ph type="title"/>
+          </p:nvPr>
+        </p:nvSpPr>
+        <p:spPr>
+          <a:xfrm>
+            <a:off x="231913" y="227660"/>
+            <a:ext cx="8610600" cy="597288"/>
+          </a:xfrm>
+        </p:spPr>
+        <p:txBody>
+          <a:bodyPr>
+            <a:normAutofit fontScale="90000"/>
+          </a:bodyPr>
+          <a:lstStyle/>
+          <a:p>
+            <a:pPr algn="l"/>
+            <a:r>
+              <a:rPr lang="en-US" b="1" dirty="0"/>
+              <a:t>Commercial Applications:</a:t>
+            </a:r>
+          </a:p>
+        </p:txBody>
+      </p:sp>
+      <p:pic>
+        <p:nvPicPr>
+          <p:cNvPr id="5" name="Picture 4" descr="A map of the united states&#10;&#10;Description automatically generated with medium confidence">
+            <a:extLst>
+              <a:ext uri="{FF2B5EF4-FFF2-40B4-BE49-F238E27FC236}">
+                <a16:creationId xmlns:a16="http://schemas.microsoft.com/office/drawing/2014/main" id="{799C6D38-FBBD-804C-254A-E1D8304AB9C3}"/>
+              </a:ext>
+            </a:extLst>
+          </p:cNvPr>
+          <p:cNvPicPr>
+            <a:picLocks noChangeAspect="1"/>
+          </p:cNvPicPr>
+          <p:nvPr/>
+        </p:nvPicPr>
+        <p:blipFill>
+          <a:blip r:embed="rId2"/>
+          <a:stretch>
+            <a:fillRect/>
+          </a:stretch>
+        </p:blipFill>
+        <p:spPr>
+          <a:xfrm>
+            <a:off x="323040" y="824948"/>
+            <a:ext cx="10872182" cy="4596963"/>
+          </a:xfrm>
+          <a:prstGeom prst="rect">
+            <a:avLst/>
+          </a:prstGeom>
+        </p:spPr>
+      </p:pic>
+      <p:sp>
+        <p:nvSpPr>
+          <p:cNvPr id="6" name="TextBox 5">
+            <a:extLst>
+              <a:ext uri="{FF2B5EF4-FFF2-40B4-BE49-F238E27FC236}">
+                <a16:creationId xmlns:a16="http://schemas.microsoft.com/office/drawing/2014/main" id="{269DD956-5F43-3FD4-D260-E8E3C6440DF8}"/>
               </a:ext>
             </a:extLst>
           </p:cNvPr>
@@ -9182,42 +9854,37 @@
         </p:nvSpPr>
         <p:spPr>
           <a:xfrm>
-            <a:off x="636696" y="643464"/>
-            <a:ext cx="3761964" cy="3273061"/>
+            <a:off x="662911" y="5729181"/>
+            <a:ext cx="9119286" cy="646331"/>
           </a:xfrm>
           <a:prstGeom prst="rect">
             <a:avLst/>
           </a:prstGeom>
           <a:noFill/>
-          <a:ln w="19050">
-            <a:noFill/>
-            <a:prstDash val="dash"/>
-          </a:ln>
-        </p:spPr>
-        <p:txBody>
-          <a:bodyPr vert="horz" lIns="91440" tIns="45720" rIns="91440" bIns="45720" rtlCol="0" anchor="b">
-            <a:normAutofit/>
+        </p:spPr>
+        <p:txBody>
+          <a:bodyPr wrap="square" rtlCol="0">
+            <a:spAutoFit/>
           </a:bodyPr>
           <a:lstStyle/>
           <a:p>
-            <a:pPr algn="r" defTabSz="914400">
-              <a:lnSpc>
-                <a:spcPct val="90000"/>
-              </a:lnSpc>
-              <a:spcBef>
-                <a:spcPct val="0"/>
-              </a:spcBef>
-              <a:spcAft>
-                <a:spcPts val="600"/>
-              </a:spcAft>
+            <a:pPr marL="285750" indent="-285750">
+              <a:buFont typeface="Arial" panose="020B0604020202020204" pitchFamily="34" charset="0"/>
+              <a:buChar char="•"/>
             </a:pPr>
             <a:r>
-              <a:rPr lang="en-US" sz="4800" b="1" cap="all">
-                <a:latin typeface="+mj-lt"/>
-                <a:ea typeface="+mj-ea"/>
-                <a:cs typeface="+mj-cs"/>
-              </a:rPr>
-              <a:t>Dataset Used:</a:t>
+              <a:rPr lang="en-US" dirty="0"/>
+              <a:t>Charging stations well established in major cities and coastal cities.</a:t>
+            </a:r>
+          </a:p>
+          <a:p>
+            <a:pPr marL="285750" indent="-285750">
+              <a:buFont typeface="Arial" panose="020B0604020202020204" pitchFamily="34" charset="0"/>
+              <a:buChar char="•"/>
+            </a:pPr>
+            <a:r>
+              <a:rPr lang="en-US" dirty="0"/>
+              <a:t>Charging limited in the Midwest and Southern States.</a:t>
             </a:r>
           </a:p>
         </p:txBody>
@@ -9225,7 +9892,7 @@
     </p:spTree>
     <p:extLst>
       <p:ext uri="{BB962C8B-B14F-4D97-AF65-F5344CB8AC3E}">
-        <p14:creationId xmlns:p14="http://schemas.microsoft.com/office/powerpoint/2010/main" val="703174353"/>
+        <p14:creationId xmlns:p14="http://schemas.microsoft.com/office/powerpoint/2010/main" val="4011091707"/>
       </p:ext>
     </p:extLst>
   </p:cSld>
@@ -9283,47 +9950,17 @@
             <a:pPr algn="l"/>
             <a:r>
               <a:rPr lang="en-US" b="1" dirty="0"/>
-              <a:t>Affordability:</a:t>
-            </a:r>
-          </a:p>
-        </p:txBody>
-      </p:sp>
-      <p:pic>
-        <p:nvPicPr>
-          <p:cNvPr id="4" name="Picture 3" descr="A picture containing text, screenshot, software, diagram&#10;&#10;Description automatically generated">
+              <a:t>Commercial Applications:</a:t>
+            </a:r>
+          </a:p>
+        </p:txBody>
+      </p:sp>
+      <p:sp>
+        <p:nvSpPr>
+          <p:cNvPr id="3" name="TextBox 2">
             <a:extLst>
               <a:ext uri="{FF2B5EF4-FFF2-40B4-BE49-F238E27FC236}">
-                <a16:creationId xmlns:a16="http://schemas.microsoft.com/office/drawing/2014/main" id="{98C21998-C237-6ADF-C8DA-069EE575D34D}"/>
-              </a:ext>
-            </a:extLst>
-          </p:cNvPr>
-          <p:cNvPicPr>
-            <a:picLocks noChangeAspect="1"/>
-          </p:cNvPicPr>
-          <p:nvPr/>
-        </p:nvPicPr>
-        <p:blipFill>
-          <a:blip r:embed="rId2"/>
-          <a:stretch>
-            <a:fillRect/>
-          </a:stretch>
-        </p:blipFill>
-        <p:spPr>
-          <a:xfrm>
-            <a:off x="5639658" y="1187793"/>
-            <a:ext cx="5857969" cy="4482414"/>
-          </a:xfrm>
-          <a:prstGeom prst="rect">
-            <a:avLst/>
-          </a:prstGeom>
-        </p:spPr>
-      </p:pic>
-      <p:sp>
-        <p:nvSpPr>
-          <p:cNvPr id="5" name="TextBox 4">
-            <a:extLst>
-              <a:ext uri="{FF2B5EF4-FFF2-40B4-BE49-F238E27FC236}">
-                <a16:creationId xmlns:a16="http://schemas.microsoft.com/office/drawing/2014/main" id="{FFF1BE1F-8816-7FEE-6CF5-61774D29A288}"/>
+                <a16:creationId xmlns:a16="http://schemas.microsoft.com/office/drawing/2014/main" id="{D7898D99-7901-00C2-9419-5FFEACB4C774}"/>
               </a:ext>
             </a:extLst>
           </p:cNvPr>
@@ -9332,8 +9969,8 @@
         </p:nvSpPr>
         <p:spPr>
           <a:xfrm>
-            <a:off x="231913" y="1720840"/>
-            <a:ext cx="4893107" cy="3693319"/>
+            <a:off x="819397" y="1947553"/>
+            <a:ext cx="10620499" cy="2862322"/>
           </a:xfrm>
           <a:prstGeom prst="rect">
             <a:avLst/>
@@ -9346,58 +9983,44 @@
           </a:bodyPr>
           <a:lstStyle/>
           <a:p>
-            <a:pPr marL="285750" indent="-285750">
-              <a:buFont typeface="Arial" panose="020B0604020202020204" pitchFamily="34" charset="0"/>
-              <a:buChar char="•"/>
-            </a:pPr>
-            <a:r>
-              <a:rPr lang="en-US" dirty="0"/>
-              <a:t>Initial investment towards an EV seems high but more the usage charging cost become more effective compared to fuel cost (</a:t>
-            </a:r>
-            <a:r>
-              <a:rPr lang="en-US" dirty="0" err="1"/>
-              <a:t>eg</a:t>
-            </a:r>
-            <a:r>
-              <a:rPr lang="en-US" dirty="0"/>
-              <a:t> after ~7 years).</a:t>
-            </a:r>
-          </a:p>
-          <a:p>
-            <a:pPr marL="285750" indent="-285750">
-              <a:buFont typeface="Arial" panose="020B0604020202020204" pitchFamily="34" charset="0"/>
-              <a:buChar char="•"/>
-            </a:pPr>
-            <a:r>
-              <a:rPr lang="en-US" dirty="0"/>
-              <a:t>Price range seems comparable after 10 years of usage.</a:t>
-            </a:r>
-          </a:p>
-          <a:p>
-            <a:pPr marL="285750" indent="-285750">
-              <a:buFont typeface="Arial" panose="020B0604020202020204" pitchFamily="34" charset="0"/>
-              <a:buChar char="•"/>
-            </a:pPr>
-            <a:r>
-              <a:rPr lang="en-US" dirty="0"/>
-              <a:t>Additional maintenance cost, insurance and repair not considered in this chart.</a:t>
-            </a:r>
-          </a:p>
-          <a:p>
-            <a:pPr marL="285750" indent="-285750">
-              <a:buFont typeface="Arial" panose="020B0604020202020204" pitchFamily="34" charset="0"/>
-              <a:buChar char="•"/>
-            </a:pPr>
-            <a:r>
-              <a:rPr lang="en-US" dirty="0"/>
-              <a:t>This also proves to be nature friendly solution with less emission and conservation of burning fuel energy.</a:t>
-            </a:r>
-          </a:p>
-          <a:p>
-            <a:pPr marL="285750" indent="-285750">
-              <a:buFont typeface="Arial" panose="020B0604020202020204" pitchFamily="34" charset="0"/>
-              <a:buChar char="•"/>
-            </a:pPr>
+            <a:r>
+              <a:rPr lang="en-US" b="0" i="0" dirty="0">
+                <a:solidFill>
+                  <a:srgbClr val="D1D2D3"/>
+                </a:solidFill>
+                <a:effectLst/>
+                <a:latin typeface="Slack-Lato"/>
+              </a:rPr>
+              <a:t>The answer is No based on our findings. According to the dataset that we used for this check, within the 50 states, the saturation of EV charging stations tend to stay near the major cities off of the coast with a topographic location that isn't completely affected by a mountain range or flat land fields. There is also a lack of adoption in about 11 states where public charging station are less that 160 total with the worst instance being 40 chargers in Arkansas.</a:t>
+            </a:r>
+            <a:br>
+              <a:rPr lang="en-US" b="0" i="0" dirty="0">
+                <a:solidFill>
+                  <a:srgbClr val="D1D2D3"/>
+                </a:solidFill>
+                <a:effectLst/>
+                <a:latin typeface="Slack-Lato"/>
+              </a:rPr>
+            </a:br>
+            <a:br>
+              <a:rPr lang="en-US" b="0" i="0" dirty="0">
+                <a:solidFill>
+                  <a:srgbClr val="D1D2D3"/>
+                </a:solidFill>
+                <a:effectLst/>
+                <a:latin typeface="Slack-Lato"/>
+              </a:rPr>
+            </a:br>
+            <a:r>
+              <a:rPr lang="en-US" b="0" i="0" dirty="0">
+                <a:solidFill>
+                  <a:srgbClr val="D1D2D3"/>
+                </a:solidFill>
+                <a:effectLst/>
+                <a:latin typeface="Slack-Lato"/>
+              </a:rPr>
+              <a:t>The answer would be a “Yes" if the occupation had a route that could be used that also had multiple charging station laid out among the states that would be travelled through, but if the routes required travel into the Midwest or Mountainous areas, the amount of charging stations are not dispersed evenly among states with differing sizes and area to cover.</a:t>
+            </a:r>
             <a:endParaRPr lang="en-US" dirty="0"/>
           </a:p>
         </p:txBody>
@@ -9405,7 +10028,7 @@
     </p:spTree>
     <p:extLst>
       <p:ext uri="{BB962C8B-B14F-4D97-AF65-F5344CB8AC3E}">
-        <p14:creationId xmlns:p14="http://schemas.microsoft.com/office/powerpoint/2010/main" val="1620238228"/>
+        <p14:creationId xmlns:p14="http://schemas.microsoft.com/office/powerpoint/2010/main" val="3967856630"/>
       </p:ext>
     </p:extLst>
   </p:cSld>
@@ -9434,46 +10057,10 @@
       </p:grpSpPr>
       <p:sp>
         <p:nvSpPr>
-          <p:cNvPr id="2" name="Title 1">
+          <p:cNvPr id="2" name="TextBox 1">
             <a:extLst>
               <a:ext uri="{FF2B5EF4-FFF2-40B4-BE49-F238E27FC236}">
-                <a16:creationId xmlns:a16="http://schemas.microsoft.com/office/drawing/2014/main" id="{3E98410A-7D2F-6E66-75E5-A7446123ECD0}"/>
-              </a:ext>
-            </a:extLst>
-          </p:cNvPr>
-          <p:cNvSpPr>
-            <a:spLocks noGrp="1"/>
-          </p:cNvSpPr>
-          <p:nvPr>
-            <p:ph type="title"/>
-          </p:nvPr>
-        </p:nvSpPr>
-        <p:spPr>
-          <a:xfrm>
-            <a:off x="231913" y="227660"/>
-            <a:ext cx="8610600" cy="597288"/>
-          </a:xfrm>
-        </p:spPr>
-        <p:txBody>
-          <a:bodyPr>
-            <a:normAutofit fontScale="90000"/>
-          </a:bodyPr>
-          <a:lstStyle/>
-          <a:p>
-            <a:pPr algn="l"/>
-            <a:r>
-              <a:rPr lang="en-US" b="1" dirty="0"/>
-              <a:t>Affordability:</a:t>
-            </a:r>
-          </a:p>
-        </p:txBody>
-      </p:sp>
-      <p:sp>
-        <p:nvSpPr>
-          <p:cNvPr id="5" name="TextBox 4">
-            <a:extLst>
-              <a:ext uri="{FF2B5EF4-FFF2-40B4-BE49-F238E27FC236}">
-                <a16:creationId xmlns:a16="http://schemas.microsoft.com/office/drawing/2014/main" id="{5D380E6A-037F-53E1-2500-8002FD5592C0}"/>
+                <a16:creationId xmlns:a16="http://schemas.microsoft.com/office/drawing/2014/main" id="{A5A60729-6601-1A70-53BC-D2E24B2F3379}"/>
               </a:ext>
             </a:extLst>
           </p:cNvPr>
@@ -9482,8 +10069,8 @@
         </p:nvSpPr>
         <p:spPr>
           <a:xfrm>
-            <a:off x="231913" y="5506554"/>
-            <a:ext cx="3793524" cy="369332"/>
+            <a:off x="2458190" y="1919843"/>
+            <a:ext cx="7433955" cy="2800767"/>
           </a:xfrm>
           <a:prstGeom prst="rect">
             <a:avLst/>
@@ -9496,23 +10083,142 @@
           </a:bodyPr>
           <a:lstStyle/>
           <a:p>
-            <a:pPr marL="285750" indent="-285750">
-              <a:buFont typeface="Arial" panose="020B0604020202020204" pitchFamily="34" charset="0"/>
-              <a:buChar char="•"/>
+            <a:r>
+              <a:rPr lang="en-US" sz="4400" b="1" dirty="0"/>
+              <a:t>Question 3: </a:t>
+            </a:r>
+            <a:r>
+              <a:rPr lang="en-US" sz="4400" dirty="0"/>
+              <a:t>Cost comparison over a 5-year span for Tesla Model 3 and Toyota Corolla?</a:t>
+            </a:r>
+          </a:p>
+        </p:txBody>
+      </p:sp>
+      <p:sp>
+        <p:nvSpPr>
+          <p:cNvPr id="3" name="TextBox 2">
+            <a:extLst>
+              <a:ext uri="{FF2B5EF4-FFF2-40B4-BE49-F238E27FC236}">
+                <a16:creationId xmlns:a16="http://schemas.microsoft.com/office/drawing/2014/main" id="{8C357BF2-29C6-9A62-BB98-8DD2FB4C5796}"/>
+              </a:ext>
+            </a:extLst>
+          </p:cNvPr>
+          <p:cNvSpPr txBox="1"/>
+          <p:nvPr/>
+        </p:nvSpPr>
+        <p:spPr>
+          <a:xfrm>
+            <a:off x="118752" y="364177"/>
+            <a:ext cx="4176156" cy="769441"/>
+          </a:xfrm>
+          <a:prstGeom prst="rect">
+            <a:avLst/>
+          </a:prstGeom>
+          <a:noFill/>
+        </p:spPr>
+        <p:txBody>
+          <a:bodyPr wrap="square" rtlCol="0">
+            <a:spAutoFit/>
+          </a:bodyPr>
+          <a:lstStyle/>
+          <a:p>
+            <a:r>
+              <a:rPr lang="en-US" sz="4400" b="1" dirty="0"/>
+              <a:t>Affordability</a:t>
+            </a:r>
+          </a:p>
+        </p:txBody>
+      </p:sp>
+    </p:spTree>
+    <p:extLst>
+      <p:ext uri="{BB962C8B-B14F-4D97-AF65-F5344CB8AC3E}">
+        <p14:creationId xmlns:p14="http://schemas.microsoft.com/office/powerpoint/2010/main" val="2779049086"/>
+      </p:ext>
+    </p:extLst>
+  </p:cSld>
+  <p:clrMapOvr>
+    <a:masterClrMapping/>
+  </p:clrMapOvr>
+</p:sld>
+</file>
+
+<file path=ppt/slides/slide14.xml><?xml version="1.0" encoding="utf-8"?>
+<p:sld xmlns:a="http://schemas.openxmlformats.org/drawingml/2006/main" xmlns:r="http://schemas.openxmlformats.org/officeDocument/2006/relationships" xmlns:p="http://schemas.openxmlformats.org/presentationml/2006/main">
+  <p:cSld>
+    <p:spTree>
+      <p:nvGrpSpPr>
+        <p:cNvPr id="1" name=""/>
+        <p:cNvGrpSpPr/>
+        <p:nvPr/>
+      </p:nvGrpSpPr>
+      <p:grpSpPr>
+        <a:xfrm>
+          <a:off x="0" y="0"/>
+          <a:ext cx="0" cy="0"/>
+          <a:chOff x="0" y="0"/>
+          <a:chExt cx="0" cy="0"/>
+        </a:xfrm>
+      </p:grpSpPr>
+      <p:sp>
+        <p:nvSpPr>
+          <p:cNvPr id="4" name="TextBox 3">
+            <a:extLst>
+              <a:ext uri="{FF2B5EF4-FFF2-40B4-BE49-F238E27FC236}">
+                <a16:creationId xmlns:a16="http://schemas.microsoft.com/office/drawing/2014/main" id="{041AB2AA-5CEF-3AE5-CD2D-C7427EEA64D2}"/>
+              </a:ext>
+            </a:extLst>
+          </p:cNvPr>
+          <p:cNvSpPr txBox="1"/>
+          <p:nvPr/>
+        </p:nvSpPr>
+        <p:spPr>
+          <a:xfrm>
+            <a:off x="605029" y="1055141"/>
+            <a:ext cx="3761964" cy="3273061"/>
+          </a:xfrm>
+          <a:prstGeom prst="rect">
+            <a:avLst/>
+          </a:prstGeom>
+          <a:noFill/>
+          <a:ln w="19050">
+            <a:noFill/>
+            <a:prstDash val="dash"/>
+          </a:ln>
+        </p:spPr>
+        <p:txBody>
+          <a:bodyPr vert="horz" lIns="91440" tIns="45720" rIns="91440" bIns="45720" rtlCol="0" anchor="b">
+            <a:normAutofit/>
+          </a:bodyPr>
+          <a:lstStyle/>
+          <a:p>
+            <a:pPr algn="r" defTabSz="914400">
+              <a:lnSpc>
+                <a:spcPct val="90000"/>
+              </a:lnSpc>
+              <a:spcBef>
+                <a:spcPct val="0"/>
+              </a:spcBef>
+              <a:spcAft>
+                <a:spcPts val="600"/>
+              </a:spcAft>
             </a:pPr>
             <a:r>
-              <a:rPr lang="en-US" dirty="0"/>
-              <a:t>M</a:t>
+              <a:rPr lang="en-US" sz="4800" b="1" cap="all" dirty="0">
+                <a:latin typeface="+mj-lt"/>
+                <a:ea typeface="+mj-ea"/>
+                <a:cs typeface="+mj-cs"/>
+              </a:rPr>
+              <a:t>SEC Edgar API Dataset:  </a:t>
             </a:r>
           </a:p>
         </p:txBody>
       </p:sp>
       <p:pic>
         <p:nvPicPr>
-          <p:cNvPr id="7" name="Picture 6" descr="A picture containing text, line, diagram, plot&#10;&#10;Description automatically generated">
+          <p:cNvPr id="5" name="Picture 4" descr="A screen shot of a computer&#10;&#10;Description automatically generated with medium confidence">
             <a:extLst>
               <a:ext uri="{FF2B5EF4-FFF2-40B4-BE49-F238E27FC236}">
-                <a16:creationId xmlns:a16="http://schemas.microsoft.com/office/drawing/2014/main" id="{B957F52C-74C7-E069-4367-0F98F6C403F4}"/>
+                <a16:creationId xmlns:a16="http://schemas.microsoft.com/office/drawing/2014/main" id="{20DAEB49-809F-33C0-36DE-DBEB24442E73}"/>
               </a:ext>
             </a:extLst>
           </p:cNvPr>
@@ -9529,20 +10235,113 @@
         </p:blipFill>
         <p:spPr>
           <a:xfrm>
-            <a:off x="125552" y="824949"/>
-            <a:ext cx="5792119" cy="4542182"/>
+            <a:off x="5550977" y="1025632"/>
+            <a:ext cx="2416957" cy="4472643"/>
           </a:xfrm>
           <a:prstGeom prst="rect">
             <a:avLst/>
           </a:prstGeom>
         </p:spPr>
       </p:pic>
+    </p:spTree>
+    <p:extLst>
+      <p:ext uri="{BB962C8B-B14F-4D97-AF65-F5344CB8AC3E}">
+        <p14:creationId xmlns:p14="http://schemas.microsoft.com/office/powerpoint/2010/main" val="703174353"/>
+      </p:ext>
+    </p:extLst>
+  </p:cSld>
+  <p:clrMapOvr>
+    <a:masterClrMapping/>
+  </p:clrMapOvr>
+</p:sld>
+</file>
+
+<file path=ppt/slides/slide15.xml><?xml version="1.0" encoding="utf-8"?>
+<p:sld xmlns:a="http://schemas.openxmlformats.org/drawingml/2006/main" xmlns:r="http://schemas.openxmlformats.org/officeDocument/2006/relationships" xmlns:p="http://schemas.openxmlformats.org/presentationml/2006/main">
+  <p:cSld>
+    <p:spTree>
+      <p:nvGrpSpPr>
+        <p:cNvPr id="1" name=""/>
+        <p:cNvGrpSpPr/>
+        <p:nvPr/>
+      </p:nvGrpSpPr>
+      <p:grpSpPr>
+        <a:xfrm>
+          <a:off x="0" y="0"/>
+          <a:ext cx="0" cy="0"/>
+          <a:chOff x="0" y="0"/>
+          <a:chExt cx="0" cy="0"/>
+        </a:xfrm>
+      </p:grpSpPr>
+      <p:sp>
+        <p:nvSpPr>
+          <p:cNvPr id="2" name="Title 1">
+            <a:extLst>
+              <a:ext uri="{FF2B5EF4-FFF2-40B4-BE49-F238E27FC236}">
+                <a16:creationId xmlns:a16="http://schemas.microsoft.com/office/drawing/2014/main" id="{92BFEE8A-CAA8-C3DB-9EB0-9E31E37702EA}"/>
+              </a:ext>
+            </a:extLst>
+          </p:cNvPr>
+          <p:cNvSpPr>
+            <a:spLocks noGrp="1"/>
+          </p:cNvSpPr>
+          <p:nvPr>
+            <p:ph type="title"/>
+          </p:nvPr>
+        </p:nvSpPr>
+        <p:spPr>
+          <a:xfrm>
+            <a:off x="1177463" y="479365"/>
+            <a:ext cx="8610600" cy="1293028"/>
+          </a:xfrm>
+        </p:spPr>
+        <p:txBody>
+          <a:bodyPr/>
+          <a:lstStyle/>
+          <a:p>
+            <a:r>
+              <a:rPr lang="en-US" b="1" dirty="0"/>
+              <a:t>Affordability – tesla’s financial position over time </a:t>
+            </a:r>
+          </a:p>
+        </p:txBody>
+      </p:sp>
       <p:pic>
         <p:nvPicPr>
-          <p:cNvPr id="11" name="Picture 10" descr="A picture containing text, screenshot, line, plot&#10;&#10;Description automatically generated">
+          <p:cNvPr id="4" name="Picture 3" descr="A picture containing text, diagram, line, plot&#10;&#10;Description automatically generated">
             <a:extLst>
               <a:ext uri="{FF2B5EF4-FFF2-40B4-BE49-F238E27FC236}">
-                <a16:creationId xmlns:a16="http://schemas.microsoft.com/office/drawing/2014/main" id="{945FB6A4-6217-F125-BA56-05155F2C1405}"/>
+                <a16:creationId xmlns:a16="http://schemas.microsoft.com/office/drawing/2014/main" id="{FE907620-26CF-E451-B7B6-1E933B0D1E25}"/>
+              </a:ext>
+            </a:extLst>
+          </p:cNvPr>
+          <p:cNvPicPr>
+            <a:picLocks noChangeAspect="1"/>
+          </p:cNvPicPr>
+          <p:nvPr/>
+        </p:nvPicPr>
+        <p:blipFill>
+          <a:blip r:embed="rId2"/>
+          <a:stretch>
+            <a:fillRect/>
+          </a:stretch>
+        </p:blipFill>
+        <p:spPr>
+          <a:xfrm>
+            <a:off x="6096000" y="2196948"/>
+            <a:ext cx="5879904" cy="4069351"/>
+          </a:xfrm>
+          <a:prstGeom prst="rect">
+            <a:avLst/>
+          </a:prstGeom>
+        </p:spPr>
+      </p:pic>
+      <p:pic>
+        <p:nvPicPr>
+          <p:cNvPr id="6" name="Picture 5" descr="A picture containing text, screenshot, plot, line&#10;&#10;Description automatically generated">
+            <a:extLst>
+              <a:ext uri="{FF2B5EF4-FFF2-40B4-BE49-F238E27FC236}">
+                <a16:creationId xmlns:a16="http://schemas.microsoft.com/office/drawing/2014/main" id="{272FDC51-CEEF-DDFF-A5A8-6C07D57B6325}"/>
               </a:ext>
             </a:extLst>
           </p:cNvPr>
@@ -9559,14 +10358,242 @@
         </p:blipFill>
         <p:spPr>
           <a:xfrm>
-            <a:off x="6155633" y="824948"/>
-            <a:ext cx="5864087" cy="4580234"/>
+            <a:off x="308437" y="2196949"/>
+            <a:ext cx="5174326" cy="4069352"/>
           </a:xfrm>
           <a:prstGeom prst="rect">
             <a:avLst/>
           </a:prstGeom>
         </p:spPr>
       </p:pic>
+    </p:spTree>
+    <p:extLst>
+      <p:ext uri="{BB962C8B-B14F-4D97-AF65-F5344CB8AC3E}">
+        <p14:creationId xmlns:p14="http://schemas.microsoft.com/office/powerpoint/2010/main" val="2057935258"/>
+      </p:ext>
+    </p:extLst>
+  </p:cSld>
+  <p:clrMapOvr>
+    <a:masterClrMapping/>
+  </p:clrMapOvr>
+</p:sld>
+</file>
+
+<file path=ppt/slides/slide16.xml><?xml version="1.0" encoding="utf-8"?>
+<p:sld xmlns:a="http://schemas.openxmlformats.org/drawingml/2006/main" xmlns:r="http://schemas.openxmlformats.org/officeDocument/2006/relationships" xmlns:p="http://schemas.openxmlformats.org/presentationml/2006/main">
+  <p:cSld>
+    <p:spTree>
+      <p:nvGrpSpPr>
+        <p:cNvPr id="1" name=""/>
+        <p:cNvGrpSpPr/>
+        <p:nvPr/>
+      </p:nvGrpSpPr>
+      <p:grpSpPr>
+        <a:xfrm>
+          <a:off x="0" y="0"/>
+          <a:ext cx="0" cy="0"/>
+          <a:chOff x="0" y="0"/>
+          <a:chExt cx="0" cy="0"/>
+        </a:xfrm>
+      </p:grpSpPr>
+      <p:sp>
+        <p:nvSpPr>
+          <p:cNvPr id="2" name="Title 1">
+            <a:extLst>
+              <a:ext uri="{FF2B5EF4-FFF2-40B4-BE49-F238E27FC236}">
+                <a16:creationId xmlns:a16="http://schemas.microsoft.com/office/drawing/2014/main" id="{3E98410A-7D2F-6E66-75E5-A7446123ECD0}"/>
+              </a:ext>
+            </a:extLst>
+          </p:cNvPr>
+          <p:cNvSpPr>
+            <a:spLocks noGrp="1"/>
+          </p:cNvSpPr>
+          <p:nvPr>
+            <p:ph type="title"/>
+          </p:nvPr>
+        </p:nvSpPr>
+        <p:spPr>
+          <a:xfrm>
+            <a:off x="231913" y="227660"/>
+            <a:ext cx="8610600" cy="597288"/>
+          </a:xfrm>
+        </p:spPr>
+        <p:txBody>
+          <a:bodyPr>
+            <a:normAutofit fontScale="90000"/>
+          </a:bodyPr>
+          <a:lstStyle/>
+          <a:p>
+            <a:pPr algn="l"/>
+            <a:r>
+              <a:rPr lang="en-US" b="1" dirty="0"/>
+              <a:t>Affordability – cost of ownership</a:t>
+            </a:r>
+          </a:p>
+        </p:txBody>
+      </p:sp>
+      <p:pic>
+        <p:nvPicPr>
+          <p:cNvPr id="4" name="Picture 3" descr="A picture containing text, line, screenshot, diagram&#10;&#10;Description automatically generated">
+            <a:extLst>
+              <a:ext uri="{FF2B5EF4-FFF2-40B4-BE49-F238E27FC236}">
+                <a16:creationId xmlns:a16="http://schemas.microsoft.com/office/drawing/2014/main" id="{84BFFE43-2A30-7209-5CF3-8CEE3F2D8BFE}"/>
+              </a:ext>
+            </a:extLst>
+          </p:cNvPr>
+          <p:cNvPicPr>
+            <a:picLocks noChangeAspect="1"/>
+          </p:cNvPicPr>
+          <p:nvPr/>
+        </p:nvPicPr>
+        <p:blipFill>
+          <a:blip r:embed="rId2"/>
+          <a:stretch>
+            <a:fillRect/>
+          </a:stretch>
+        </p:blipFill>
+        <p:spPr>
+          <a:xfrm>
+            <a:off x="5870369" y="1575412"/>
+            <a:ext cx="6002753" cy="3889264"/>
+          </a:xfrm>
+          <a:prstGeom prst="rect">
+            <a:avLst/>
+          </a:prstGeom>
+        </p:spPr>
+      </p:pic>
+      <p:pic>
+        <p:nvPicPr>
+          <p:cNvPr id="8" name="Picture 7" descr="A picture containing text, line, screenshot, diagram&#10;&#10;Description automatically generated">
+            <a:extLst>
+              <a:ext uri="{FF2B5EF4-FFF2-40B4-BE49-F238E27FC236}">
+                <a16:creationId xmlns:a16="http://schemas.microsoft.com/office/drawing/2014/main" id="{35419422-9C26-AEB6-19A7-270D19304D5D}"/>
+              </a:ext>
+            </a:extLst>
+          </p:cNvPr>
+          <p:cNvPicPr>
+            <a:picLocks noChangeAspect="1"/>
+          </p:cNvPicPr>
+          <p:nvPr/>
+        </p:nvPicPr>
+        <p:blipFill>
+          <a:blip r:embed="rId3"/>
+          <a:stretch>
+            <a:fillRect/>
+          </a:stretch>
+        </p:blipFill>
+        <p:spPr>
+          <a:xfrm>
+            <a:off x="201881" y="886256"/>
+            <a:ext cx="5378701" cy="3481440"/>
+          </a:xfrm>
+          <a:prstGeom prst="rect">
+            <a:avLst/>
+          </a:prstGeom>
+        </p:spPr>
+      </p:pic>
+      <p:sp>
+        <p:nvSpPr>
+          <p:cNvPr id="13" name="TextBox 12">
+            <a:extLst>
+              <a:ext uri="{FF2B5EF4-FFF2-40B4-BE49-F238E27FC236}">
+                <a16:creationId xmlns:a16="http://schemas.microsoft.com/office/drawing/2014/main" id="{87CA5968-83C5-1A79-3A9F-6468421927E1}"/>
+              </a:ext>
+            </a:extLst>
+          </p:cNvPr>
+          <p:cNvSpPr txBox="1"/>
+          <p:nvPr/>
+        </p:nvSpPr>
+        <p:spPr>
+          <a:xfrm>
+            <a:off x="201881" y="5399314"/>
+            <a:ext cx="9394965" cy="1200329"/>
+          </a:xfrm>
+          <a:prstGeom prst="rect">
+            <a:avLst/>
+          </a:prstGeom>
+          <a:noFill/>
+        </p:spPr>
+        <p:txBody>
+          <a:bodyPr wrap="square" rtlCol="0">
+            <a:spAutoFit/>
+          </a:bodyPr>
+          <a:lstStyle/>
+          <a:p>
+            <a:r>
+              <a:rPr lang="en-US" b="0" i="0" dirty="0">
+                <a:solidFill>
+                  <a:srgbClr val="D1D2D3"/>
+                </a:solidFill>
+                <a:effectLst/>
+                <a:latin typeface="Slack-Lato"/>
+              </a:rPr>
+              <a:t>Cost of Ownership:     </a:t>
+            </a:r>
+          </a:p>
+          <a:p>
+            <a:r>
+              <a:rPr lang="en-US" b="0" i="0" dirty="0">
+                <a:solidFill>
+                  <a:srgbClr val="D1D2D3"/>
+                </a:solidFill>
+                <a:effectLst/>
+                <a:latin typeface="Slack-Lato"/>
+              </a:rPr>
+              <a:t>-Model 3 Total Cost of Ownership: 47,841, per month: 797.35                                                                   </a:t>
+            </a:r>
+            <a:br>
+              <a:rPr lang="en-US" b="0" i="0" dirty="0">
+                <a:solidFill>
+                  <a:srgbClr val="D1D2D3"/>
+                </a:solidFill>
+                <a:effectLst/>
+                <a:latin typeface="Slack-Lato"/>
+              </a:rPr>
+            </a:br>
+            <a:r>
+              <a:rPr lang="en-US" b="0" i="0" dirty="0">
+                <a:solidFill>
+                  <a:srgbClr val="D1D2D3"/>
+                </a:solidFill>
+                <a:effectLst/>
+                <a:latin typeface="Slack-Lato"/>
+              </a:rPr>
+              <a:t>-Toyota Corolla Total Cost of Ownership: 32,770, per month: 546.17</a:t>
+            </a:r>
+          </a:p>
+          <a:p>
+            <a:r>
+              <a:rPr lang="en-US" dirty="0">
+                <a:solidFill>
+                  <a:srgbClr val="D1D2D3"/>
+                </a:solidFill>
+                <a:latin typeface="Slack-Lato"/>
+              </a:rPr>
+              <a:t>-The Toyota Corolla is cheaper by 251.18 given the </a:t>
+            </a:r>
+            <a:r>
+              <a:rPr lang="en-US" dirty="0" err="1">
+                <a:solidFill>
+                  <a:srgbClr val="D1D2D3"/>
+                </a:solidFill>
+                <a:latin typeface="Slack-Lato"/>
+              </a:rPr>
+              <a:t>Vinaudit</a:t>
+            </a:r>
+            <a:r>
+              <a:rPr lang="en-US" dirty="0">
+                <a:solidFill>
+                  <a:srgbClr val="D1D2D3"/>
+                </a:solidFill>
+                <a:latin typeface="Slack-Lato"/>
+              </a:rPr>
+              <a:t> API data.</a:t>
+            </a:r>
+            <a:endParaRPr lang="en-US" dirty="0"/>
+          </a:p>
+        </p:txBody>
+      </p:sp>
     </p:spTree>
     <p:extLst>
       <p:ext uri="{BB962C8B-B14F-4D97-AF65-F5344CB8AC3E}">
@@ -9580,7 +10607,7 @@
 </p:sld>
 </file>
 
-<file path=ppt/slides/slide14.xml><?xml version="1.0" encoding="utf-8"?>
+<file path=ppt/slides/slide17.xml><?xml version="1.0" encoding="utf-8"?>
 <p:sld xmlns:a="http://schemas.openxmlformats.org/drawingml/2006/main" xmlns:r="http://schemas.openxmlformats.org/officeDocument/2006/relationships" xmlns:p="http://schemas.openxmlformats.org/presentationml/2006/main">
   <p:cSld>
     <p:bg>
@@ -10023,7 +11050,7 @@
           <p:nvPr>
             <p:extLst>
               <p:ext uri="{D42A27DB-BD31-4B8C-83A1-F6EECF244321}">
-                <p14:modId xmlns:p14="http://schemas.microsoft.com/office/powerpoint/2010/main" val="3920098799"/>
+                <p14:modId xmlns:p14="http://schemas.microsoft.com/office/powerpoint/2010/main" val="2051565560"/>
               </p:ext>
             </p:extLst>
           </p:nvPr>
@@ -10105,156 +11132,10 @@
       </p:grpSpPr>
       <p:sp>
         <p:nvSpPr>
-          <p:cNvPr id="2" name="Title 1">
+          <p:cNvPr id="2" name="TextBox 1">
             <a:extLst>
               <a:ext uri="{FF2B5EF4-FFF2-40B4-BE49-F238E27FC236}">
-                <a16:creationId xmlns:a16="http://schemas.microsoft.com/office/drawing/2014/main" id="{3E98410A-7D2F-6E66-75E5-A7446123ECD0}"/>
-              </a:ext>
-            </a:extLst>
-          </p:cNvPr>
-          <p:cNvSpPr>
-            <a:spLocks noGrp="1"/>
-          </p:cNvSpPr>
-          <p:nvPr>
-            <p:ph type="title"/>
-          </p:nvPr>
-        </p:nvSpPr>
-        <p:spPr>
-          <a:xfrm>
-            <a:off x="286667" y="49702"/>
-            <a:ext cx="11775747" cy="597288"/>
-          </a:xfrm>
-        </p:spPr>
-        <p:txBody>
-          <a:bodyPr>
-            <a:normAutofit fontScale="90000"/>
-          </a:bodyPr>
-          <a:lstStyle/>
-          <a:p>
-            <a:pPr algn="ctr"/>
-            <a:r>
-              <a:rPr lang="en-US" b="1" dirty="0"/>
-              <a:t>Electric vehicle dataset</a:t>
-            </a:r>
-          </a:p>
-        </p:txBody>
-      </p:sp>
-      <p:pic>
-        <p:nvPicPr>
-          <p:cNvPr id="7" name="Picture 6">
-            <a:extLst>
-              <a:ext uri="{FF2B5EF4-FFF2-40B4-BE49-F238E27FC236}">
-                <a16:creationId xmlns:a16="http://schemas.microsoft.com/office/drawing/2014/main" id="{EB46E096-86E9-551D-1ABA-E2EED7368F39}"/>
-              </a:ext>
-            </a:extLst>
-          </p:cNvPr>
-          <p:cNvPicPr>
-            <a:picLocks noChangeAspect="1"/>
-          </p:cNvPicPr>
-          <p:nvPr/>
-        </p:nvPicPr>
-        <p:blipFill>
-          <a:blip r:embed="rId2"/>
-          <a:stretch>
-            <a:fillRect/>
-          </a:stretch>
-        </p:blipFill>
-        <p:spPr>
-          <a:xfrm>
-            <a:off x="110348" y="824948"/>
-            <a:ext cx="6977264" cy="3007866"/>
-          </a:xfrm>
-          <a:prstGeom prst="rect">
-            <a:avLst/>
-          </a:prstGeom>
-        </p:spPr>
-      </p:pic>
-      <p:pic>
-        <p:nvPicPr>
-          <p:cNvPr id="20" name="Picture 19">
-            <a:extLst>
-              <a:ext uri="{FF2B5EF4-FFF2-40B4-BE49-F238E27FC236}">
-                <a16:creationId xmlns:a16="http://schemas.microsoft.com/office/drawing/2014/main" id="{123BB9D2-154D-DE25-BE87-1D40121BD20D}"/>
-              </a:ext>
-            </a:extLst>
-          </p:cNvPr>
-          <p:cNvPicPr>
-            <a:picLocks noChangeAspect="1"/>
-          </p:cNvPicPr>
-          <p:nvPr/>
-        </p:nvPicPr>
-        <p:blipFill>
-          <a:blip r:embed="rId3"/>
-          <a:stretch>
-            <a:fillRect/>
-          </a:stretch>
-        </p:blipFill>
-        <p:spPr>
-          <a:xfrm>
-            <a:off x="2967693" y="3932178"/>
-            <a:ext cx="7998760" cy="2876120"/>
-          </a:xfrm>
-          <a:prstGeom prst="rect">
-            <a:avLst/>
-          </a:prstGeom>
-        </p:spPr>
-      </p:pic>
-      <p:sp>
-        <p:nvSpPr>
-          <p:cNvPr id="28" name="Arrow: Bent 27">
-            <a:extLst>
-              <a:ext uri="{FF2B5EF4-FFF2-40B4-BE49-F238E27FC236}">
-                <a16:creationId xmlns:a16="http://schemas.microsoft.com/office/drawing/2014/main" id="{7ED72CBD-6B0B-A4FD-AC3E-884564D90742}"/>
-              </a:ext>
-            </a:extLst>
-          </p:cNvPr>
-          <p:cNvSpPr/>
-          <p:nvPr/>
-        </p:nvSpPr>
-        <p:spPr>
-          <a:xfrm rot="5400000">
-            <a:off x="7129035" y="2443866"/>
-            <a:ext cx="1160796" cy="930827"/>
-          </a:xfrm>
-          <a:prstGeom prst="bentArrow">
-            <a:avLst/>
-          </a:prstGeom>
-        </p:spPr>
-        <p:style>
-          <a:lnRef idx="2">
-            <a:schemeClr val="accent1">
-              <a:shade val="15000"/>
-            </a:schemeClr>
-          </a:lnRef>
-          <a:fillRef idx="1">
-            <a:schemeClr val="accent1"/>
-          </a:fillRef>
-          <a:effectRef idx="0">
-            <a:schemeClr val="accent1"/>
-          </a:effectRef>
-          <a:fontRef idx="minor">
-            <a:schemeClr val="lt1"/>
-          </a:fontRef>
-        </p:style>
-        <p:txBody>
-          <a:bodyPr rtlCol="0" anchor="ctr"/>
-          <a:lstStyle/>
-          <a:p>
-            <a:pPr algn="ctr"/>
-            <a:endParaRPr lang="en-US">
-              <a:solidFill>
-                <a:schemeClr val="tx1"/>
-              </a:solidFill>
-            </a:endParaRPr>
-          </a:p>
-        </p:txBody>
-      </p:sp>
-      <p:sp>
-        <p:nvSpPr>
-          <p:cNvPr id="29" name="TextBox 28">
-            <a:extLst>
-              <a:ext uri="{FF2B5EF4-FFF2-40B4-BE49-F238E27FC236}">
-                <a16:creationId xmlns:a16="http://schemas.microsoft.com/office/drawing/2014/main" id="{68ABC5AF-BB6E-1C06-6947-012C0ACC351A}"/>
+                <a16:creationId xmlns:a16="http://schemas.microsoft.com/office/drawing/2014/main" id="{A5A60729-6601-1A70-53BC-D2E24B2F3379}"/>
               </a:ext>
             </a:extLst>
           </p:cNvPr>
@@ -10263,8 +11144,8 @@
         </p:nvSpPr>
         <p:spPr>
           <a:xfrm>
-            <a:off x="7994156" y="824948"/>
-            <a:ext cx="3635697" cy="923330"/>
+            <a:off x="2458190" y="1919843"/>
+            <a:ext cx="7433955" cy="2800767"/>
           </a:xfrm>
           <a:prstGeom prst="rect">
             <a:avLst/>
@@ -10278,18 +11159,47 @@
           <a:lstStyle/>
           <a:p>
             <a:r>
-              <a:rPr lang="en-US" b="1" dirty="0"/>
-              <a:t>Data Cleaned up:</a:t>
-            </a:r>
-          </a:p>
-          <a:p>
-            <a:pPr marL="285750" indent="-285750">
-              <a:buFont typeface="Arial" panose="020B0604020202020204" pitchFamily="34" charset="0"/>
-              <a:buChar char="•"/>
-            </a:pPr>
-            <a:r>
-              <a:rPr lang="en-US" dirty="0"/>
-              <a:t>Conversion of cost from Euro to US Dollars.</a:t>
+              <a:rPr lang="en-US" sz="4400" b="1" dirty="0"/>
+              <a:t>Question 1: </a:t>
+            </a:r>
+            <a:r>
+              <a:rPr lang="en-US" sz="4400" dirty="0"/>
+              <a:t>Is an EV affordable for a median income earning family household in the US?</a:t>
+            </a:r>
+          </a:p>
+        </p:txBody>
+      </p:sp>
+      <p:sp>
+        <p:nvSpPr>
+          <p:cNvPr id="3" name="TextBox 2">
+            <a:extLst>
+              <a:ext uri="{FF2B5EF4-FFF2-40B4-BE49-F238E27FC236}">
+                <a16:creationId xmlns:a16="http://schemas.microsoft.com/office/drawing/2014/main" id="{62E20AC1-F810-EEA2-2EAC-64E4DBD6534E}"/>
+              </a:ext>
+            </a:extLst>
+          </p:cNvPr>
+          <p:cNvSpPr txBox="1"/>
+          <p:nvPr/>
+        </p:nvSpPr>
+        <p:spPr>
+          <a:xfrm>
+            <a:off x="205839" y="288966"/>
+            <a:ext cx="4306784" cy="769441"/>
+          </a:xfrm>
+          <a:prstGeom prst="rect">
+            <a:avLst/>
+          </a:prstGeom>
+          <a:noFill/>
+        </p:spPr>
+        <p:txBody>
+          <a:bodyPr wrap="square" rtlCol="0">
+            <a:spAutoFit/>
+          </a:bodyPr>
+          <a:lstStyle/>
+          <a:p>
+            <a:r>
+              <a:rPr lang="en-US" sz="4400" b="1" dirty="0"/>
+              <a:t>Budget</a:t>
             </a:r>
           </a:p>
         </p:txBody>
@@ -10297,7 +11207,7 @@
     </p:spTree>
     <p:extLst>
       <p:ext uri="{BB962C8B-B14F-4D97-AF65-F5344CB8AC3E}">
-        <p14:creationId xmlns:p14="http://schemas.microsoft.com/office/powerpoint/2010/main" val="2314425764"/>
+        <p14:creationId xmlns:p14="http://schemas.microsoft.com/office/powerpoint/2010/main" val="3011207779"/>
       </p:ext>
     </p:extLst>
   </p:cSld>
@@ -10326,46 +11236,64 @@
       </p:grpSpPr>
       <p:sp>
         <p:nvSpPr>
-          <p:cNvPr id="2" name="Title 1">
+          <p:cNvPr id="4" name="TextBox 3">
             <a:extLst>
               <a:ext uri="{FF2B5EF4-FFF2-40B4-BE49-F238E27FC236}">
-                <a16:creationId xmlns:a16="http://schemas.microsoft.com/office/drawing/2014/main" id="{3E98410A-7D2F-6E66-75E5-A7446123ECD0}"/>
+                <a16:creationId xmlns:a16="http://schemas.microsoft.com/office/drawing/2014/main" id="{041AB2AA-5CEF-3AE5-CD2D-C7427EEA64D2}"/>
               </a:ext>
             </a:extLst>
           </p:cNvPr>
-          <p:cNvSpPr>
-            <a:spLocks noGrp="1"/>
-          </p:cNvSpPr>
-          <p:nvPr>
-            <p:ph type="title"/>
-          </p:nvPr>
-        </p:nvSpPr>
-        <p:spPr>
-          <a:xfrm>
-            <a:off x="231912" y="85309"/>
-            <a:ext cx="11960088" cy="597288"/>
-          </a:xfrm>
-        </p:spPr>
-        <p:txBody>
-          <a:bodyPr>
-            <a:normAutofit fontScale="90000"/>
+          <p:cNvSpPr txBox="1"/>
+          <p:nvPr/>
+        </p:nvSpPr>
+        <p:spPr>
+          <a:xfrm>
+            <a:off x="636696" y="643464"/>
+            <a:ext cx="3761964" cy="3273061"/>
+          </a:xfrm>
+          <a:prstGeom prst="rect">
+            <a:avLst/>
+          </a:prstGeom>
+          <a:noFill/>
+          <a:ln w="19050">
+            <a:noFill/>
+            <a:prstDash val="dash"/>
+          </a:ln>
+        </p:spPr>
+        <p:txBody>
+          <a:bodyPr vert="horz" lIns="91440" tIns="45720" rIns="91440" bIns="45720" rtlCol="0" anchor="b">
+            <a:normAutofit/>
           </a:bodyPr>
           <a:lstStyle/>
           <a:p>
-            <a:pPr algn="ctr"/>
-            <a:r>
-              <a:rPr lang="en-US" b="1" dirty="0"/>
-              <a:t>Electric vehicle Models</a:t>
+            <a:pPr algn="r" defTabSz="914400">
+              <a:lnSpc>
+                <a:spcPct val="90000"/>
+              </a:lnSpc>
+              <a:spcBef>
+                <a:spcPct val="0"/>
+              </a:spcBef>
+              <a:spcAft>
+                <a:spcPts val="600"/>
+              </a:spcAft>
+            </a:pPr>
+            <a:r>
+              <a:rPr lang="en-US" sz="4800" b="1" cap="all" dirty="0">
+                <a:latin typeface="+mj-lt"/>
+                <a:ea typeface="+mj-ea"/>
+                <a:cs typeface="+mj-cs"/>
+              </a:rPr>
+              <a:t>EV cost Dataset</a:t>
             </a:r>
           </a:p>
         </p:txBody>
       </p:sp>
       <p:pic>
         <p:nvPicPr>
-          <p:cNvPr id="4" name="Picture 3" descr="A picture containing screenshot, plot, line, diagram&#10;&#10;Description automatically generated">
+          <p:cNvPr id="2" name="Picture 1" descr="A picture containing text, screenshot, font, number&#10;&#10;Description automatically generated">
             <a:extLst>
               <a:ext uri="{FF2B5EF4-FFF2-40B4-BE49-F238E27FC236}">
-                <a16:creationId xmlns:a16="http://schemas.microsoft.com/office/drawing/2014/main" id="{C590FFF7-9983-C679-3CA5-000CB62646D1}"/>
+                <a16:creationId xmlns:a16="http://schemas.microsoft.com/office/drawing/2014/main" id="{CC9AD9B2-9A6B-C7E6-5F11-A7A0DE26AB36}"/>
               </a:ext>
             </a:extLst>
           </p:cNvPr>
@@ -10382,179 +11310,18 @@
         </p:blipFill>
         <p:spPr>
           <a:xfrm>
-            <a:off x="66159" y="824948"/>
-            <a:ext cx="5852801" cy="2527814"/>
+            <a:off x="5012136" y="1615645"/>
+            <a:ext cx="6699129" cy="3907825"/>
           </a:xfrm>
           <a:prstGeom prst="rect">
             <a:avLst/>
           </a:prstGeom>
         </p:spPr>
       </p:pic>
-      <p:sp>
-        <p:nvSpPr>
-          <p:cNvPr id="3" name="TextBox 2">
-            <a:extLst>
-              <a:ext uri="{FF2B5EF4-FFF2-40B4-BE49-F238E27FC236}">
-                <a16:creationId xmlns:a16="http://schemas.microsoft.com/office/drawing/2014/main" id="{6AA55FC7-F51E-EDDD-39D1-FACFD7D32DB0}"/>
-              </a:ext>
-            </a:extLst>
-          </p:cNvPr>
-          <p:cNvSpPr txBox="1"/>
-          <p:nvPr/>
-        </p:nvSpPr>
-        <p:spPr>
-          <a:xfrm>
-            <a:off x="6096000" y="1057667"/>
-            <a:ext cx="4567914" cy="738664"/>
-          </a:xfrm>
-          <a:prstGeom prst="rect">
-            <a:avLst/>
-          </a:prstGeom>
-          <a:noFill/>
-        </p:spPr>
-        <p:txBody>
-          <a:bodyPr wrap="square" rtlCol="0">
-            <a:spAutoFit/>
-          </a:bodyPr>
-          <a:lstStyle/>
-          <a:p>
-            <a:pPr marL="342900" indent="-342900">
-              <a:buFont typeface="Wingdings" panose="05000000000000000000" pitchFamily="2" charset="2"/>
-              <a:buChar char="v"/>
-            </a:pPr>
-            <a:r>
-              <a:rPr lang="en-US" sz="1400" dirty="0"/>
-              <a:t>From a first order analysis, it is evident that there are around ~60 EV options less than $50k price range.</a:t>
-            </a:r>
-          </a:p>
-        </p:txBody>
-      </p:sp>
-      <p:sp>
-        <p:nvSpPr>
-          <p:cNvPr id="6" name="Oval 5">
-            <a:extLst>
-              <a:ext uri="{FF2B5EF4-FFF2-40B4-BE49-F238E27FC236}">
-                <a16:creationId xmlns:a16="http://schemas.microsoft.com/office/drawing/2014/main" id="{C4D99924-1EE3-2B90-D802-06B66BA266E4}"/>
-              </a:ext>
-            </a:extLst>
-          </p:cNvPr>
-          <p:cNvSpPr/>
-          <p:nvPr/>
-        </p:nvSpPr>
-        <p:spPr>
-          <a:xfrm>
-            <a:off x="566232" y="925046"/>
-            <a:ext cx="725974" cy="2411043"/>
-          </a:xfrm>
-          <a:prstGeom prst="ellipse">
-            <a:avLst/>
-          </a:prstGeom>
-          <a:noFill/>
-          <a:ln w="28575">
-            <a:solidFill>
-              <a:srgbClr val="7030A0"/>
-            </a:solidFill>
-            <a:prstDash val="dashDot"/>
-          </a:ln>
-        </p:spPr>
-        <p:style>
-          <a:lnRef idx="2">
-            <a:schemeClr val="accent1">
-              <a:shade val="15000"/>
-            </a:schemeClr>
-          </a:lnRef>
-          <a:fillRef idx="1">
-            <a:schemeClr val="accent1"/>
-          </a:fillRef>
-          <a:effectRef idx="0">
-            <a:schemeClr val="accent1"/>
-          </a:effectRef>
-          <a:fontRef idx="minor">
-            <a:schemeClr val="lt1"/>
-          </a:fontRef>
-        </p:style>
-        <p:txBody>
-          <a:bodyPr rtlCol="0" anchor="ctr"/>
-          <a:lstStyle/>
-          <a:p>
-            <a:pPr algn="ctr"/>
-            <a:endParaRPr lang="en-US"/>
-          </a:p>
-        </p:txBody>
-      </p:sp>
-      <p:pic>
-        <p:nvPicPr>
-          <p:cNvPr id="7" name="Picture 6">
-            <a:extLst>
-              <a:ext uri="{FF2B5EF4-FFF2-40B4-BE49-F238E27FC236}">
-                <a16:creationId xmlns:a16="http://schemas.microsoft.com/office/drawing/2014/main" id="{9CECBAA9-EA0A-BC3B-5B92-5C011C12771A}"/>
-              </a:ext>
-            </a:extLst>
-          </p:cNvPr>
-          <p:cNvPicPr>
-            <a:picLocks noChangeAspect="1"/>
-          </p:cNvPicPr>
-          <p:nvPr/>
-        </p:nvPicPr>
-        <p:blipFill>
-          <a:blip r:embed="rId3"/>
-          <a:stretch>
-            <a:fillRect/>
-          </a:stretch>
-        </p:blipFill>
-        <p:spPr>
-          <a:xfrm>
-            <a:off x="5462424" y="3429000"/>
-            <a:ext cx="6477251" cy="3270191"/>
-          </a:xfrm>
-          <a:prstGeom prst="rect">
-            <a:avLst/>
-          </a:prstGeom>
-        </p:spPr>
-      </p:pic>
-      <p:sp>
-        <p:nvSpPr>
-          <p:cNvPr id="8" name="TextBox 7">
-            <a:extLst>
-              <a:ext uri="{FF2B5EF4-FFF2-40B4-BE49-F238E27FC236}">
-                <a16:creationId xmlns:a16="http://schemas.microsoft.com/office/drawing/2014/main" id="{E4BBBE64-02E2-A698-2D34-B87FA95E417B}"/>
-              </a:ext>
-            </a:extLst>
-          </p:cNvPr>
-          <p:cNvSpPr txBox="1"/>
-          <p:nvPr/>
-        </p:nvSpPr>
-        <p:spPr>
-          <a:xfrm>
-            <a:off x="894510" y="4535861"/>
-            <a:ext cx="4567914" cy="738664"/>
-          </a:xfrm>
-          <a:prstGeom prst="rect">
-            <a:avLst/>
-          </a:prstGeom>
-          <a:noFill/>
-        </p:spPr>
-        <p:txBody>
-          <a:bodyPr wrap="square" rtlCol="0">
-            <a:spAutoFit/>
-          </a:bodyPr>
-          <a:lstStyle/>
-          <a:p>
-            <a:pPr marL="342900" indent="-342900">
-              <a:buFont typeface="Wingdings" panose="05000000000000000000" pitchFamily="2" charset="2"/>
-              <a:buChar char="v"/>
-            </a:pPr>
-            <a:r>
-              <a:rPr lang="en-US" sz="1400" dirty="0"/>
-              <a:t>The graph shows the number of Electric Vehicle models per car manufacturing companies with Tesla leading the chart.</a:t>
-            </a:r>
-          </a:p>
-        </p:txBody>
-      </p:sp>
     </p:spTree>
     <p:extLst>
       <p:ext uri="{BB962C8B-B14F-4D97-AF65-F5344CB8AC3E}">
-        <p14:creationId xmlns:p14="http://schemas.microsoft.com/office/powerpoint/2010/main" val="3451498179"/>
+        <p14:creationId xmlns:p14="http://schemas.microsoft.com/office/powerpoint/2010/main" val="1543669436"/>
       </p:ext>
     </p:extLst>
   </p:cSld>
@@ -10599,6 +11366,484 @@
         </p:nvSpPr>
         <p:spPr>
           <a:xfrm>
+            <a:off x="286667" y="49702"/>
+            <a:ext cx="11775747" cy="597288"/>
+          </a:xfrm>
+        </p:spPr>
+        <p:txBody>
+          <a:bodyPr>
+            <a:normAutofit fontScale="90000"/>
+          </a:bodyPr>
+          <a:lstStyle/>
+          <a:p>
+            <a:pPr algn="ctr"/>
+            <a:r>
+              <a:rPr lang="en-US" b="1" dirty="0"/>
+              <a:t>Electric vehicle dataset</a:t>
+            </a:r>
+          </a:p>
+        </p:txBody>
+      </p:sp>
+      <p:pic>
+        <p:nvPicPr>
+          <p:cNvPr id="7" name="Picture 6">
+            <a:extLst>
+              <a:ext uri="{FF2B5EF4-FFF2-40B4-BE49-F238E27FC236}">
+                <a16:creationId xmlns:a16="http://schemas.microsoft.com/office/drawing/2014/main" id="{EB46E096-86E9-551D-1ABA-E2EED7368F39}"/>
+              </a:ext>
+            </a:extLst>
+          </p:cNvPr>
+          <p:cNvPicPr>
+            <a:picLocks noChangeAspect="1"/>
+          </p:cNvPicPr>
+          <p:nvPr/>
+        </p:nvPicPr>
+        <p:blipFill>
+          <a:blip r:embed="rId2"/>
+          <a:stretch>
+            <a:fillRect/>
+          </a:stretch>
+        </p:blipFill>
+        <p:spPr>
+          <a:xfrm>
+            <a:off x="110348" y="824948"/>
+            <a:ext cx="6977264" cy="3007866"/>
+          </a:xfrm>
+          <a:prstGeom prst="rect">
+            <a:avLst/>
+          </a:prstGeom>
+        </p:spPr>
+      </p:pic>
+      <p:pic>
+        <p:nvPicPr>
+          <p:cNvPr id="20" name="Picture 19">
+            <a:extLst>
+              <a:ext uri="{FF2B5EF4-FFF2-40B4-BE49-F238E27FC236}">
+                <a16:creationId xmlns:a16="http://schemas.microsoft.com/office/drawing/2014/main" id="{123BB9D2-154D-DE25-BE87-1D40121BD20D}"/>
+              </a:ext>
+            </a:extLst>
+          </p:cNvPr>
+          <p:cNvPicPr>
+            <a:picLocks noChangeAspect="1"/>
+          </p:cNvPicPr>
+          <p:nvPr/>
+        </p:nvPicPr>
+        <p:blipFill>
+          <a:blip r:embed="rId3"/>
+          <a:stretch>
+            <a:fillRect/>
+          </a:stretch>
+        </p:blipFill>
+        <p:spPr>
+          <a:xfrm>
+            <a:off x="2967693" y="3932178"/>
+            <a:ext cx="7998760" cy="2876120"/>
+          </a:xfrm>
+          <a:prstGeom prst="rect">
+            <a:avLst/>
+          </a:prstGeom>
+        </p:spPr>
+      </p:pic>
+      <p:sp>
+        <p:nvSpPr>
+          <p:cNvPr id="28" name="Arrow: Bent 27">
+            <a:extLst>
+              <a:ext uri="{FF2B5EF4-FFF2-40B4-BE49-F238E27FC236}">
+                <a16:creationId xmlns:a16="http://schemas.microsoft.com/office/drawing/2014/main" id="{7ED72CBD-6B0B-A4FD-AC3E-884564D90742}"/>
+              </a:ext>
+            </a:extLst>
+          </p:cNvPr>
+          <p:cNvSpPr/>
+          <p:nvPr/>
+        </p:nvSpPr>
+        <p:spPr>
+          <a:xfrm rot="5400000">
+            <a:off x="7129035" y="2443866"/>
+            <a:ext cx="1160796" cy="930827"/>
+          </a:xfrm>
+          <a:prstGeom prst="bentArrow">
+            <a:avLst/>
+          </a:prstGeom>
+        </p:spPr>
+        <p:style>
+          <a:lnRef idx="2">
+            <a:schemeClr val="accent1">
+              <a:shade val="15000"/>
+            </a:schemeClr>
+          </a:lnRef>
+          <a:fillRef idx="1">
+            <a:schemeClr val="accent1"/>
+          </a:fillRef>
+          <a:effectRef idx="0">
+            <a:schemeClr val="accent1"/>
+          </a:effectRef>
+          <a:fontRef idx="minor">
+            <a:schemeClr val="lt1"/>
+          </a:fontRef>
+        </p:style>
+        <p:txBody>
+          <a:bodyPr rtlCol="0" anchor="ctr"/>
+          <a:lstStyle/>
+          <a:p>
+            <a:pPr algn="ctr"/>
+            <a:endParaRPr lang="en-US">
+              <a:solidFill>
+                <a:schemeClr val="tx1"/>
+              </a:solidFill>
+            </a:endParaRPr>
+          </a:p>
+        </p:txBody>
+      </p:sp>
+      <p:sp>
+        <p:nvSpPr>
+          <p:cNvPr id="29" name="TextBox 28">
+            <a:extLst>
+              <a:ext uri="{FF2B5EF4-FFF2-40B4-BE49-F238E27FC236}">
+                <a16:creationId xmlns:a16="http://schemas.microsoft.com/office/drawing/2014/main" id="{68ABC5AF-BB6E-1C06-6947-012C0ACC351A}"/>
+              </a:ext>
+            </a:extLst>
+          </p:cNvPr>
+          <p:cNvSpPr txBox="1"/>
+          <p:nvPr/>
+        </p:nvSpPr>
+        <p:spPr>
+          <a:xfrm>
+            <a:off x="7994156" y="824948"/>
+            <a:ext cx="3635697" cy="923330"/>
+          </a:xfrm>
+          <a:prstGeom prst="rect">
+            <a:avLst/>
+          </a:prstGeom>
+          <a:noFill/>
+        </p:spPr>
+        <p:txBody>
+          <a:bodyPr wrap="square" rtlCol="0">
+            <a:spAutoFit/>
+          </a:bodyPr>
+          <a:lstStyle/>
+          <a:p>
+            <a:r>
+              <a:rPr lang="en-US" b="1" dirty="0"/>
+              <a:t>Data Cleaned up:</a:t>
+            </a:r>
+          </a:p>
+          <a:p>
+            <a:pPr marL="285750" indent="-285750">
+              <a:buFont typeface="Arial" panose="020B0604020202020204" pitchFamily="34" charset="0"/>
+              <a:buChar char="•"/>
+            </a:pPr>
+            <a:r>
+              <a:rPr lang="en-US" dirty="0"/>
+              <a:t>Conversion of cost from Euro to US Dollars.</a:t>
+            </a:r>
+          </a:p>
+        </p:txBody>
+      </p:sp>
+    </p:spTree>
+    <p:extLst>
+      <p:ext uri="{BB962C8B-B14F-4D97-AF65-F5344CB8AC3E}">
+        <p14:creationId xmlns:p14="http://schemas.microsoft.com/office/powerpoint/2010/main" val="2314425764"/>
+      </p:ext>
+    </p:extLst>
+  </p:cSld>
+  <p:clrMapOvr>
+    <a:masterClrMapping/>
+  </p:clrMapOvr>
+</p:sld>
+</file>
+
+<file path=ppt/slides/slide6.xml><?xml version="1.0" encoding="utf-8"?>
+<p:sld xmlns:a="http://schemas.openxmlformats.org/drawingml/2006/main" xmlns:r="http://schemas.openxmlformats.org/officeDocument/2006/relationships" xmlns:p="http://schemas.openxmlformats.org/presentationml/2006/main">
+  <p:cSld>
+    <p:spTree>
+      <p:nvGrpSpPr>
+        <p:cNvPr id="1" name=""/>
+        <p:cNvGrpSpPr/>
+        <p:nvPr/>
+      </p:nvGrpSpPr>
+      <p:grpSpPr>
+        <a:xfrm>
+          <a:off x="0" y="0"/>
+          <a:ext cx="0" cy="0"/>
+          <a:chOff x="0" y="0"/>
+          <a:chExt cx="0" cy="0"/>
+        </a:xfrm>
+      </p:grpSpPr>
+      <p:sp>
+        <p:nvSpPr>
+          <p:cNvPr id="2" name="Title 1">
+            <a:extLst>
+              <a:ext uri="{FF2B5EF4-FFF2-40B4-BE49-F238E27FC236}">
+                <a16:creationId xmlns:a16="http://schemas.microsoft.com/office/drawing/2014/main" id="{3E98410A-7D2F-6E66-75E5-A7446123ECD0}"/>
+              </a:ext>
+            </a:extLst>
+          </p:cNvPr>
+          <p:cNvSpPr>
+            <a:spLocks noGrp="1"/>
+          </p:cNvSpPr>
+          <p:nvPr>
+            <p:ph type="title"/>
+          </p:nvPr>
+        </p:nvSpPr>
+        <p:spPr>
+          <a:xfrm>
+            <a:off x="231912" y="85309"/>
+            <a:ext cx="11960088" cy="597288"/>
+          </a:xfrm>
+        </p:spPr>
+        <p:txBody>
+          <a:bodyPr>
+            <a:normAutofit fontScale="90000"/>
+          </a:bodyPr>
+          <a:lstStyle/>
+          <a:p>
+            <a:pPr algn="ctr"/>
+            <a:r>
+              <a:rPr lang="en-US" b="1" dirty="0"/>
+              <a:t>Electric vehicle Models</a:t>
+            </a:r>
+          </a:p>
+        </p:txBody>
+      </p:sp>
+      <p:pic>
+        <p:nvPicPr>
+          <p:cNvPr id="4" name="Picture 3" descr="A picture containing screenshot, plot, line, diagram&#10;&#10;Description automatically generated">
+            <a:extLst>
+              <a:ext uri="{FF2B5EF4-FFF2-40B4-BE49-F238E27FC236}">
+                <a16:creationId xmlns:a16="http://schemas.microsoft.com/office/drawing/2014/main" id="{C590FFF7-9983-C679-3CA5-000CB62646D1}"/>
+              </a:ext>
+            </a:extLst>
+          </p:cNvPr>
+          <p:cNvPicPr>
+            <a:picLocks noChangeAspect="1"/>
+          </p:cNvPicPr>
+          <p:nvPr/>
+        </p:nvPicPr>
+        <p:blipFill>
+          <a:blip r:embed="rId2"/>
+          <a:stretch>
+            <a:fillRect/>
+          </a:stretch>
+        </p:blipFill>
+        <p:spPr>
+          <a:xfrm>
+            <a:off x="66159" y="824948"/>
+            <a:ext cx="5852801" cy="2527814"/>
+          </a:xfrm>
+          <a:prstGeom prst="rect">
+            <a:avLst/>
+          </a:prstGeom>
+        </p:spPr>
+      </p:pic>
+      <p:sp>
+        <p:nvSpPr>
+          <p:cNvPr id="3" name="TextBox 2">
+            <a:extLst>
+              <a:ext uri="{FF2B5EF4-FFF2-40B4-BE49-F238E27FC236}">
+                <a16:creationId xmlns:a16="http://schemas.microsoft.com/office/drawing/2014/main" id="{6AA55FC7-F51E-EDDD-39D1-FACFD7D32DB0}"/>
+              </a:ext>
+            </a:extLst>
+          </p:cNvPr>
+          <p:cNvSpPr txBox="1"/>
+          <p:nvPr/>
+        </p:nvSpPr>
+        <p:spPr>
+          <a:xfrm>
+            <a:off x="6096000" y="1057667"/>
+            <a:ext cx="4567914" cy="738664"/>
+          </a:xfrm>
+          <a:prstGeom prst="rect">
+            <a:avLst/>
+          </a:prstGeom>
+          <a:noFill/>
+        </p:spPr>
+        <p:txBody>
+          <a:bodyPr wrap="square" rtlCol="0">
+            <a:spAutoFit/>
+          </a:bodyPr>
+          <a:lstStyle/>
+          <a:p>
+            <a:pPr marL="342900" indent="-342900">
+              <a:buFont typeface="Wingdings" panose="05000000000000000000" pitchFamily="2" charset="2"/>
+              <a:buChar char="v"/>
+            </a:pPr>
+            <a:r>
+              <a:rPr lang="en-US" sz="1400" dirty="0"/>
+              <a:t>From a first order analysis, it is evident that there are around ~30 EV options less than $50k price range.</a:t>
+            </a:r>
+          </a:p>
+        </p:txBody>
+      </p:sp>
+      <p:sp>
+        <p:nvSpPr>
+          <p:cNvPr id="6" name="Oval 5">
+            <a:extLst>
+              <a:ext uri="{FF2B5EF4-FFF2-40B4-BE49-F238E27FC236}">
+                <a16:creationId xmlns:a16="http://schemas.microsoft.com/office/drawing/2014/main" id="{C4D99924-1EE3-2B90-D802-06B66BA266E4}"/>
+              </a:ext>
+            </a:extLst>
+          </p:cNvPr>
+          <p:cNvSpPr/>
+          <p:nvPr/>
+        </p:nvSpPr>
+        <p:spPr>
+          <a:xfrm>
+            <a:off x="566232" y="925046"/>
+            <a:ext cx="725974" cy="2411043"/>
+          </a:xfrm>
+          <a:prstGeom prst="ellipse">
+            <a:avLst/>
+          </a:prstGeom>
+          <a:noFill/>
+          <a:ln w="28575">
+            <a:solidFill>
+              <a:srgbClr val="7030A0"/>
+            </a:solidFill>
+            <a:prstDash val="dashDot"/>
+          </a:ln>
+        </p:spPr>
+        <p:style>
+          <a:lnRef idx="2">
+            <a:schemeClr val="accent1">
+              <a:shade val="15000"/>
+            </a:schemeClr>
+          </a:lnRef>
+          <a:fillRef idx="1">
+            <a:schemeClr val="accent1"/>
+          </a:fillRef>
+          <a:effectRef idx="0">
+            <a:schemeClr val="accent1"/>
+          </a:effectRef>
+          <a:fontRef idx="minor">
+            <a:schemeClr val="lt1"/>
+          </a:fontRef>
+        </p:style>
+        <p:txBody>
+          <a:bodyPr rtlCol="0" anchor="ctr"/>
+          <a:lstStyle/>
+          <a:p>
+            <a:pPr algn="ctr"/>
+            <a:endParaRPr lang="en-US"/>
+          </a:p>
+        </p:txBody>
+      </p:sp>
+      <p:pic>
+        <p:nvPicPr>
+          <p:cNvPr id="7" name="Picture 6">
+            <a:extLst>
+              <a:ext uri="{FF2B5EF4-FFF2-40B4-BE49-F238E27FC236}">
+                <a16:creationId xmlns:a16="http://schemas.microsoft.com/office/drawing/2014/main" id="{9CECBAA9-EA0A-BC3B-5B92-5C011C12771A}"/>
+              </a:ext>
+            </a:extLst>
+          </p:cNvPr>
+          <p:cNvPicPr>
+            <a:picLocks noChangeAspect="1"/>
+          </p:cNvPicPr>
+          <p:nvPr/>
+        </p:nvPicPr>
+        <p:blipFill>
+          <a:blip r:embed="rId3"/>
+          <a:stretch>
+            <a:fillRect/>
+          </a:stretch>
+        </p:blipFill>
+        <p:spPr>
+          <a:xfrm>
+            <a:off x="5462424" y="3429000"/>
+            <a:ext cx="6477251" cy="3270191"/>
+          </a:xfrm>
+          <a:prstGeom prst="rect">
+            <a:avLst/>
+          </a:prstGeom>
+        </p:spPr>
+      </p:pic>
+      <p:sp>
+        <p:nvSpPr>
+          <p:cNvPr id="8" name="TextBox 7">
+            <a:extLst>
+              <a:ext uri="{FF2B5EF4-FFF2-40B4-BE49-F238E27FC236}">
+                <a16:creationId xmlns:a16="http://schemas.microsoft.com/office/drawing/2014/main" id="{E4BBBE64-02E2-A698-2D34-B87FA95E417B}"/>
+              </a:ext>
+            </a:extLst>
+          </p:cNvPr>
+          <p:cNvSpPr txBox="1"/>
+          <p:nvPr/>
+        </p:nvSpPr>
+        <p:spPr>
+          <a:xfrm>
+            <a:off x="894510" y="4535861"/>
+            <a:ext cx="4567914" cy="738664"/>
+          </a:xfrm>
+          <a:prstGeom prst="rect">
+            <a:avLst/>
+          </a:prstGeom>
+          <a:noFill/>
+        </p:spPr>
+        <p:txBody>
+          <a:bodyPr wrap="square" rtlCol="0">
+            <a:spAutoFit/>
+          </a:bodyPr>
+          <a:lstStyle/>
+          <a:p>
+            <a:pPr marL="342900" indent="-342900">
+              <a:buFont typeface="Wingdings" panose="05000000000000000000" pitchFamily="2" charset="2"/>
+              <a:buChar char="v"/>
+            </a:pPr>
+            <a:r>
+              <a:rPr lang="en-US" sz="1400" dirty="0"/>
+              <a:t>The graph shows the number of Electric Vehicle models per car manufacturing companies with Tesla leading the chart.</a:t>
+            </a:r>
+          </a:p>
+        </p:txBody>
+      </p:sp>
+    </p:spTree>
+    <p:extLst>
+      <p:ext uri="{BB962C8B-B14F-4D97-AF65-F5344CB8AC3E}">
+        <p14:creationId xmlns:p14="http://schemas.microsoft.com/office/powerpoint/2010/main" val="3451498179"/>
+      </p:ext>
+    </p:extLst>
+  </p:cSld>
+  <p:clrMapOvr>
+    <a:masterClrMapping/>
+  </p:clrMapOvr>
+</p:sld>
+</file>
+
+<file path=ppt/slides/slide7.xml><?xml version="1.0" encoding="utf-8"?>
+<p:sld xmlns:a="http://schemas.openxmlformats.org/drawingml/2006/main" xmlns:r="http://schemas.openxmlformats.org/officeDocument/2006/relationships" xmlns:p="http://schemas.openxmlformats.org/presentationml/2006/main">
+  <p:cSld>
+    <p:spTree>
+      <p:nvGrpSpPr>
+        <p:cNvPr id="1" name=""/>
+        <p:cNvGrpSpPr/>
+        <p:nvPr/>
+      </p:nvGrpSpPr>
+      <p:grpSpPr>
+        <a:xfrm>
+          <a:off x="0" y="0"/>
+          <a:ext cx="0" cy="0"/>
+          <a:chOff x="0" y="0"/>
+          <a:chExt cx="0" cy="0"/>
+        </a:xfrm>
+      </p:grpSpPr>
+      <p:sp>
+        <p:nvSpPr>
+          <p:cNvPr id="2" name="Title 1">
+            <a:extLst>
+              <a:ext uri="{FF2B5EF4-FFF2-40B4-BE49-F238E27FC236}">
+                <a16:creationId xmlns:a16="http://schemas.microsoft.com/office/drawing/2014/main" id="{3E98410A-7D2F-6E66-75E5-A7446123ECD0}"/>
+              </a:ext>
+            </a:extLst>
+          </p:cNvPr>
+          <p:cNvSpPr>
+            <a:spLocks noGrp="1"/>
+          </p:cNvSpPr>
+          <p:nvPr>
+            <p:ph type="title"/>
+          </p:nvPr>
+        </p:nvSpPr>
+        <p:spPr>
+          <a:xfrm>
             <a:off x="-102091" y="107201"/>
             <a:ext cx="12054995" cy="597288"/>
           </a:xfrm>
@@ -10699,8 +11944,8 @@
         </p:nvSpPr>
         <p:spPr>
           <a:xfrm>
-            <a:off x="5387843" y="2053294"/>
-            <a:ext cx="1664536" cy="317575"/>
+            <a:off x="5453547" y="2053294"/>
+            <a:ext cx="1598832" cy="317575"/>
           </a:xfrm>
           <a:prstGeom prst="roundRect">
             <a:avLst/>
@@ -10888,7 +12133,7 @@
 </p:sld>
 </file>
 
-<file path=ppt/slides/slide6.xml><?xml version="1.0" encoding="utf-8"?>
+<file path=ppt/slides/slide8.xml><?xml version="1.0" encoding="utf-8"?>
 <p:sld xmlns:a="http://schemas.openxmlformats.org/drawingml/2006/main" xmlns:r="http://schemas.openxmlformats.org/officeDocument/2006/relationships" xmlns:p="http://schemas.openxmlformats.org/presentationml/2006/main">
   <p:cSld>
     <p:spTree>
@@ -11016,7 +12261,7 @@
         <p:spPr>
           <a:xfrm>
             <a:off x="344952" y="4495344"/>
-            <a:ext cx="10146008" cy="1200329"/>
+            <a:ext cx="10146008" cy="2031325"/>
           </a:xfrm>
           <a:prstGeom prst="rect">
             <a:avLst/>
@@ -11060,443 +12305,40 @@
               <a:t>The top 10 cars are ranked based on their range and efficiency, making them potential options to consider for this budget.</a:t>
             </a:r>
           </a:p>
+          <a:p>
+            <a:pPr marL="285750" indent="-285750">
+              <a:buFont typeface="Wingdings" panose="05000000000000000000" pitchFamily="2" charset="2"/>
+              <a:buChar char="v"/>
+            </a:pPr>
+            <a:endParaRPr lang="en-US" dirty="0">
+              <a:solidFill>
+                <a:srgbClr val="D1D5DB"/>
+              </a:solidFill>
+              <a:latin typeface="+mj-lt"/>
+            </a:endParaRPr>
+          </a:p>
+          <a:p>
+            <a:pPr marL="285750" indent="-285750">
+              <a:buFont typeface="Wingdings" panose="05000000000000000000" pitchFamily="2" charset="2"/>
+              <a:buChar char="v"/>
+            </a:pPr>
+            <a:r>
+              <a:rPr lang="en-US" b="0" i="0" dirty="0">
+                <a:solidFill>
+                  <a:srgbClr val="D1D5DB"/>
+                </a:solidFill>
+                <a:effectLst/>
+                <a:latin typeface="+mj-lt"/>
+              </a:rPr>
+              <a:t>The answer is Yes! It’s very possible to afford an EV on the median income of the U.S. and there are plenty of options to select from!</a:t>
+            </a:r>
+          </a:p>
         </p:txBody>
       </p:sp>
     </p:spTree>
     <p:extLst>
       <p:ext uri="{BB962C8B-B14F-4D97-AF65-F5344CB8AC3E}">
         <p14:creationId xmlns:p14="http://schemas.microsoft.com/office/powerpoint/2010/main" val="2915413457"/>
-      </p:ext>
-    </p:extLst>
-  </p:cSld>
-  <p:clrMapOvr>
-    <a:masterClrMapping/>
-  </p:clrMapOvr>
-</p:sld>
-</file>
-
-<file path=ppt/slides/slide7.xml><?xml version="1.0" encoding="utf-8"?>
-<p:sld xmlns:a="http://schemas.openxmlformats.org/drawingml/2006/main" xmlns:r="http://schemas.openxmlformats.org/officeDocument/2006/relationships" xmlns:p="http://schemas.openxmlformats.org/presentationml/2006/main">
-  <p:cSld>
-    <p:spTree>
-      <p:nvGrpSpPr>
-        <p:cNvPr id="1" name=""/>
-        <p:cNvGrpSpPr/>
-        <p:nvPr/>
-      </p:nvGrpSpPr>
-      <p:grpSpPr>
-        <a:xfrm>
-          <a:off x="0" y="0"/>
-          <a:ext cx="0" cy="0"/>
-          <a:chOff x="0" y="0"/>
-          <a:chExt cx="0" cy="0"/>
-        </a:xfrm>
-      </p:grpSpPr>
-      <p:sp>
-        <p:nvSpPr>
-          <p:cNvPr id="4" name="TextBox 3">
-            <a:extLst>
-              <a:ext uri="{FF2B5EF4-FFF2-40B4-BE49-F238E27FC236}">
-                <a16:creationId xmlns:a16="http://schemas.microsoft.com/office/drawing/2014/main" id="{041AB2AA-5CEF-3AE5-CD2D-C7427EEA64D2}"/>
-              </a:ext>
-            </a:extLst>
-          </p:cNvPr>
-          <p:cNvSpPr txBox="1"/>
-          <p:nvPr/>
-        </p:nvSpPr>
-        <p:spPr>
-          <a:xfrm>
-            <a:off x="636696" y="643464"/>
-            <a:ext cx="3761964" cy="3273061"/>
-          </a:xfrm>
-          <a:prstGeom prst="rect">
-            <a:avLst/>
-          </a:prstGeom>
-          <a:noFill/>
-          <a:ln w="19050">
-            <a:noFill/>
-            <a:prstDash val="dash"/>
-          </a:ln>
-        </p:spPr>
-        <p:txBody>
-          <a:bodyPr vert="horz" lIns="91440" tIns="45720" rIns="91440" bIns="45720" rtlCol="0" anchor="b">
-            <a:normAutofit/>
-          </a:bodyPr>
-          <a:lstStyle/>
-          <a:p>
-            <a:pPr algn="r" defTabSz="914400">
-              <a:lnSpc>
-                <a:spcPct val="90000"/>
-              </a:lnSpc>
-              <a:spcBef>
-                <a:spcPct val="0"/>
-              </a:spcBef>
-              <a:spcAft>
-                <a:spcPts val="600"/>
-              </a:spcAft>
-            </a:pPr>
-            <a:r>
-              <a:rPr lang="en-US" sz="4800" b="1" cap="all">
-                <a:latin typeface="+mj-lt"/>
-                <a:ea typeface="+mj-ea"/>
-                <a:cs typeface="+mj-cs"/>
-              </a:rPr>
-              <a:t>Dataset Used:</a:t>
-            </a:r>
-          </a:p>
-        </p:txBody>
-      </p:sp>
-      <p:pic>
-        <p:nvPicPr>
-          <p:cNvPr id="2" name="Picture 1" descr="A picture containing text, screenshot, font, number&#10;&#10;Description automatically generated">
-            <a:extLst>
-              <a:ext uri="{FF2B5EF4-FFF2-40B4-BE49-F238E27FC236}">
-                <a16:creationId xmlns:a16="http://schemas.microsoft.com/office/drawing/2014/main" id="{CC9AD9B2-9A6B-C7E6-5F11-A7A0DE26AB36}"/>
-              </a:ext>
-            </a:extLst>
-          </p:cNvPr>
-          <p:cNvPicPr>
-            <a:picLocks noChangeAspect="1"/>
-          </p:cNvPicPr>
-          <p:nvPr/>
-        </p:nvPicPr>
-        <p:blipFill>
-          <a:blip r:embed="rId2"/>
-          <a:stretch>
-            <a:fillRect/>
-          </a:stretch>
-        </p:blipFill>
-        <p:spPr>
-          <a:xfrm>
-            <a:off x="5012136" y="1615645"/>
-            <a:ext cx="6699129" cy="3907825"/>
-          </a:xfrm>
-          <a:prstGeom prst="rect">
-            <a:avLst/>
-          </a:prstGeom>
-        </p:spPr>
-      </p:pic>
-    </p:spTree>
-    <p:extLst>
-      <p:ext uri="{BB962C8B-B14F-4D97-AF65-F5344CB8AC3E}">
-        <p14:creationId xmlns:p14="http://schemas.microsoft.com/office/powerpoint/2010/main" val="1543669436"/>
-      </p:ext>
-    </p:extLst>
-  </p:cSld>
-  <p:clrMapOvr>
-    <a:masterClrMapping/>
-  </p:clrMapOvr>
-</p:sld>
-</file>
-
-<file path=ppt/slides/slide8.xml><?xml version="1.0" encoding="utf-8"?>
-<p:sld xmlns:a="http://schemas.openxmlformats.org/drawingml/2006/main" xmlns:r="http://schemas.openxmlformats.org/officeDocument/2006/relationships" xmlns:p="http://schemas.openxmlformats.org/presentationml/2006/main">
-  <p:cSld>
-    <p:bg>
-      <p:bgPr>
-        <a:solidFill>
-          <a:schemeClr val="bg1"/>
-        </a:solidFill>
-        <a:effectLst/>
-      </p:bgPr>
-    </p:bg>
-    <p:spTree>
-      <p:nvGrpSpPr>
-        <p:cNvPr id="1" name=""/>
-        <p:cNvGrpSpPr/>
-        <p:nvPr/>
-      </p:nvGrpSpPr>
-      <p:grpSpPr>
-        <a:xfrm>
-          <a:off x="0" y="0"/>
-          <a:ext cx="0" cy="0"/>
-          <a:chOff x="0" y="0"/>
-          <a:chExt cx="0" cy="0"/>
-        </a:xfrm>
-      </p:grpSpPr>
-      <p:pic>
-        <p:nvPicPr>
-          <p:cNvPr id="10" name="Picture 9">
-            <a:extLst>
-              <a:ext uri="{FF2B5EF4-FFF2-40B4-BE49-F238E27FC236}">
-                <a16:creationId xmlns:a16="http://schemas.microsoft.com/office/drawing/2014/main" id="{BDFADFB3-3D44-49A8-AE3B-A87C61607F7E}"/>
-              </a:ext>
-              <a:ext uri="{C183D7F6-B498-43B3-948B-1728B52AA6E4}">
-                <adec:decorative xmlns:adec="http://schemas.microsoft.com/office/drawing/2017/decorative" val="1"/>
-              </a:ext>
-            </a:extLst>
-          </p:cNvPr>
-          <p:cNvPicPr>
-            <a:picLocks noGrp="1" noRot="1" noChangeAspect="1" noMove="1" noResize="1" noEditPoints="1" noAdjustHandles="1" noChangeArrowheads="1" noChangeShapeType="1" noCrop="1"/>
-          </p:cNvPicPr>
-          <p:nvPr>
-            <p:extLst>
-              <p:ext uri="{386F3935-93C4-4BCD-93E2-E3B085C9AB24}">
-                <p16:designElem xmlns:p16="http://schemas.microsoft.com/office/powerpoint/2015/main" val="1"/>
-              </p:ext>
-            </p:extLst>
-          </p:nvPr>
-        </p:nvPicPr>
-        <p:blipFill>
-          <a:blip r:embed="rId2">
-            <a:extLst>
-              <a:ext uri="{28A0092B-C50C-407E-A947-70E740481C1C}">
-                <a14:useLocalDpi xmlns:a14="http://schemas.microsoft.com/office/drawing/2010/main" val="0"/>
-              </a:ext>
-            </a:extLst>
-          </a:blip>
-          <a:stretch>
-            <a:fillRect/>
-          </a:stretch>
-        </p:blipFill>
-        <p:spPr>
-          <a:xfrm>
-            <a:off x="0" y="0"/>
-            <a:ext cx="12192000" cy="1441450"/>
-          </a:xfrm>
-          <a:prstGeom prst="rect">
-            <a:avLst/>
-          </a:prstGeom>
-        </p:spPr>
-      </p:pic>
-      <p:pic>
-        <p:nvPicPr>
-          <p:cNvPr id="12" name="Picture 11">
-            <a:extLst>
-              <a:ext uri="{FF2B5EF4-FFF2-40B4-BE49-F238E27FC236}">
-                <a16:creationId xmlns:a16="http://schemas.microsoft.com/office/drawing/2014/main" id="{BB912AE0-CAD9-4F8F-A2A2-BDF07D4EDD22}"/>
-              </a:ext>
-              <a:ext uri="{C183D7F6-B498-43B3-948B-1728B52AA6E4}">
-                <adec:decorative xmlns:adec="http://schemas.microsoft.com/office/drawing/2017/decorative" val="1"/>
-              </a:ext>
-            </a:extLst>
-          </p:cNvPr>
-          <p:cNvPicPr>
-            <a:picLocks noGrp="1" noRot="1" noChangeAspect="1" noMove="1" noResize="1" noEditPoints="1" noAdjustHandles="1" noChangeArrowheads="1" noChangeShapeType="1" noCrop="1"/>
-          </p:cNvPicPr>
-          <p:nvPr>
-            <p:extLst>
-              <p:ext uri="{386F3935-93C4-4BCD-93E2-E3B085C9AB24}">
-                <p16:designElem xmlns:p16="http://schemas.microsoft.com/office/powerpoint/2015/main" val="1"/>
-              </p:ext>
-            </p:extLst>
-          </p:nvPr>
-        </p:nvPicPr>
-        <p:blipFill>
-          <a:blip r:embed="rId3">
-            <a:extLst>
-              <a:ext uri="{28A0092B-C50C-407E-A947-70E740481C1C}">
-                <a14:useLocalDpi xmlns:a14="http://schemas.microsoft.com/office/drawing/2010/main" val="0"/>
-              </a:ext>
-            </a:extLst>
-          </a:blip>
-          <a:stretch>
-            <a:fillRect/>
-          </a:stretch>
-        </p:blipFill>
-        <p:spPr>
-          <a:xfrm>
-            <a:off x="0" y="4375150"/>
-            <a:ext cx="12192000" cy="2482850"/>
-          </a:xfrm>
-          <a:prstGeom prst="rect">
-            <a:avLst/>
-          </a:prstGeom>
-        </p:spPr>
-      </p:pic>
-      <p:sp useBgFill="1">
-        <p:nvSpPr>
-          <p:cNvPr id="14" name="Rectangle 13">
-            <a:extLst>
-              <a:ext uri="{FF2B5EF4-FFF2-40B4-BE49-F238E27FC236}">
-                <a16:creationId xmlns:a16="http://schemas.microsoft.com/office/drawing/2014/main" id="{BD7C2DEF-63C5-495B-BBE5-720E5D12B4D2}"/>
-              </a:ext>
-              <a:ext uri="{C183D7F6-B498-43B3-948B-1728B52AA6E4}">
-                <adec:decorative xmlns:adec="http://schemas.microsoft.com/office/drawing/2017/decorative" val="1"/>
-              </a:ext>
-            </a:extLst>
-          </p:cNvPr>
-          <p:cNvSpPr>
-            <a:spLocks noGrp="1" noRot="1" noChangeAspect="1" noMove="1" noResize="1" noEditPoints="1" noAdjustHandles="1" noChangeArrowheads="1" noChangeShapeType="1" noTextEdit="1"/>
-          </p:cNvSpPr>
-          <p:nvPr>
-            <p:extLst>
-              <p:ext uri="{386F3935-93C4-4BCD-93E2-E3B085C9AB24}">
-                <p16:designElem xmlns:p16="http://schemas.microsoft.com/office/powerpoint/2015/main" val="1"/>
-              </p:ext>
-            </p:extLst>
-          </p:nvPr>
-        </p:nvSpPr>
-        <p:spPr>
-          <a:xfrm>
-            <a:off x="0" y="0"/>
-            <a:ext cx="12192000" cy="6858000"/>
-          </a:xfrm>
-          <a:prstGeom prst="rect">
-            <a:avLst/>
-          </a:prstGeom>
-          <a:ln>
-            <a:noFill/>
-          </a:ln>
-        </p:spPr>
-        <p:style>
-          <a:lnRef idx="2">
-            <a:schemeClr val="accent1">
-              <a:shade val="50000"/>
-            </a:schemeClr>
-          </a:lnRef>
-          <a:fillRef idx="1">
-            <a:schemeClr val="accent1"/>
-          </a:fillRef>
-          <a:effectRef idx="0">
-            <a:schemeClr val="accent1"/>
-          </a:effectRef>
-          <a:fontRef idx="minor">
-            <a:schemeClr val="lt1"/>
-          </a:fontRef>
-        </p:style>
-        <p:txBody>
-          <a:bodyPr rtlCol="0" anchor="ctr"/>
-          <a:lstStyle/>
-          <a:p>
-            <a:pPr algn="ctr"/>
-            <a:endParaRPr lang="en-US"/>
-          </a:p>
-        </p:txBody>
-      </p:sp>
-      <p:pic>
-        <p:nvPicPr>
-          <p:cNvPr id="16" name="Picture 15">
-            <a:extLst>
-              <a:ext uri="{FF2B5EF4-FFF2-40B4-BE49-F238E27FC236}">
-                <a16:creationId xmlns:a16="http://schemas.microsoft.com/office/drawing/2014/main" id="{FE21E403-0B61-4473-BE57-AB0F16379674}"/>
-              </a:ext>
-              <a:ext uri="{C183D7F6-B498-43B3-948B-1728B52AA6E4}">
-                <adec:decorative xmlns:adec="http://schemas.microsoft.com/office/drawing/2017/decorative" val="1"/>
-              </a:ext>
-            </a:extLst>
-          </p:cNvPr>
-          <p:cNvPicPr>
-            <a:picLocks noGrp="1" noRot="1" noChangeAspect="1" noMove="1" noResize="1" noEditPoints="1" noAdjustHandles="1" noChangeArrowheads="1" noChangeShapeType="1" noCrop="1"/>
-          </p:cNvPicPr>
-          <p:nvPr>
-            <p:extLst>
-              <p:ext uri="{386F3935-93C4-4BCD-93E2-E3B085C9AB24}">
-                <p16:designElem xmlns:p16="http://schemas.microsoft.com/office/powerpoint/2015/main" val="1"/>
-              </p:ext>
-            </p:extLst>
-          </p:nvPr>
-        </p:nvPicPr>
-        <p:blipFill>
-          <a:blip r:embed="rId2">
-            <a:extLst>
-              <a:ext uri="{28A0092B-C50C-407E-A947-70E740481C1C}">
-                <a14:useLocalDpi xmlns:a14="http://schemas.microsoft.com/office/drawing/2010/main" val="0"/>
-              </a:ext>
-            </a:extLst>
-          </a:blip>
-          <a:stretch>
-            <a:fillRect/>
-          </a:stretch>
-        </p:blipFill>
-        <p:spPr>
-          <a:xfrm>
-            <a:off x="0" y="0"/>
-            <a:ext cx="12192000" cy="1441450"/>
-          </a:xfrm>
-          <a:prstGeom prst="rect">
-            <a:avLst/>
-          </a:prstGeom>
-        </p:spPr>
-      </p:pic>
-      <p:sp>
-        <p:nvSpPr>
-          <p:cNvPr id="4" name="TextBox 3">
-            <a:extLst>
-              <a:ext uri="{FF2B5EF4-FFF2-40B4-BE49-F238E27FC236}">
-                <a16:creationId xmlns:a16="http://schemas.microsoft.com/office/drawing/2014/main" id="{041AB2AA-5CEF-3AE5-CD2D-C7427EEA64D2}"/>
-              </a:ext>
-            </a:extLst>
-          </p:cNvPr>
-          <p:cNvSpPr txBox="1"/>
-          <p:nvPr/>
-        </p:nvSpPr>
-        <p:spPr>
-          <a:xfrm>
-            <a:off x="636696" y="643464"/>
-            <a:ext cx="3761964" cy="3273061"/>
-          </a:xfrm>
-          <a:prstGeom prst="rect">
-            <a:avLst/>
-          </a:prstGeom>
-          <a:noFill/>
-          <a:ln w="19050">
-            <a:noFill/>
-            <a:prstDash val="dash"/>
-          </a:ln>
-        </p:spPr>
-        <p:txBody>
-          <a:bodyPr vert="horz" lIns="91440" tIns="45720" rIns="91440" bIns="45720" rtlCol="0" anchor="b">
-            <a:normAutofit/>
-          </a:bodyPr>
-          <a:lstStyle/>
-          <a:p>
-            <a:pPr algn="r" defTabSz="914400">
-              <a:lnSpc>
-                <a:spcPct val="90000"/>
-              </a:lnSpc>
-              <a:spcBef>
-                <a:spcPct val="0"/>
-              </a:spcBef>
-              <a:spcAft>
-                <a:spcPts val="600"/>
-              </a:spcAft>
-            </a:pPr>
-            <a:r>
-              <a:rPr lang="en-US" sz="4800" b="1" cap="all">
-                <a:latin typeface="+mj-lt"/>
-                <a:ea typeface="+mj-ea"/>
-                <a:cs typeface="+mj-cs"/>
-              </a:rPr>
-              <a:t>Dataset Used:</a:t>
-            </a:r>
-          </a:p>
-        </p:txBody>
-      </p:sp>
-      <p:pic>
-        <p:nvPicPr>
-          <p:cNvPr id="5" name="Picture 4" descr="A screenshot of a black screen&#10;&#10;Description automatically generated with low confidence">
-            <a:extLst>
-              <a:ext uri="{FF2B5EF4-FFF2-40B4-BE49-F238E27FC236}">
-                <a16:creationId xmlns:a16="http://schemas.microsoft.com/office/drawing/2014/main" id="{6E846792-BDA3-5EC0-AA20-5A587329E4D8}"/>
-              </a:ext>
-            </a:extLst>
-          </p:cNvPr>
-          <p:cNvPicPr>
-            <a:picLocks noChangeAspect="1"/>
-          </p:cNvPicPr>
-          <p:nvPr/>
-        </p:nvPicPr>
-        <p:blipFill>
-          <a:blip r:embed="rId4"/>
-          <a:stretch>
-            <a:fillRect/>
-          </a:stretch>
-        </p:blipFill>
-        <p:spPr>
-          <a:xfrm>
-            <a:off x="5046653" y="2309394"/>
-            <a:ext cx="6177937" cy="2378504"/>
-          </a:xfrm>
-          <a:prstGeom prst="rect">
-            <a:avLst/>
-          </a:prstGeom>
-        </p:spPr>
-      </p:pic>
-    </p:spTree>
-    <p:extLst>
-      <p:ext uri="{BB962C8B-B14F-4D97-AF65-F5344CB8AC3E}">
-        <p14:creationId xmlns:p14="http://schemas.microsoft.com/office/powerpoint/2010/main" val="3627980327"/>
       </p:ext>
     </p:extLst>
   </p:cSld>
@@ -11525,76 +12367,10 @@
       </p:grpSpPr>
       <p:sp>
         <p:nvSpPr>
-          <p:cNvPr id="2" name="Title 1">
+          <p:cNvPr id="2" name="TextBox 1">
             <a:extLst>
               <a:ext uri="{FF2B5EF4-FFF2-40B4-BE49-F238E27FC236}">
-                <a16:creationId xmlns:a16="http://schemas.microsoft.com/office/drawing/2014/main" id="{3E98410A-7D2F-6E66-75E5-A7446123ECD0}"/>
-              </a:ext>
-            </a:extLst>
-          </p:cNvPr>
-          <p:cNvSpPr>
-            <a:spLocks noGrp="1"/>
-          </p:cNvSpPr>
-          <p:nvPr>
-            <p:ph type="title"/>
-          </p:nvPr>
-        </p:nvSpPr>
-        <p:spPr>
-          <a:xfrm>
-            <a:off x="231913" y="227660"/>
-            <a:ext cx="8610600" cy="597288"/>
-          </a:xfrm>
-        </p:spPr>
-        <p:txBody>
-          <a:bodyPr>
-            <a:normAutofit fontScale="90000"/>
-          </a:bodyPr>
-          <a:lstStyle/>
-          <a:p>
-            <a:pPr algn="l"/>
-            <a:r>
-              <a:rPr lang="en-US" b="1" dirty="0"/>
-              <a:t>Commercial Applications:</a:t>
-            </a:r>
-          </a:p>
-        </p:txBody>
-      </p:sp>
-      <p:pic>
-        <p:nvPicPr>
-          <p:cNvPr id="5" name="Picture 4" descr="A map of the united states&#10;&#10;Description automatically generated with medium confidence">
-            <a:extLst>
-              <a:ext uri="{FF2B5EF4-FFF2-40B4-BE49-F238E27FC236}">
-                <a16:creationId xmlns:a16="http://schemas.microsoft.com/office/drawing/2014/main" id="{799C6D38-FBBD-804C-254A-E1D8304AB9C3}"/>
-              </a:ext>
-            </a:extLst>
-          </p:cNvPr>
-          <p:cNvPicPr>
-            <a:picLocks noChangeAspect="1"/>
-          </p:cNvPicPr>
-          <p:nvPr/>
-        </p:nvPicPr>
-        <p:blipFill>
-          <a:blip r:embed="rId2"/>
-          <a:stretch>
-            <a:fillRect/>
-          </a:stretch>
-        </p:blipFill>
-        <p:spPr>
-          <a:xfrm>
-            <a:off x="323040" y="824948"/>
-            <a:ext cx="10872182" cy="4596963"/>
-          </a:xfrm>
-          <a:prstGeom prst="rect">
-            <a:avLst/>
-          </a:prstGeom>
-        </p:spPr>
-      </p:pic>
-      <p:sp>
-        <p:nvSpPr>
-          <p:cNvPr id="6" name="TextBox 5">
-            <a:extLst>
-              <a:ext uri="{FF2B5EF4-FFF2-40B4-BE49-F238E27FC236}">
-                <a16:creationId xmlns:a16="http://schemas.microsoft.com/office/drawing/2014/main" id="{269DD956-5F43-3FD4-D260-E8E3C6440DF8}"/>
+                <a16:creationId xmlns:a16="http://schemas.microsoft.com/office/drawing/2014/main" id="{A5A60729-6601-1A70-53BC-D2E24B2F3379}"/>
               </a:ext>
             </a:extLst>
           </p:cNvPr>
@@ -11603,8 +12379,8 @@
         </p:nvSpPr>
         <p:spPr>
           <a:xfrm>
-            <a:off x="667265" y="5733535"/>
-            <a:ext cx="9119286" cy="646331"/>
+            <a:off x="2458190" y="1919843"/>
+            <a:ext cx="7433955" cy="3463637"/>
           </a:xfrm>
           <a:prstGeom prst="rect">
             <a:avLst/>
@@ -11617,23 +12393,48 @@
           </a:bodyPr>
           <a:lstStyle/>
           <a:p>
-            <a:pPr marL="285750" indent="-285750">
-              <a:buFont typeface="Arial" panose="020B0604020202020204" pitchFamily="34" charset="0"/>
-              <a:buChar char="•"/>
-            </a:pPr>
-            <a:r>
-              <a:rPr lang="en-US" dirty="0"/>
-              <a:t>Charging stations well established in major cities and coastal cities</a:t>
-            </a:r>
-          </a:p>
-          <a:p>
-            <a:pPr marL="285750" indent="-285750">
-              <a:buFont typeface="Arial" panose="020B0604020202020204" pitchFamily="34" charset="0"/>
-              <a:buChar char="•"/>
-            </a:pPr>
-            <a:r>
-              <a:rPr lang="en-US" dirty="0"/>
-              <a:t>Charging limited in the Midwest and Southern States</a:t>
+            <a:r>
+              <a:rPr lang="en-US" sz="4400" b="1" dirty="0"/>
+              <a:t>Question 2: </a:t>
+            </a:r>
+            <a:r>
+              <a:rPr lang="en-US" sz="4400" dirty="0"/>
+              <a:t>Is an EV appropriate for commercial applications including cross country transport?</a:t>
+            </a:r>
+          </a:p>
+        </p:txBody>
+      </p:sp>
+      <p:sp>
+        <p:nvSpPr>
+          <p:cNvPr id="3" name="TextBox 2">
+            <a:extLst>
+              <a:ext uri="{FF2B5EF4-FFF2-40B4-BE49-F238E27FC236}">
+                <a16:creationId xmlns:a16="http://schemas.microsoft.com/office/drawing/2014/main" id="{0F8B3A5E-77E2-2811-4F55-D4C92119F411}"/>
+              </a:ext>
+            </a:extLst>
+          </p:cNvPr>
+          <p:cNvSpPr txBox="1"/>
+          <p:nvPr/>
+        </p:nvSpPr>
+        <p:spPr>
+          <a:xfrm>
+            <a:off x="146462" y="443345"/>
+            <a:ext cx="6111834" cy="646331"/>
+          </a:xfrm>
+          <a:prstGeom prst="rect">
+            <a:avLst/>
+          </a:prstGeom>
+          <a:noFill/>
+        </p:spPr>
+        <p:txBody>
+          <a:bodyPr wrap="square" rtlCol="0">
+            <a:spAutoFit/>
+          </a:bodyPr>
+          <a:lstStyle/>
+          <a:p>
+            <a:r>
+              <a:rPr lang="en-US" sz="3600" b="1" dirty="0"/>
+              <a:t>EV as Commercial Vehicle</a:t>
             </a:r>
           </a:p>
         </p:txBody>
@@ -11641,7 +12442,7 @@
     </p:spTree>
     <p:extLst>
       <p:ext uri="{BB962C8B-B14F-4D97-AF65-F5344CB8AC3E}">
-        <p14:creationId xmlns:p14="http://schemas.microsoft.com/office/powerpoint/2010/main" val="4011091707"/>
+        <p14:creationId xmlns:p14="http://schemas.microsoft.com/office/powerpoint/2010/main" val="2387524970"/>
       </p:ext>
     </p:extLst>
   </p:cSld>
@@ -11919,4 +12720,299 @@
     </a:ext>
   </a:extLst>
 </a:theme>
+</file>
+
+<file path=ppt/theme/theme2.xml><?xml version="1.0" encoding="utf-8"?>
+<a:theme xmlns:a="http://schemas.openxmlformats.org/drawingml/2006/main" name="Office Theme">
+  <a:themeElements>
+    <a:clrScheme name="Office">
+      <a:dk1>
+        <a:sysClr val="windowText" lastClr="000000"/>
+      </a:dk1>
+      <a:lt1>
+        <a:sysClr val="window" lastClr="FFFFFF"/>
+      </a:lt1>
+      <a:dk2>
+        <a:srgbClr val="44546A"/>
+      </a:dk2>
+      <a:lt2>
+        <a:srgbClr val="E7E6E6"/>
+      </a:lt2>
+      <a:accent1>
+        <a:srgbClr val="4472C4"/>
+      </a:accent1>
+      <a:accent2>
+        <a:srgbClr val="ED7D31"/>
+      </a:accent2>
+      <a:accent3>
+        <a:srgbClr val="A5A5A5"/>
+      </a:accent3>
+      <a:accent4>
+        <a:srgbClr val="FFC000"/>
+      </a:accent4>
+      <a:accent5>
+        <a:srgbClr val="5B9BD5"/>
+      </a:accent5>
+      <a:accent6>
+        <a:srgbClr val="70AD47"/>
+      </a:accent6>
+      <a:hlink>
+        <a:srgbClr val="0563C1"/>
+      </a:hlink>
+      <a:folHlink>
+        <a:srgbClr val="954F72"/>
+      </a:folHlink>
+    </a:clrScheme>
+    <a:fontScheme name="Office">
+      <a:majorFont>
+        <a:latin typeface="Calibri Light" panose="020F0302020204030204"/>
+        <a:ea typeface=""/>
+        <a:cs typeface=""/>
+        <a:font script="Jpan" typeface="游ゴシック Light"/>
+        <a:font script="Hang" typeface="맑은 고딕"/>
+        <a:font script="Hans" typeface="等线 Light"/>
+        <a:font script="Hant" typeface="新細明體"/>
+        <a:font script="Arab" typeface="Times New Roman"/>
+        <a:font script="Hebr" typeface="Times New Roman"/>
+        <a:font script="Thai" typeface="Angsana New"/>
+        <a:font script="Ethi" typeface="Nyala"/>
+        <a:font script="Beng" typeface="Vrinda"/>
+        <a:font script="Gujr" typeface="Shruti"/>
+        <a:font script="Khmr" typeface="MoolBoran"/>
+        <a:font script="Knda" typeface="Tunga"/>
+        <a:font script="Guru" typeface="Raavi"/>
+        <a:font script="Cans" typeface="Euphemia"/>
+        <a:font script="Cher" typeface="Plantagenet Cherokee"/>
+        <a:font script="Yiii" typeface="Microsoft Yi Baiti"/>
+        <a:font script="Tibt" typeface="Microsoft Himalaya"/>
+        <a:font script="Thaa" typeface="MV Boli"/>
+        <a:font script="Deva" typeface="Mangal"/>
+        <a:font script="Telu" typeface="Gautami"/>
+        <a:font script="Taml" typeface="Latha"/>
+        <a:font script="Syrc" typeface="Estrangelo Edessa"/>
+        <a:font script="Orya" typeface="Kalinga"/>
+        <a:font script="Mlym" typeface="Kartika"/>
+        <a:font script="Laoo" typeface="DokChampa"/>
+        <a:font script="Sinh" typeface="Iskoola Pota"/>
+        <a:font script="Mong" typeface="Mongolian Baiti"/>
+        <a:font script="Viet" typeface="Times New Roman"/>
+        <a:font script="Uigh" typeface="Microsoft Uighur"/>
+        <a:font script="Geor" typeface="Sylfaen"/>
+        <a:font script="Armn" typeface="Arial"/>
+        <a:font script="Bugi" typeface="Leelawadee UI"/>
+        <a:font script="Bopo" typeface="Microsoft JhengHei"/>
+        <a:font script="Java" typeface="Javanese Text"/>
+        <a:font script="Lisu" typeface="Segoe UI"/>
+        <a:font script="Mymr" typeface="Myanmar Text"/>
+        <a:font script="Nkoo" typeface="Ebrima"/>
+        <a:font script="Olck" typeface="Nirmala UI"/>
+        <a:font script="Osma" typeface="Ebrima"/>
+        <a:font script="Phag" typeface="Phagspa"/>
+        <a:font script="Syrn" typeface="Estrangelo Edessa"/>
+        <a:font script="Syrj" typeface="Estrangelo Edessa"/>
+        <a:font script="Syre" typeface="Estrangelo Edessa"/>
+        <a:font script="Sora" typeface="Nirmala UI"/>
+        <a:font script="Tale" typeface="Microsoft Tai Le"/>
+        <a:font script="Talu" typeface="Microsoft New Tai Lue"/>
+        <a:font script="Tfng" typeface="Ebrima"/>
+      </a:majorFont>
+      <a:minorFont>
+        <a:latin typeface="Calibri" panose="020F0502020204030204"/>
+        <a:ea typeface=""/>
+        <a:cs typeface=""/>
+        <a:font script="Jpan" typeface="游ゴシック"/>
+        <a:font script="Hang" typeface="맑은 고딕"/>
+        <a:font script="Hans" typeface="等线"/>
+        <a:font script="Hant" typeface="新細明體"/>
+        <a:font script="Arab" typeface="Arial"/>
+        <a:font script="Hebr" typeface="Arial"/>
+        <a:font script="Thai" typeface="Cordia New"/>
+        <a:font script="Ethi" typeface="Nyala"/>
+        <a:font script="Beng" typeface="Vrinda"/>
+        <a:font script="Gujr" typeface="Shruti"/>
+        <a:font script="Khmr" typeface="DaunPenh"/>
+        <a:font script="Knda" typeface="Tunga"/>
+        <a:font script="Guru" typeface="Raavi"/>
+        <a:font script="Cans" typeface="Euphemia"/>
+        <a:font script="Cher" typeface="Plantagenet Cherokee"/>
+        <a:font script="Yiii" typeface="Microsoft Yi Baiti"/>
+        <a:font script="Tibt" typeface="Microsoft Himalaya"/>
+        <a:font script="Thaa" typeface="MV Boli"/>
+        <a:font script="Deva" typeface="Mangal"/>
+        <a:font script="Telu" typeface="Gautami"/>
+        <a:font script="Taml" typeface="Latha"/>
+        <a:font script="Syrc" typeface="Estrangelo Edessa"/>
+        <a:font script="Orya" typeface="Kalinga"/>
+        <a:font script="Mlym" typeface="Kartika"/>
+        <a:font script="Laoo" typeface="DokChampa"/>
+        <a:font script="Sinh" typeface="Iskoola Pota"/>
+        <a:font script="Mong" typeface="Mongolian Baiti"/>
+        <a:font script="Viet" typeface="Arial"/>
+        <a:font script="Uigh" typeface="Microsoft Uighur"/>
+        <a:font script="Geor" typeface="Sylfaen"/>
+        <a:font script="Armn" typeface="Arial"/>
+        <a:font script="Bugi" typeface="Leelawadee UI"/>
+        <a:font script="Bopo" typeface="Microsoft JhengHei"/>
+        <a:font script="Java" typeface="Javanese Text"/>
+        <a:font script="Lisu" typeface="Segoe UI"/>
+        <a:font script="Mymr" typeface="Myanmar Text"/>
+        <a:font script="Nkoo" typeface="Ebrima"/>
+        <a:font script="Olck" typeface="Nirmala UI"/>
+        <a:font script="Osma" typeface="Ebrima"/>
+        <a:font script="Phag" typeface="Phagspa"/>
+        <a:font script="Syrn" typeface="Estrangelo Edessa"/>
+        <a:font script="Syrj" typeface="Estrangelo Edessa"/>
+        <a:font script="Syre" typeface="Estrangelo Edessa"/>
+        <a:font script="Sora" typeface="Nirmala UI"/>
+        <a:font script="Tale" typeface="Microsoft Tai Le"/>
+        <a:font script="Talu" typeface="Microsoft New Tai Lue"/>
+        <a:font script="Tfng" typeface="Ebrima"/>
+      </a:minorFont>
+    </a:fontScheme>
+    <a:fmtScheme name="Office">
+      <a:fillStyleLst>
+        <a:solidFill>
+          <a:schemeClr val="phClr"/>
+        </a:solidFill>
+        <a:gradFill rotWithShape="1">
+          <a:gsLst>
+            <a:gs pos="0">
+              <a:schemeClr val="phClr">
+                <a:lumMod val="110000"/>
+                <a:satMod val="105000"/>
+                <a:tint val="67000"/>
+              </a:schemeClr>
+            </a:gs>
+            <a:gs pos="50000">
+              <a:schemeClr val="phClr">
+                <a:lumMod val="105000"/>
+                <a:satMod val="103000"/>
+                <a:tint val="73000"/>
+              </a:schemeClr>
+            </a:gs>
+            <a:gs pos="100000">
+              <a:schemeClr val="phClr">
+                <a:lumMod val="105000"/>
+                <a:satMod val="109000"/>
+                <a:tint val="81000"/>
+              </a:schemeClr>
+            </a:gs>
+          </a:gsLst>
+          <a:lin ang="5400000" scaled="0"/>
+        </a:gradFill>
+        <a:gradFill rotWithShape="1">
+          <a:gsLst>
+            <a:gs pos="0">
+              <a:schemeClr val="phClr">
+                <a:satMod val="103000"/>
+                <a:lumMod val="102000"/>
+                <a:tint val="94000"/>
+              </a:schemeClr>
+            </a:gs>
+            <a:gs pos="50000">
+              <a:schemeClr val="phClr">
+                <a:satMod val="110000"/>
+                <a:lumMod val="100000"/>
+                <a:shade val="100000"/>
+              </a:schemeClr>
+            </a:gs>
+            <a:gs pos="100000">
+              <a:schemeClr val="phClr">
+                <a:lumMod val="99000"/>
+                <a:satMod val="120000"/>
+                <a:shade val="78000"/>
+              </a:schemeClr>
+            </a:gs>
+          </a:gsLst>
+          <a:lin ang="5400000" scaled="0"/>
+        </a:gradFill>
+      </a:fillStyleLst>
+      <a:lnStyleLst>
+        <a:ln w="6350" cap="flat" cmpd="sng" algn="ctr">
+          <a:solidFill>
+            <a:schemeClr val="phClr"/>
+          </a:solidFill>
+          <a:prstDash val="solid"/>
+          <a:miter lim="800000"/>
+        </a:ln>
+        <a:ln w="12700" cap="flat" cmpd="sng" algn="ctr">
+          <a:solidFill>
+            <a:schemeClr val="phClr"/>
+          </a:solidFill>
+          <a:prstDash val="solid"/>
+          <a:miter lim="800000"/>
+        </a:ln>
+        <a:ln w="19050" cap="flat" cmpd="sng" algn="ctr">
+          <a:solidFill>
+            <a:schemeClr val="phClr"/>
+          </a:solidFill>
+          <a:prstDash val="solid"/>
+          <a:miter lim="800000"/>
+        </a:ln>
+      </a:lnStyleLst>
+      <a:effectStyleLst>
+        <a:effectStyle>
+          <a:effectLst/>
+        </a:effectStyle>
+        <a:effectStyle>
+          <a:effectLst/>
+        </a:effectStyle>
+        <a:effectStyle>
+          <a:effectLst>
+            <a:outerShdw blurRad="57150" dist="19050" dir="5400000" algn="ctr" rotWithShape="0">
+              <a:srgbClr val="000000">
+                <a:alpha val="63000"/>
+              </a:srgbClr>
+            </a:outerShdw>
+          </a:effectLst>
+        </a:effectStyle>
+      </a:effectStyleLst>
+      <a:bgFillStyleLst>
+        <a:solidFill>
+          <a:schemeClr val="phClr"/>
+        </a:solidFill>
+        <a:solidFill>
+          <a:schemeClr val="phClr">
+            <a:tint val="95000"/>
+            <a:satMod val="170000"/>
+          </a:schemeClr>
+        </a:solidFill>
+        <a:gradFill rotWithShape="1">
+          <a:gsLst>
+            <a:gs pos="0">
+              <a:schemeClr val="phClr">
+                <a:tint val="93000"/>
+                <a:satMod val="150000"/>
+                <a:shade val="98000"/>
+                <a:lumMod val="102000"/>
+              </a:schemeClr>
+            </a:gs>
+            <a:gs pos="50000">
+              <a:schemeClr val="phClr">
+                <a:tint val="98000"/>
+                <a:satMod val="130000"/>
+                <a:shade val="90000"/>
+                <a:lumMod val="103000"/>
+              </a:schemeClr>
+            </a:gs>
+            <a:gs pos="100000">
+              <a:schemeClr val="phClr">
+                <a:shade val="63000"/>
+                <a:satMod val="120000"/>
+              </a:schemeClr>
+            </a:gs>
+          </a:gsLst>
+          <a:lin ang="5400000" scaled="0"/>
+        </a:gradFill>
+      </a:bgFillStyleLst>
+    </a:fmtScheme>
+  </a:themeElements>
+  <a:objectDefaults/>
+  <a:extraClrSchemeLst/>
+  <a:extLst>
+    <a:ext uri="{05A4C25C-085E-4340-85A3-A5531E510DB2}">
+      <thm15:themeFamily xmlns:thm15="http://schemas.microsoft.com/office/thememl/2012/main" name="Office Theme" id="{62F939B6-93AF-4DB8-9C6B-D6C7DFDC589F}" vid="{4A3C46E8-61CC-4603-A589-7422A47A8E4A}"/>
+    </a:ext>
+  </a:extLst>
+</a:theme>
 </file>